--- a/src/goodongheun/H5_MVC.pptx
+++ b/src/goodongheun/H5_MVC.pptx
@@ -2,7 +2,7 @@
 <file path=ppt/presentation.xml><?xml version="1.0" encoding="utf-8"?>
 <p:presentation xmlns:a="http://schemas.openxmlformats.org/drawingml/2006/main" xmlns:r="http://schemas.openxmlformats.org/officeDocument/2006/relationships" xmlns:p="http://schemas.openxmlformats.org/presentationml/2006/main" xmlns:p14="http://schemas.microsoft.com/office/powerpoint/2010/main">
   <p:sldMasterIdLst>
-    <p:sldMasterId id="2147483671" r:id="rId7"/>
+    <p:sldMasterId id="2147483683" r:id="rId7"/>
   </p:sldMasterIdLst>
   <p:notesMasterIdLst>
     <p:notesMasterId r:id="rId9"/>
@@ -320,12 +320,12 @@
   <p:extLst>
     <p:ext uri="{EFAFB233-063F-42B5-8137-9DF3F51BA10A}">
       <p15:sldGuideLst xmlns:p15="http://schemas.microsoft.com/office/powerpoint/2012/main">
-        <p15:guide id="1" orient="horz" pos="3070" userDrawn="0">
+        <p15:guide id="1" orient="horz" pos="3069" userDrawn="0">
           <p15:clr>
             <a:srgbClr val="A4A3A4"/>
           </p15:clr>
         </p15:guide>
-        <p15:guide id="2" pos="4094" userDrawn="0">
+        <p15:guide id="2" pos="4093" userDrawn="0">
           <p15:clr>
             <a:srgbClr val="A4A3A4"/>
           </p15:clr>
@@ -4912,11 +4912,11 @@
   </p:cSld>
   <p:clrMap bg1="lt1" tx1="dk1" bg2="lt2" tx2="dk2" accent1="accent1" accent2="accent2" accent3="accent3" accent4="accent4" accent5="accent5" accent6="accent6" hlink="hlink" folHlink="folHlink"/>
   <p:sldLayoutIdLst>
-    <p:sldLayoutId id="2147483666" r:id="rId1"/>
-    <p:sldLayoutId id="2147483667" r:id="rId2"/>
-    <p:sldLayoutId id="2147483668" r:id="rId3"/>
-    <p:sldLayoutId id="2147483669" r:id="rId4"/>
-    <p:sldLayoutId id="2147483670" r:id="rId5"/>
+    <p:sldLayoutId id="2147483678" r:id="rId1"/>
+    <p:sldLayoutId id="2147483679" r:id="rId2"/>
+    <p:sldLayoutId id="2147483680" r:id="rId3"/>
+    <p:sldLayoutId id="2147483681" r:id="rId4"/>
+    <p:sldLayoutId id="2147483682" r:id="rId5"/>
   </p:sldLayoutIdLst>
   <mc:AlternateContent xmlns:mc="http://schemas.openxmlformats.org/markup-compatibility/2006">
     <mc:Choice xmlns:p14="http://schemas.microsoft.com/office/powerpoint/2010/main" Requires="p14">
@@ -7238,7 +7238,7 @@
 </file>
 
 <file path=ppt/slides/slide4.xml><?xml version="1.0" encoding="utf-8"?>
-<p:sld xmlns:a="http://schemas.openxmlformats.org/drawingml/2006/main" xmlns:r="http://schemas.openxmlformats.org/officeDocument/2006/relationships" xmlns:p="http://schemas.openxmlformats.org/presentationml/2006/main">
+<p:sld xmlns:a="http://schemas.openxmlformats.org/drawingml/2006/main" xmlns:r="http://schemas.openxmlformats.org/officeDocument/2006/relationships" xmlns:p="http://schemas.openxmlformats.org/presentationml/2006/main" xmlns:p14="http://schemas.microsoft.com/office/powerpoint/2010/main">
   <p:cSld>
     <p:spTree>
       <p:nvGrpSpPr>
@@ -7254,6 +7254,203 @@
           <a:chExt cx="0" cy="0"/>
         </a:xfrm>
       </p:grpSpPr>
+      <p:sp>
+        <p:nvSpPr>
+          <p:cNvPr id="464" name="텍스트 개체 틀 463"/>
+          <p:cNvSpPr txBox="1">
+            <a:spLocks/>
+          </p:cNvSpPr>
+          <p:nvPr>
+            <p:ph type="body" idx="1"/>
+          </p:nvPr>
+        </p:nvSpPr>
+        <p:spPr>
+          <a:xfrm rot="0">
+            <a:off x="1370330" y="4964430"/>
+            <a:ext cx="10264775" cy="2907665"/>
+          </a:xfrm>
+          <a:ln w="12700" cap="flat" cmpd="sng">
+            <a:prstDash/>
+            <a:miter lim="800000"/>
+          </a:ln>
+        </p:spPr>
+        <p:txBody>
+          <a:bodyPr wrap="square" lIns="0" tIns="0" rIns="0" bIns="0" vert="horz" anchor="t">
+            <a:noAutofit/>
+          </a:bodyPr>
+          <a:lstStyle/>
+          <a:p>
+            <a:pPr marL="0" indent="0" algn="l" fontAlgn="auto" defTabSz="584200">
+              <a:lnSpc>
+                <a:spcPct val="120000"/>
+              </a:lnSpc>
+              <a:spcBef>
+                <a:spcPts val="0"/>
+              </a:spcBef>
+              <a:spcAft>
+                <a:spcPts val="0"/>
+              </a:spcAft>
+              <a:buFontTx/>
+              <a:buNone/>
+            </a:pPr>
+            <a:r>
+              <a:rPr lang="en-US" altLang="ko-KR" sz="1400" cap="none" dirty="0" smtClean="0" b="0" strike="noStrike">
+                <a:ln w="9525" cap="flat" cmpd="sng">
+                  <a:noFill/>
+                  <a:prstDash/>
+                </a:ln>
+                <a:latin typeface="Avenir Next Ultra Light" charset="0"/>
+                <a:ea typeface="Avenir Next Ultra Light" charset="0"/>
+              </a:rPr>
+              <a:t>마스터 텍스트 스타일을 편집합니다</a:t>
+            </a:r>
+            <a:endParaRPr lang="ko-KR" altLang="en-US" sz="1400" cap="none" dirty="0" smtClean="0" b="0" strike="noStrike">
+              <a:ln w="9525" cap="flat" cmpd="sng">
+                <a:noFill/>
+                <a:prstDash/>
+              </a:ln>
+              <a:latin typeface="Avenir Next Ultra Light" charset="0"/>
+              <a:ea typeface="Avenir Next Ultra Light" charset="0"/>
+            </a:endParaRPr>
+          </a:p>
+          <a:p>
+            <a:pPr marL="0" indent="0" algn="l" fontAlgn="auto" defTabSz="584200">
+              <a:lnSpc>
+                <a:spcPct val="120000"/>
+              </a:lnSpc>
+              <a:spcBef>
+                <a:spcPts val="0"/>
+              </a:spcBef>
+              <a:spcAft>
+                <a:spcPts val="0"/>
+              </a:spcAft>
+              <a:buFontTx/>
+              <a:buNone/>
+            </a:pPr>
+            <a:r>
+              <a:rPr lang="en-US" altLang="ko-KR" sz="1400" cap="none" dirty="0" smtClean="0" b="0" strike="noStrike">
+                <a:ln w="9525" cap="flat" cmpd="sng">
+                  <a:noFill/>
+                  <a:prstDash/>
+                </a:ln>
+                <a:latin typeface="Avenir Next Ultra Light" charset="0"/>
+                <a:ea typeface="Avenir Next Ultra Light" charset="0"/>
+              </a:rPr>
+              <a:t>둘째 수준</a:t>
+            </a:r>
+            <a:endParaRPr lang="ko-KR" altLang="en-US" sz="1400" cap="none" dirty="0" smtClean="0" b="0" strike="noStrike">
+              <a:ln w="9525" cap="flat" cmpd="sng">
+                <a:noFill/>
+                <a:prstDash/>
+              </a:ln>
+              <a:latin typeface="Avenir Next Ultra Light" charset="0"/>
+              <a:ea typeface="Avenir Next Ultra Light" charset="0"/>
+            </a:endParaRPr>
+          </a:p>
+          <a:p>
+            <a:pPr marL="0" indent="0" algn="l" fontAlgn="auto" defTabSz="584200">
+              <a:lnSpc>
+                <a:spcPct val="120000"/>
+              </a:lnSpc>
+              <a:spcBef>
+                <a:spcPts val="0"/>
+              </a:spcBef>
+              <a:spcAft>
+                <a:spcPts val="0"/>
+              </a:spcAft>
+              <a:buFontTx/>
+              <a:buNone/>
+            </a:pPr>
+            <a:r>
+              <a:rPr lang="en-US" altLang="ko-KR" sz="1400" cap="none" dirty="0" smtClean="0" b="0" strike="noStrike">
+                <a:ln w="9525" cap="flat" cmpd="sng">
+                  <a:noFill/>
+                  <a:prstDash/>
+                </a:ln>
+                <a:latin typeface="Avenir Next Ultra Light" charset="0"/>
+                <a:ea typeface="Avenir Next Ultra Light" charset="0"/>
+              </a:rPr>
+              <a:t>셋째 수준</a:t>
+            </a:r>
+            <a:endParaRPr lang="ko-KR" altLang="en-US" sz="1400" cap="none" dirty="0" smtClean="0" b="0" strike="noStrike">
+              <a:ln w="9525" cap="flat" cmpd="sng">
+                <a:noFill/>
+                <a:prstDash/>
+              </a:ln>
+              <a:latin typeface="Avenir Next Ultra Light" charset="0"/>
+              <a:ea typeface="Avenir Next Ultra Light" charset="0"/>
+            </a:endParaRPr>
+          </a:p>
+          <a:p>
+            <a:pPr marL="0" indent="0" algn="l" fontAlgn="auto" defTabSz="584200">
+              <a:lnSpc>
+                <a:spcPct val="120000"/>
+              </a:lnSpc>
+              <a:spcBef>
+                <a:spcPts val="0"/>
+              </a:spcBef>
+              <a:spcAft>
+                <a:spcPts val="0"/>
+              </a:spcAft>
+              <a:buFontTx/>
+              <a:buNone/>
+            </a:pPr>
+            <a:r>
+              <a:rPr lang="en-US" altLang="ko-KR" sz="1400" cap="none" dirty="0" smtClean="0" b="0" strike="noStrike">
+                <a:ln w="9525" cap="flat" cmpd="sng">
+                  <a:noFill/>
+                  <a:prstDash/>
+                </a:ln>
+                <a:latin typeface="Avenir Next Ultra Light" charset="0"/>
+                <a:ea typeface="Avenir Next Ultra Light" charset="0"/>
+              </a:rPr>
+              <a:t>넷째 수준</a:t>
+            </a:r>
+            <a:endParaRPr lang="ko-KR" altLang="en-US" sz="1400" cap="none" dirty="0" smtClean="0" b="0" strike="noStrike">
+              <a:ln w="9525" cap="flat" cmpd="sng">
+                <a:noFill/>
+                <a:prstDash/>
+              </a:ln>
+              <a:latin typeface="Avenir Next Ultra Light" charset="0"/>
+              <a:ea typeface="Avenir Next Ultra Light" charset="0"/>
+            </a:endParaRPr>
+          </a:p>
+          <a:p>
+            <a:pPr marL="0" indent="0" algn="l" fontAlgn="auto" defTabSz="584200">
+              <a:lnSpc>
+                <a:spcPct val="120000"/>
+              </a:lnSpc>
+              <a:spcBef>
+                <a:spcPts val="0"/>
+              </a:spcBef>
+              <a:spcAft>
+                <a:spcPts val="0"/>
+              </a:spcAft>
+              <a:buFontTx/>
+              <a:buNone/>
+            </a:pPr>
+            <a:r>
+              <a:rPr lang="en-US" altLang="ko-KR" sz="1400" cap="none" dirty="0" smtClean="0" b="0" strike="noStrike">
+                <a:ln w="9525" cap="flat" cmpd="sng">
+                  <a:noFill/>
+                  <a:prstDash/>
+                </a:ln>
+                <a:latin typeface="Avenir Next Ultra Light" charset="0"/>
+                <a:ea typeface="Avenir Next Ultra Light" charset="0"/>
+              </a:rPr>
+              <a:t>다섯째 수준</a:t>
+            </a:r>
+            <a:endParaRPr lang="ko-KR" altLang="en-US" sz="1400" cap="none" dirty="0" smtClean="0" b="0" strike="noStrike">
+              <a:ln w="9525" cap="flat" cmpd="sng">
+                <a:noFill/>
+                <a:prstDash/>
+              </a:ln>
+              <a:latin typeface="Avenir Next Ultra Light" charset="0"/>
+              <a:ea typeface="Avenir Next Ultra Light" charset="0"/>
+            </a:endParaRPr>
+          </a:p>
+        </p:txBody>
+      </p:sp>
       <p:sp>
         <p:nvSpPr>
           <p:cNvPr id="2" name="직사각형 1"/>
@@ -7336,8 +7533,8 @@
         </p:nvSpPr>
         <p:spPr>
           <a:xfrm rot="0">
-            <a:off x="6176010" y="1344295"/>
-            <a:ext cx="636270" cy="1845945"/>
+            <a:off x="6176645" y="1344295"/>
+            <a:ext cx="635635" cy="1845945"/>
           </a:xfrm>
           <a:prstGeom prst="rect"/>
           <a:ln w="12700" cap="flat" cmpd="sng">
@@ -7388,374 +7585,6 @@
               </a:solidFill>
               <a:latin typeface="배달의민족 도현 OTF" charset="0"/>
               <a:ea typeface="배달의민족 도현 OTF" charset="0"/>
-            </a:endParaRPr>
-          </a:p>
-        </p:txBody>
-      </p:sp>
-      <p:sp>
-        <p:nvSpPr>
-          <p:cNvPr id="464" name="텍스트 개체 틀 463"/>
-          <p:cNvSpPr txBox="1">
-            <a:spLocks/>
-          </p:cNvSpPr>
-          <p:nvPr>
-            <p:ph type="body" idx="1"/>
-          </p:nvPr>
-        </p:nvSpPr>
-        <p:spPr>
-          <a:xfrm rot="0">
-            <a:off x="1370330" y="3883025"/>
-            <a:ext cx="10264775" cy="3836670"/>
-          </a:xfrm>
-          <a:ln w="12700" cap="flat" cmpd="sng">
-            <a:prstDash/>
-            <a:miter lim="800000"/>
-          </a:ln>
-        </p:spPr>
-        <p:txBody>
-          <a:bodyPr wrap="square" lIns="0" tIns="0" rIns="0" bIns="0" vert="horz" anchor="t">
-            <a:noAutofit/>
-          </a:bodyPr>
-          <a:lstStyle/>
-          <a:p>
-            <a:pPr marL="0" indent="0" algn="l" fontAlgn="auto" defTabSz="508000">
-              <a:lnSpc>
-                <a:spcPct val="100000"/>
-              </a:lnSpc>
-              <a:spcBef>
-                <a:spcPts val="0"/>
-              </a:spcBef>
-              <a:spcAft>
-                <a:spcPts val="0"/>
-              </a:spcAft>
-              <a:buFontTx/>
-              <a:buNone/>
-            </a:pPr>
-            <a:r>
-              <a:rPr lang="en-US" altLang="ko-KR" sz="2500" cap="none" dirty="0" smtClean="0" b="0" strike="noStrike">
-                <a:latin typeface="Impact" charset="0"/>
-                <a:ea typeface="Impact" charset="0"/>
-              </a:rPr>
-              <a:t>백그라운드에서 동작하는 로직을 처리합니다.</a:t>
-            </a:r>
-            <a:endParaRPr lang="ko-KR" altLang="en-US" sz="2500" cap="none" dirty="0" smtClean="0" b="0" strike="noStrike">
-              <a:latin typeface="Impact" charset="0"/>
-              <a:ea typeface="Impact" charset="0"/>
-            </a:endParaRPr>
-          </a:p>
-          <a:p>
-            <a:pPr marL="0" indent="0" algn="l" fontAlgn="auto" defTabSz="508000">
-              <a:lnSpc>
-                <a:spcPct val="100000"/>
-              </a:lnSpc>
-              <a:spcBef>
-                <a:spcPts val="0"/>
-              </a:spcBef>
-              <a:spcAft>
-                <a:spcPts val="0"/>
-              </a:spcAft>
-              <a:buFontTx/>
-              <a:buNone/>
-            </a:pPr>
-            <a:r>
-              <a:rPr lang="en-US" altLang="ko-KR" sz="1800" cap="none" dirty="0" smtClean="0" b="0" strike="noStrike">
-                <a:latin typeface="Impact" charset="0"/>
-                <a:ea typeface="Impact" charset="0"/>
-              </a:rPr>
-              <a:t>모델은 데이터를 가지고 있는 객체 또는 </a:t>
-            </a:r>
-            <a:r>
-              <a:rPr lang="en-US" altLang="ko-KR" sz="1800" cap="none" dirty="0" smtClean="0" u="sng" b="0" strike="noStrike">
-                <a:latin typeface="Impact" charset="0"/>
-                <a:ea typeface="Impact" charset="0"/>
-              </a:rPr>
-              <a:t>JAVA POJO</a:t>
-            </a:r>
-            <a:r>
-              <a:rPr lang="en-US" altLang="ko-KR" sz="1800" cap="none" dirty="0" smtClean="0" b="0" strike="noStrike">
-                <a:latin typeface="Impact" charset="0"/>
-                <a:ea typeface="Impact" charset="0"/>
-              </a:rPr>
-              <a:t>라고 부름.</a:t>
-            </a:r>
-            <a:endParaRPr lang="ko-KR" altLang="en-US" sz="1800" cap="none" dirty="0" smtClean="0" b="0" strike="noStrike">
-              <a:latin typeface="Impact" charset="0"/>
-              <a:ea typeface="Impact" charset="0"/>
-            </a:endParaRPr>
-          </a:p>
-          <a:p>
-            <a:pPr marL="0" indent="0" algn="l" fontAlgn="auto" defTabSz="508000">
-              <a:lnSpc>
-                <a:spcPct val="100000"/>
-              </a:lnSpc>
-              <a:spcBef>
-                <a:spcPts val="0"/>
-              </a:spcBef>
-              <a:spcAft>
-                <a:spcPts val="0"/>
-              </a:spcAft>
-              <a:buFontTx/>
-              <a:buNone/>
-            </a:pPr>
-            <a:r>
-              <a:rPr lang="en-US" altLang="ko-KR" sz="1800" cap="none" dirty="0" smtClean="0" b="0" strike="noStrike">
-                <a:latin typeface="Impact" charset="0"/>
-                <a:ea typeface="Impact" charset="0"/>
-              </a:rPr>
-              <a:t>데이터가 바뀌었을 때 컨트롤러의 데이터를 업데이트 하는 로직도 포함.</a:t>
-            </a:r>
-            <a:endParaRPr lang="ko-KR" altLang="en-US" sz="1800" cap="none" dirty="0" smtClean="0" b="0" strike="noStrike">
-              <a:latin typeface="Impact" charset="0"/>
-              <a:ea typeface="Impact" charset="0"/>
-            </a:endParaRPr>
-          </a:p>
-          <a:p>
-            <a:pPr marL="0" indent="0" algn="l" fontAlgn="auto" defTabSz="508000">
-              <a:lnSpc>
-                <a:spcPct val="100000"/>
-              </a:lnSpc>
-              <a:spcBef>
-                <a:spcPts val="0"/>
-              </a:spcBef>
-              <a:spcAft>
-                <a:spcPts val="0"/>
-              </a:spcAft>
-              <a:buFontTx/>
-              <a:buNone/>
-            </a:pPr>
-            <a:endParaRPr lang="ko-KR" altLang="en-US" sz="1800" cap="none" dirty="0" smtClean="0" u="sng" b="0" strike="noStrike">
-              <a:latin typeface="Impact" charset="0"/>
-              <a:ea typeface="Impact" charset="0"/>
-            </a:endParaRPr>
-          </a:p>
-          <a:p>
-            <a:pPr marL="0" indent="0" algn="l" fontAlgn="auto" defTabSz="508000">
-              <a:lnSpc>
-                <a:spcPct val="100000"/>
-              </a:lnSpc>
-              <a:spcBef>
-                <a:spcPts val="0"/>
-              </a:spcBef>
-              <a:spcAft>
-                <a:spcPts val="0"/>
-              </a:spcAft>
-              <a:buFontTx/>
-              <a:buNone/>
-            </a:pPr>
-            <a:r>
-              <a:rPr lang="en-US" altLang="ko-KR" sz="2500" cap="none" dirty="0" smtClean="0" u="sng" b="0" strike="noStrike">
-                <a:latin typeface="Impact" charset="0"/>
-                <a:ea typeface="Impact" charset="0"/>
-              </a:rPr>
-              <a:t>JAVA POJO란?</a:t>
-            </a:r>
-            <a:endParaRPr lang="ko-KR" altLang="en-US" sz="2500" cap="none" dirty="0" smtClean="0" u="sng" b="0" strike="noStrike">
-              <a:latin typeface="Impact" charset="0"/>
-              <a:ea typeface="Impact" charset="0"/>
-            </a:endParaRPr>
-          </a:p>
-          <a:p>
-            <a:pPr marL="0" indent="0" algn="just" fontAlgn="auto" defTabSz="508000">
-              <a:lnSpc>
-                <a:spcPct val="100000"/>
-              </a:lnSpc>
-              <a:spcBef>
-                <a:spcPts val="0"/>
-              </a:spcBef>
-              <a:spcAft>
-                <a:spcPts val="0"/>
-              </a:spcAft>
-              <a:buFontTx/>
-              <a:buNone/>
-            </a:pPr>
-            <a:r>
-              <a:rPr lang="en-US" altLang="ko-KR" sz="1800" cap="none" dirty="0" smtClean="0" b="0" strike="noStrike">
-                <a:solidFill>
-                  <a:srgbClr val="000000"/>
-                </a:solidFill>
-                <a:latin typeface="Impact" charset="0"/>
-                <a:ea typeface="Impact" charset="0"/>
-              </a:rPr>
-              <a:t>마틴파울러 2000년 어느 컨퍼런스의 발표를 준비하면서 처음 만들어낸 말이다. </a:t>
-            </a:r>
-            <a:endParaRPr lang="ko-KR" altLang="en-US" sz="1800" cap="none" dirty="0" smtClean="0" b="0" strike="noStrike">
-              <a:solidFill>
-                <a:srgbClr val="000000"/>
-              </a:solidFill>
-              <a:latin typeface="Impact" charset="0"/>
-              <a:ea typeface="Impact" charset="0"/>
-            </a:endParaRPr>
-          </a:p>
-          <a:p>
-            <a:pPr marL="0" indent="0" algn="just" fontAlgn="auto" defTabSz="508000">
-              <a:lnSpc>
-                <a:spcPct val="100000"/>
-              </a:lnSpc>
-              <a:spcBef>
-                <a:spcPts val="0"/>
-              </a:spcBef>
-              <a:spcAft>
-                <a:spcPts val="0"/>
-              </a:spcAft>
-              <a:buFontTx/>
-              <a:buNone/>
-            </a:pPr>
-            <a:r>
-              <a:rPr lang="en-US" altLang="ko-KR" sz="1800" cap="none" dirty="0" smtClean="0" b="0" strike="noStrike">
-                <a:solidFill>
-                  <a:srgbClr val="000000"/>
-                </a:solidFill>
-                <a:latin typeface="Impact" charset="0"/>
-                <a:ea typeface="Impact" charset="0"/>
-              </a:rPr>
-              <a:t>마틴파울러는 EJB보다 단순한 자바 오브젝트에 도메인 로직을 넣어</a:t>
-            </a:r>
-            <a:endParaRPr lang="ko-KR" altLang="en-US" sz="1800" cap="none" dirty="0" smtClean="0" b="0" strike="noStrike">
-              <a:solidFill>
-                <a:srgbClr val="000000"/>
-              </a:solidFill>
-              <a:latin typeface="Impact" charset="0"/>
-              <a:ea typeface="Impact" charset="0"/>
-            </a:endParaRPr>
-          </a:p>
-          <a:p>
-            <a:pPr marL="0" indent="0" algn="just" fontAlgn="auto" defTabSz="508000">
-              <a:lnSpc>
-                <a:spcPct val="100000"/>
-              </a:lnSpc>
-              <a:spcBef>
-                <a:spcPts val="0"/>
-              </a:spcBef>
-              <a:spcAft>
-                <a:spcPts val="0"/>
-              </a:spcAft>
-              <a:buFontTx/>
-              <a:buNone/>
-            </a:pPr>
-            <a:r>
-              <a:rPr lang="en-US" altLang="ko-KR" sz="1800" cap="none" dirty="0" smtClean="0" b="0" strike="noStrike">
-                <a:solidFill>
-                  <a:srgbClr val="000000"/>
-                </a:solidFill>
-                <a:latin typeface="Impact" charset="0"/>
-                <a:ea typeface="Impact" charset="0"/>
-              </a:rPr>
-              <a:t>사용하는 것이 여러가지 장점이 있는데도 사람들은 평범한 자바오브젝트를</a:t>
-            </a:r>
-            <a:endParaRPr lang="ko-KR" altLang="en-US" sz="1800" cap="none" dirty="0" smtClean="0" b="0" strike="noStrike">
-              <a:solidFill>
-                <a:srgbClr val="000000"/>
-              </a:solidFill>
-              <a:latin typeface="Impact" charset="0"/>
-              <a:ea typeface="Impact" charset="0"/>
-            </a:endParaRPr>
-          </a:p>
-          <a:p>
-            <a:pPr marL="0" indent="0" algn="just" fontAlgn="auto" defTabSz="508000">
-              <a:lnSpc>
-                <a:spcPct val="100000"/>
-              </a:lnSpc>
-              <a:spcBef>
-                <a:spcPts val="0"/>
-              </a:spcBef>
-              <a:spcAft>
-                <a:spcPts val="0"/>
-              </a:spcAft>
-              <a:buFontTx/>
-              <a:buNone/>
-            </a:pPr>
-            <a:r>
-              <a:rPr lang="en-US" altLang="ko-KR" sz="1800" cap="none" dirty="0" smtClean="0" b="0" strike="noStrike">
-                <a:solidFill>
-                  <a:srgbClr val="000000"/>
-                </a:solidFill>
-                <a:latin typeface="Impact" charset="0"/>
-                <a:ea typeface="Impact" charset="0"/>
-              </a:rPr>
-              <a:t>사용하기를 꺼려하는지에 의문을 가졌다. </a:t>
-            </a:r>
-            <a:endParaRPr lang="ko-KR" altLang="en-US" sz="1800" cap="none" dirty="0" smtClean="0" b="0" strike="noStrike">
-              <a:solidFill>
-                <a:srgbClr val="000000"/>
-              </a:solidFill>
-              <a:latin typeface="Impact" charset="0"/>
-              <a:ea typeface="Impact" charset="0"/>
-            </a:endParaRPr>
-          </a:p>
-          <a:p>
-            <a:pPr marL="0" indent="0" algn="just" fontAlgn="auto" defTabSz="508000">
-              <a:lnSpc>
-                <a:spcPct val="100000"/>
-              </a:lnSpc>
-              <a:spcBef>
-                <a:spcPts val="0"/>
-              </a:spcBef>
-              <a:spcAft>
-                <a:spcPts val="0"/>
-              </a:spcAft>
-              <a:buFontTx/>
-              <a:buNone/>
-            </a:pPr>
-            <a:r>
-              <a:rPr lang="en-US" altLang="ko-KR" sz="1800" cap="none" dirty="0" smtClean="0" b="0" strike="noStrike">
-                <a:solidFill>
-                  <a:srgbClr val="000000"/>
-                </a:solidFill>
-                <a:latin typeface="Impact" charset="0"/>
-                <a:ea typeface="Impact" charset="0"/>
-              </a:rPr>
-              <a:t>자바오브젝트는 그럴싸한 이름이 없어서 사용을 주저하는 것이라는 결론을 내리고</a:t>
-            </a:r>
-            <a:endParaRPr lang="ko-KR" altLang="en-US" sz="1800" cap="none" dirty="0" smtClean="0" b="0" strike="noStrike">
-              <a:solidFill>
-                <a:srgbClr val="000000"/>
-              </a:solidFill>
-              <a:latin typeface="Impact" charset="0"/>
-              <a:ea typeface="Impact" charset="0"/>
-            </a:endParaRPr>
-          </a:p>
-          <a:p>
-            <a:pPr marL="0" indent="0" algn="just" fontAlgn="auto" defTabSz="508000">
-              <a:lnSpc>
-                <a:spcPct val="100000"/>
-              </a:lnSpc>
-              <a:spcBef>
-                <a:spcPts val="0"/>
-              </a:spcBef>
-              <a:spcAft>
-                <a:spcPts val="0"/>
-              </a:spcAft>
-              <a:buFontTx/>
-              <a:buNone/>
-            </a:pPr>
-            <a:r>
-              <a:rPr lang="en-US" altLang="ko-KR" sz="1800" cap="none" dirty="0" smtClean="0" b="0" strike="noStrike">
-                <a:solidFill>
-                  <a:srgbClr val="000000"/>
-                </a:solidFill>
-                <a:latin typeface="Impact" charset="0"/>
-                <a:ea typeface="Impact" charset="0"/>
-              </a:rPr>
-              <a:t>그때 만든 단어가POJO라는 용어이다. </a:t>
-            </a:r>
-            <a:r>
-              <a:rPr lang="en-US" altLang="ko-KR" sz="1800" cap="none" dirty="0" smtClean="0" b="0" strike="noStrike">
-                <a:ln w="9525" cap="flat" cmpd="sng">
-                  <a:noFill/>
-                  <a:prstDash/>
-                </a:ln>
-                <a:latin typeface="Impact" charset="0"/>
-                <a:ea typeface="Impact" charset="0"/>
-              </a:rPr>
-              <a:t>텍스트를 입력하십시오</a:t>
-            </a:r>
-            <a:endParaRPr lang="ko-KR" altLang="en-US" sz="1800" cap="none" dirty="0" smtClean="0" b="0" strike="noStrike">
-              <a:ln w="9525" cap="flat" cmpd="sng">
-                <a:noFill/>
-                <a:prstDash/>
-              </a:ln>
-              <a:latin typeface="Impact" charset="0"/>
-              <a:ea typeface="Impact" charset="0"/>
             </a:endParaRPr>
           </a:p>
         </p:txBody>
@@ -7828,19 +7657,19 @@
         </p:nvSpPr>
         <p:spPr>
           <a:xfrm rot="0">
-            <a:off x="1371600" y="3733800"/>
-            <a:ext cx="10465435" cy="3709035"/>
+            <a:off x="1371600" y="3886200"/>
+            <a:ext cx="10466070" cy="3709670"/>
           </a:xfrm>
           <a:prstGeom prst="rect"/>
           <a:noFill/>
         </p:spPr>
         <p:txBody>
-          <a:bodyPr wrap="square" lIns="0" tIns="0" rIns="0" bIns="0" vert="horz" anchor="t">
+          <a:bodyPr wrap="square" lIns="0" tIns="0" rIns="0" bIns="0" numCol="1" vert="horz" anchor="t">
             <a:noAutofit/>
           </a:bodyPr>
           <a:lstStyle/>
           <a:p>
-            <a:pPr marL="0" indent="0" algn="l" fontAlgn="auto" defTabSz="508000">
+            <a:pPr marL="0" indent="0" algn="l" fontAlgn="auto" defTabSz="508000" eaLnBrk="0" latinLnBrk="0">
               <a:lnSpc>
                 <a:spcPct val="100000"/>
               </a:lnSpc>
@@ -7855,18 +7684,26 @@
             </a:pPr>
             <a:r>
               <a:rPr lang="en-US" altLang="ko-KR" sz="3500" cap="none" dirty="0" smtClean="0" b="0" strike="noStrike">
+                <a:ln w="9525" cap="flat" cmpd="sng">
+                  <a:noFill/>
+                  <a:prstDash/>
+                </a:ln>
                 <a:latin typeface="Impact" charset="0"/>
                 <a:ea typeface="Impact" charset="0"/>
               </a:rPr>
               <a:t>View </a:t>
             </a:r>
             <a:endParaRPr lang="ko-KR" altLang="en-US" sz="3500" cap="none" dirty="0" smtClean="0" b="0" strike="noStrike">
+              <a:ln w="9525" cap="flat" cmpd="sng">
+                <a:noFill/>
+                <a:prstDash/>
+              </a:ln>
               <a:latin typeface="Impact" charset="0"/>
               <a:ea typeface="Impact" charset="0"/>
             </a:endParaRPr>
           </a:p>
           <a:p>
-            <a:pPr marL="0" indent="0" algn="l" fontAlgn="auto" defTabSz="508000">
+            <a:pPr marL="0" indent="0" algn="l" fontAlgn="auto" defTabSz="508000" eaLnBrk="0" latinLnBrk="0">
               <a:lnSpc>
                 <a:spcPct val="100000"/>
               </a:lnSpc>
@@ -7881,18 +7718,26 @@
             </a:pPr>
             <a:r>
               <a:rPr lang="en-US" altLang="ko-KR" sz="2500" cap="none" dirty="0" smtClean="0" b="0" strike="noStrike">
+                <a:ln w="9525" cap="flat" cmpd="sng">
+                  <a:noFill/>
+                  <a:prstDash/>
+                </a:ln>
                 <a:latin typeface="Impact" charset="0"/>
                 <a:ea typeface="Impact" charset="0"/>
               </a:rPr>
               <a:t>사용자가 보게 될 결과 화면을 출력합니다.</a:t>
             </a:r>
             <a:endParaRPr lang="ko-KR" altLang="en-US" sz="2500" cap="none" dirty="0" smtClean="0" b="0" strike="noStrike">
+              <a:ln w="9525" cap="flat" cmpd="sng">
+                <a:noFill/>
+                <a:prstDash/>
+              </a:ln>
               <a:latin typeface="Impact" charset="0"/>
               <a:ea typeface="Impact" charset="0"/>
             </a:endParaRPr>
           </a:p>
           <a:p>
-            <a:pPr marL="0" indent="0" algn="l" fontAlgn="auto" defTabSz="508000">
+            <a:pPr marL="0" indent="0" algn="l" fontAlgn="auto" defTabSz="508000" eaLnBrk="0" latinLnBrk="0">
               <a:lnSpc>
                 <a:spcPct val="100000"/>
               </a:lnSpc>
@@ -7907,18 +7752,26 @@
             </a:pPr>
             <a:r>
               <a:rPr lang="en-US" altLang="ko-KR" sz="1800" cap="none" dirty="0" smtClean="0" b="0" strike="noStrike">
+                <a:ln w="9525" cap="flat" cmpd="sng">
+                  <a:noFill/>
+                  <a:prstDash/>
+                </a:ln>
                 <a:latin typeface="Impact" charset="0"/>
                 <a:ea typeface="Impact" charset="0"/>
               </a:rPr>
               <a:t>데이터가 어플리케이션상에서 UI에 어떻게 나타날지에 관련된 코드덩어리</a:t>
             </a:r>
             <a:endParaRPr lang="ko-KR" altLang="en-US" sz="1800" cap="none" dirty="0" smtClean="0" b="0" strike="noStrike">
+              <a:ln w="9525" cap="flat" cmpd="sng">
+                <a:noFill/>
+                <a:prstDash/>
+              </a:ln>
               <a:latin typeface="Impact" charset="0"/>
               <a:ea typeface="Impact" charset="0"/>
             </a:endParaRPr>
           </a:p>
           <a:p>
-            <a:pPr marL="0" indent="0" algn="l" fontAlgn="auto" defTabSz="508000">
+            <a:pPr marL="0" indent="0" algn="l" fontAlgn="auto" defTabSz="508000" eaLnBrk="0" latinLnBrk="0">
               <a:lnSpc>
                 <a:spcPct val="100000"/>
               </a:lnSpc>
@@ -7932,12 +7785,16 @@
               <a:buNone/>
             </a:pPr>
             <a:endParaRPr lang="ko-KR" altLang="en-US" sz="1800" cap="none" dirty="0" smtClean="0" b="0" strike="noStrike">
+              <a:ln w="9525" cap="flat" cmpd="sng">
+                <a:noFill/>
+                <a:prstDash/>
+              </a:ln>
               <a:latin typeface="Impact" charset="0"/>
               <a:ea typeface="Impact" charset="0"/>
             </a:endParaRPr>
           </a:p>
           <a:p>
-            <a:pPr marL="0" indent="0" algn="l" fontAlgn="auto" defTabSz="508000">
+            <a:pPr marL="0" indent="0" algn="l" fontAlgn="auto" defTabSz="508000" eaLnBrk="0" latinLnBrk="0">
               <a:lnSpc>
                 <a:spcPct val="100000"/>
               </a:lnSpc>
@@ -7952,18 +7809,26 @@
             </a:pPr>
             <a:r>
               <a:rPr lang="en-US" altLang="ko-KR" sz="3500" cap="none" dirty="0" smtClean="0" b="0" strike="noStrike">
+                <a:ln w="9525" cap="flat" cmpd="sng">
+                  <a:noFill/>
+                  <a:prstDash/>
+                </a:ln>
                 <a:latin typeface="Impact" charset="0"/>
                 <a:ea typeface="Impact" charset="0"/>
               </a:rPr>
               <a:t>Controller</a:t>
             </a:r>
             <a:endParaRPr lang="ko-KR" altLang="en-US" sz="3500" cap="none" dirty="0" smtClean="0" b="0" strike="noStrike">
+              <a:ln w="9525" cap="flat" cmpd="sng">
+                <a:noFill/>
+                <a:prstDash/>
+              </a:ln>
               <a:latin typeface="Impact" charset="0"/>
               <a:ea typeface="Impact" charset="0"/>
             </a:endParaRPr>
           </a:p>
           <a:p>
-            <a:pPr marL="0" indent="0" algn="l" fontAlgn="auto" defTabSz="508000">
+            <a:pPr marL="0" indent="0" algn="l" fontAlgn="auto" defTabSz="508000" eaLnBrk="0" latinLnBrk="0">
               <a:lnSpc>
                 <a:spcPct val="100000"/>
               </a:lnSpc>
@@ -7978,18 +7843,26 @@
             </a:pPr>
             <a:r>
               <a:rPr lang="en-US" altLang="ko-KR" sz="2500" cap="none" dirty="0" smtClean="0" b="0" strike="noStrike">
+                <a:ln w="9525" cap="flat" cmpd="sng">
+                  <a:noFill/>
+                  <a:prstDash/>
+                </a:ln>
                 <a:latin typeface="Impact" charset="0"/>
                 <a:ea typeface="Impact" charset="0"/>
               </a:rPr>
               <a:t>사용자의 입력처리와 흐름제어를 담당합니다.</a:t>
             </a:r>
             <a:endParaRPr lang="ko-KR" altLang="en-US" sz="2500" cap="none" dirty="0" smtClean="0" b="0" strike="noStrike">
+              <a:ln w="9525" cap="flat" cmpd="sng">
+                <a:noFill/>
+                <a:prstDash/>
+              </a:ln>
               <a:latin typeface="Impact" charset="0"/>
               <a:ea typeface="Impact" charset="0"/>
             </a:endParaRPr>
           </a:p>
           <a:p>
-            <a:pPr marL="0" indent="0" algn="l" fontAlgn="auto" defTabSz="508000">
+            <a:pPr marL="0" indent="0" algn="l" fontAlgn="auto" defTabSz="508000" eaLnBrk="0" latinLnBrk="0">
               <a:lnSpc>
                 <a:spcPct val="100000"/>
               </a:lnSpc>
@@ -8004,18 +7877,26 @@
             </a:pPr>
             <a:r>
               <a:rPr lang="en-US" altLang="ko-KR" sz="1700" cap="none" dirty="0" smtClean="0" b="0" strike="noStrike">
+                <a:ln w="9525" cap="flat" cmpd="sng">
+                  <a:noFill/>
+                  <a:prstDash/>
+                </a:ln>
                 <a:latin typeface="Impact" charset="0"/>
                 <a:ea typeface="Impact" charset="0"/>
               </a:rPr>
               <a:t>컨트롤러는 모델과 뷰 객체를 활용해서 멤버함수를 만듬. </a:t>
             </a:r>
             <a:endParaRPr lang="ko-KR" altLang="en-US" sz="1700" cap="none" dirty="0" smtClean="0" b="0" strike="noStrike">
+              <a:ln w="9525" cap="flat" cmpd="sng">
+                <a:noFill/>
+                <a:prstDash/>
+              </a:ln>
               <a:latin typeface="Impact" charset="0"/>
               <a:ea typeface="Impact" charset="0"/>
             </a:endParaRPr>
           </a:p>
           <a:p>
-            <a:pPr marL="0" indent="0" algn="l" fontAlgn="auto" defTabSz="508000">
+            <a:pPr marL="0" indent="0" algn="l" fontAlgn="auto" defTabSz="508000" eaLnBrk="0" latinLnBrk="0">
               <a:lnSpc>
                 <a:spcPct val="100000"/>
               </a:lnSpc>
@@ -8030,18 +7911,26 @@
             </a:pPr>
             <a:r>
               <a:rPr lang="en-US" altLang="ko-KR" sz="1700" cap="none" dirty="0" smtClean="0" b="0" strike="noStrike">
+                <a:ln w="9525" cap="flat" cmpd="sng">
+                  <a:noFill/>
+                  <a:prstDash/>
+                </a:ln>
                 <a:latin typeface="Impact" charset="0"/>
                 <a:ea typeface="Impact" charset="0"/>
               </a:rPr>
               <a:t>역할은 어플리케이션에서 사용할 인터페이스 함수(^2)들을 제공하기도 함</a:t>
             </a:r>
             <a:endParaRPr lang="ko-KR" altLang="en-US" sz="1700" cap="none" dirty="0" smtClean="0" b="0" strike="noStrike">
+              <a:ln w="9525" cap="flat" cmpd="sng">
+                <a:noFill/>
+                <a:prstDash/>
+              </a:ln>
               <a:latin typeface="Impact" charset="0"/>
               <a:ea typeface="Impact" charset="0"/>
             </a:endParaRPr>
           </a:p>
           <a:p>
-            <a:pPr marL="0" indent="0" algn="l" fontAlgn="auto" defTabSz="508000">
+            <a:pPr marL="0" indent="0" algn="l" fontAlgn="auto" defTabSz="508000" eaLnBrk="0" latinLnBrk="0">
               <a:lnSpc>
                 <a:spcPct val="100000"/>
               </a:lnSpc>
@@ -8055,12 +7944,16 @@
               <a:buNone/>
             </a:pPr>
             <a:endParaRPr lang="ko-KR" altLang="en-US" sz="1700" cap="none" dirty="0" smtClean="0" b="0" strike="noStrike">
+              <a:ln w="9525" cap="flat" cmpd="sng">
+                <a:noFill/>
+                <a:prstDash/>
+              </a:ln>
               <a:latin typeface="Impact" charset="0"/>
               <a:ea typeface="Impact" charset="0"/>
             </a:endParaRPr>
           </a:p>
           <a:p>
-            <a:pPr marL="0" indent="0" algn="l" fontAlgn="auto" defTabSz="508000">
+            <a:pPr marL="0" indent="0" algn="l" fontAlgn="auto" defTabSz="508000" eaLnBrk="0" latinLnBrk="0">
               <a:lnSpc>
                 <a:spcPct val="100000"/>
               </a:lnSpc>
@@ -8075,18 +7968,26 @@
             </a:pPr>
             <a:r>
               <a:rPr lang="en-US" altLang="ko-KR" sz="1700" cap="none" dirty="0" smtClean="0" b="0" strike="noStrike">
+                <a:ln w="9525" cap="flat" cmpd="sng">
+                  <a:noFill/>
+                  <a:prstDash/>
+                </a:ln>
                 <a:latin typeface="Impact" charset="0"/>
                 <a:ea typeface="Impact" charset="0"/>
               </a:rPr>
               <a:t>어플리케이션에서 데이터와 관련된 작업을 하고 싶다면 </a:t>
             </a:r>
             <a:endParaRPr lang="ko-KR" altLang="en-US" sz="1700" cap="none" dirty="0" smtClean="0" b="0" strike="noStrike">
+              <a:ln w="9525" cap="flat" cmpd="sng">
+                <a:noFill/>
+                <a:prstDash/>
+              </a:ln>
               <a:latin typeface="Impact" charset="0"/>
               <a:ea typeface="Impact" charset="0"/>
             </a:endParaRPr>
           </a:p>
           <a:p>
-            <a:pPr marL="0" indent="0" algn="l" fontAlgn="auto" defTabSz="508000">
+            <a:pPr marL="0" indent="0" algn="l" fontAlgn="auto" defTabSz="508000" eaLnBrk="0" latinLnBrk="0">
               <a:lnSpc>
                 <a:spcPct val="100000"/>
               </a:lnSpc>
@@ -8101,12 +8002,20 @@
             </a:pPr>
             <a:r>
               <a:rPr lang="en-US" altLang="ko-KR" sz="1700" cap="none" dirty="0" smtClean="0" b="0" strike="noStrike">
+                <a:ln w="9525" cap="flat" cmpd="sng">
+                  <a:noFill/>
+                  <a:prstDash/>
+                </a:ln>
                 <a:latin typeface="Impact" charset="0"/>
                 <a:ea typeface="Impact" charset="0"/>
               </a:rPr>
               <a:t>모델,뷰 객체는 건드릴 필요 없이 컨트롤러 객체만 가지고 놀면 된다는 의미이다.</a:t>
             </a:r>
-            <a:endParaRPr lang="ko-KR" altLang="en-US" sz="1800" cap="none" dirty="0" smtClean="0" b="0" strike="noStrike">
+            <a:endParaRPr lang="ko-KR" altLang="en-US" sz="1700" cap="none" dirty="0" smtClean="0" b="0" strike="noStrike">
+              <a:ln w="9525" cap="flat" cmpd="sng">
+                <a:noFill/>
+                <a:prstDash/>
+              </a:ln>
               <a:latin typeface="Impact" charset="0"/>
               <a:ea typeface="Impact" charset="0"/>
             </a:endParaRPr>
@@ -8137,7 +8046,7 @@
 </file>
 
 <file path=ppt/slides/slide5.xml><?xml version="1.0" encoding="utf-8"?>
-<p:sld xmlns:a="http://schemas.openxmlformats.org/drawingml/2006/main" xmlns:r="http://schemas.openxmlformats.org/officeDocument/2006/relationships" xmlns:p="http://schemas.openxmlformats.org/presentationml/2006/main">
+<p:sld xmlns:a="http://schemas.openxmlformats.org/drawingml/2006/main" xmlns:r="http://schemas.openxmlformats.org/officeDocument/2006/relationships" xmlns:p="http://schemas.openxmlformats.org/presentationml/2006/main" xmlns:p14="http://schemas.microsoft.com/office/powerpoint/2010/main">
   <p:cSld>
     <p:spTree>
       <p:nvGrpSpPr>
@@ -8153,6 +8062,374 @@
           <a:chExt cx="0" cy="0"/>
         </a:xfrm>
       </p:grpSpPr>
+      <p:sp>
+        <p:nvSpPr>
+          <p:cNvPr id="464" name="텍스트 개체 틀 463"/>
+          <p:cNvSpPr txBox="1">
+            <a:spLocks/>
+          </p:cNvSpPr>
+          <p:nvPr>
+            <p:ph type="body" idx="1"/>
+          </p:nvPr>
+        </p:nvSpPr>
+        <p:spPr>
+          <a:xfrm rot="0">
+            <a:off x="1370330" y="3883025"/>
+            <a:ext cx="10264775" cy="3836670"/>
+          </a:xfrm>
+          <a:ln w="12700" cap="flat" cmpd="sng">
+            <a:prstDash/>
+            <a:miter lim="800000"/>
+          </a:ln>
+        </p:spPr>
+        <p:txBody>
+          <a:bodyPr wrap="square" lIns="0" tIns="0" rIns="0" bIns="0" vert="horz" anchor="t">
+            <a:noAutofit/>
+          </a:bodyPr>
+          <a:lstStyle/>
+          <a:p>
+            <a:pPr marL="0" indent="0" algn="l" fontAlgn="auto" defTabSz="508000">
+              <a:lnSpc>
+                <a:spcPct val="100000"/>
+              </a:lnSpc>
+              <a:spcBef>
+                <a:spcPts val="0"/>
+              </a:spcBef>
+              <a:spcAft>
+                <a:spcPts val="0"/>
+              </a:spcAft>
+              <a:buFontTx/>
+              <a:buNone/>
+            </a:pPr>
+            <a:r>
+              <a:rPr lang="en-US" altLang="ko-KR" sz="2500" cap="none" dirty="0" smtClean="0" b="0" strike="noStrike">
+                <a:latin typeface="Impact" charset="0"/>
+                <a:ea typeface="Impact" charset="0"/>
+              </a:rPr>
+              <a:t>백그라운드에서 동작하는 로직을 처리합니다.</a:t>
+            </a:r>
+            <a:endParaRPr lang="ko-KR" altLang="en-US" sz="2500" cap="none" dirty="0" smtClean="0" b="0" strike="noStrike">
+              <a:latin typeface="Impact" charset="0"/>
+              <a:ea typeface="Impact" charset="0"/>
+            </a:endParaRPr>
+          </a:p>
+          <a:p>
+            <a:pPr marL="0" indent="0" algn="l" fontAlgn="auto" defTabSz="508000">
+              <a:lnSpc>
+                <a:spcPct val="100000"/>
+              </a:lnSpc>
+              <a:spcBef>
+                <a:spcPts val="0"/>
+              </a:spcBef>
+              <a:spcAft>
+                <a:spcPts val="0"/>
+              </a:spcAft>
+              <a:buFontTx/>
+              <a:buNone/>
+            </a:pPr>
+            <a:r>
+              <a:rPr lang="en-US" altLang="ko-KR" sz="1800" cap="none" dirty="0" smtClean="0" b="0" strike="noStrike">
+                <a:latin typeface="Impact" charset="0"/>
+                <a:ea typeface="Impact" charset="0"/>
+              </a:rPr>
+              <a:t>모델은 데이터를 가지고 있는 객체 또는 </a:t>
+            </a:r>
+            <a:r>
+              <a:rPr lang="en-US" altLang="ko-KR" sz="1800" cap="none" dirty="0" smtClean="0" u="sng" b="0" strike="noStrike">
+                <a:latin typeface="Impact" charset="0"/>
+                <a:ea typeface="Impact" charset="0"/>
+              </a:rPr>
+              <a:t>JAVA POJO</a:t>
+            </a:r>
+            <a:r>
+              <a:rPr lang="en-US" altLang="ko-KR" sz="1800" cap="none" dirty="0" smtClean="0" b="0" strike="noStrike">
+                <a:latin typeface="Impact" charset="0"/>
+                <a:ea typeface="Impact" charset="0"/>
+              </a:rPr>
+              <a:t>라고 부름.</a:t>
+            </a:r>
+            <a:endParaRPr lang="ko-KR" altLang="en-US" sz="1800" cap="none" dirty="0" smtClean="0" b="0" strike="noStrike">
+              <a:latin typeface="Impact" charset="0"/>
+              <a:ea typeface="Impact" charset="0"/>
+            </a:endParaRPr>
+          </a:p>
+          <a:p>
+            <a:pPr marL="0" indent="0" algn="l" fontAlgn="auto" defTabSz="508000">
+              <a:lnSpc>
+                <a:spcPct val="100000"/>
+              </a:lnSpc>
+              <a:spcBef>
+                <a:spcPts val="0"/>
+              </a:spcBef>
+              <a:spcAft>
+                <a:spcPts val="0"/>
+              </a:spcAft>
+              <a:buFontTx/>
+              <a:buNone/>
+            </a:pPr>
+            <a:r>
+              <a:rPr lang="en-US" altLang="ko-KR" sz="1800" cap="none" dirty="0" smtClean="0" b="0" strike="noStrike">
+                <a:latin typeface="Impact" charset="0"/>
+                <a:ea typeface="Impact" charset="0"/>
+              </a:rPr>
+              <a:t>데이터가 바뀌었을 때 컨트롤러의 데이터를 업데이트 하는 로직도 포함.</a:t>
+            </a:r>
+            <a:endParaRPr lang="ko-KR" altLang="en-US" sz="1800" cap="none" dirty="0" smtClean="0" b="0" strike="noStrike">
+              <a:latin typeface="Impact" charset="0"/>
+              <a:ea typeface="Impact" charset="0"/>
+            </a:endParaRPr>
+          </a:p>
+          <a:p>
+            <a:pPr marL="0" indent="0" algn="l" fontAlgn="auto" defTabSz="508000">
+              <a:lnSpc>
+                <a:spcPct val="100000"/>
+              </a:lnSpc>
+              <a:spcBef>
+                <a:spcPts val="0"/>
+              </a:spcBef>
+              <a:spcAft>
+                <a:spcPts val="0"/>
+              </a:spcAft>
+              <a:buFontTx/>
+              <a:buNone/>
+            </a:pPr>
+            <a:endParaRPr lang="ko-KR" altLang="en-US" sz="1800" cap="none" dirty="0" smtClean="0" u="sng" b="0" strike="noStrike">
+              <a:latin typeface="Impact" charset="0"/>
+              <a:ea typeface="Impact" charset="0"/>
+            </a:endParaRPr>
+          </a:p>
+          <a:p>
+            <a:pPr marL="0" indent="0" algn="l" fontAlgn="auto" defTabSz="508000">
+              <a:lnSpc>
+                <a:spcPct val="100000"/>
+              </a:lnSpc>
+              <a:spcBef>
+                <a:spcPts val="0"/>
+              </a:spcBef>
+              <a:spcAft>
+                <a:spcPts val="0"/>
+              </a:spcAft>
+              <a:buFontTx/>
+              <a:buNone/>
+            </a:pPr>
+            <a:r>
+              <a:rPr lang="en-US" altLang="ko-KR" sz="2500" cap="none" dirty="0" smtClean="0" u="sng" b="0" strike="noStrike">
+                <a:latin typeface="Impact" charset="0"/>
+                <a:ea typeface="Impact" charset="0"/>
+              </a:rPr>
+              <a:t>JAVA POJO란?</a:t>
+            </a:r>
+            <a:endParaRPr lang="ko-KR" altLang="en-US" sz="2500" cap="none" dirty="0" smtClean="0" u="sng" b="0" strike="noStrike">
+              <a:latin typeface="Impact" charset="0"/>
+              <a:ea typeface="Impact" charset="0"/>
+            </a:endParaRPr>
+          </a:p>
+          <a:p>
+            <a:pPr marL="0" indent="0" algn="just" fontAlgn="auto" defTabSz="508000">
+              <a:lnSpc>
+                <a:spcPct val="100000"/>
+              </a:lnSpc>
+              <a:spcBef>
+                <a:spcPts val="0"/>
+              </a:spcBef>
+              <a:spcAft>
+                <a:spcPts val="0"/>
+              </a:spcAft>
+              <a:buFontTx/>
+              <a:buNone/>
+            </a:pPr>
+            <a:r>
+              <a:rPr lang="en-US" altLang="ko-KR" sz="1800" cap="none" dirty="0" smtClean="0" b="0" strike="noStrike">
+                <a:solidFill>
+                  <a:srgbClr val="000000"/>
+                </a:solidFill>
+                <a:latin typeface="Impact" charset="0"/>
+                <a:ea typeface="Impact" charset="0"/>
+              </a:rPr>
+              <a:t>마틴파울러 2000년 어느 컨퍼런스의 발표를 준비하면서 처음 만들어낸 말이다. </a:t>
+            </a:r>
+            <a:endParaRPr lang="ko-KR" altLang="en-US" sz="1800" cap="none" dirty="0" smtClean="0" b="0" strike="noStrike">
+              <a:solidFill>
+                <a:srgbClr val="000000"/>
+              </a:solidFill>
+              <a:latin typeface="Impact" charset="0"/>
+              <a:ea typeface="Impact" charset="0"/>
+            </a:endParaRPr>
+          </a:p>
+          <a:p>
+            <a:pPr marL="0" indent="0" algn="just" fontAlgn="auto" defTabSz="508000">
+              <a:lnSpc>
+                <a:spcPct val="100000"/>
+              </a:lnSpc>
+              <a:spcBef>
+                <a:spcPts val="0"/>
+              </a:spcBef>
+              <a:spcAft>
+                <a:spcPts val="0"/>
+              </a:spcAft>
+              <a:buFontTx/>
+              <a:buNone/>
+            </a:pPr>
+            <a:r>
+              <a:rPr lang="en-US" altLang="ko-KR" sz="1800" cap="none" dirty="0" smtClean="0" b="0" strike="noStrike">
+                <a:solidFill>
+                  <a:srgbClr val="000000"/>
+                </a:solidFill>
+                <a:latin typeface="Impact" charset="0"/>
+                <a:ea typeface="Impact" charset="0"/>
+              </a:rPr>
+              <a:t>마틴파울러는 EJB보다 단순한 자바 오브젝트에 도메인 로직을 넣어</a:t>
+            </a:r>
+            <a:endParaRPr lang="ko-KR" altLang="en-US" sz="1800" cap="none" dirty="0" smtClean="0" b="0" strike="noStrike">
+              <a:solidFill>
+                <a:srgbClr val="000000"/>
+              </a:solidFill>
+              <a:latin typeface="Impact" charset="0"/>
+              <a:ea typeface="Impact" charset="0"/>
+            </a:endParaRPr>
+          </a:p>
+          <a:p>
+            <a:pPr marL="0" indent="0" algn="just" fontAlgn="auto" defTabSz="508000">
+              <a:lnSpc>
+                <a:spcPct val="100000"/>
+              </a:lnSpc>
+              <a:spcBef>
+                <a:spcPts val="0"/>
+              </a:spcBef>
+              <a:spcAft>
+                <a:spcPts val="0"/>
+              </a:spcAft>
+              <a:buFontTx/>
+              <a:buNone/>
+            </a:pPr>
+            <a:r>
+              <a:rPr lang="en-US" altLang="ko-KR" sz="1800" cap="none" dirty="0" smtClean="0" b="0" strike="noStrike">
+                <a:solidFill>
+                  <a:srgbClr val="000000"/>
+                </a:solidFill>
+                <a:latin typeface="Impact" charset="0"/>
+                <a:ea typeface="Impact" charset="0"/>
+              </a:rPr>
+              <a:t>사용하는 것이 여러가지 장점이 있는데도 사람들은 평범한 자바오브젝트를</a:t>
+            </a:r>
+            <a:endParaRPr lang="ko-KR" altLang="en-US" sz="1800" cap="none" dirty="0" smtClean="0" b="0" strike="noStrike">
+              <a:solidFill>
+                <a:srgbClr val="000000"/>
+              </a:solidFill>
+              <a:latin typeface="Impact" charset="0"/>
+              <a:ea typeface="Impact" charset="0"/>
+            </a:endParaRPr>
+          </a:p>
+          <a:p>
+            <a:pPr marL="0" indent="0" algn="just" fontAlgn="auto" defTabSz="508000">
+              <a:lnSpc>
+                <a:spcPct val="100000"/>
+              </a:lnSpc>
+              <a:spcBef>
+                <a:spcPts val="0"/>
+              </a:spcBef>
+              <a:spcAft>
+                <a:spcPts val="0"/>
+              </a:spcAft>
+              <a:buFontTx/>
+              <a:buNone/>
+            </a:pPr>
+            <a:r>
+              <a:rPr lang="en-US" altLang="ko-KR" sz="1800" cap="none" dirty="0" smtClean="0" b="0" strike="noStrike">
+                <a:solidFill>
+                  <a:srgbClr val="000000"/>
+                </a:solidFill>
+                <a:latin typeface="Impact" charset="0"/>
+                <a:ea typeface="Impact" charset="0"/>
+              </a:rPr>
+              <a:t>사용하기를 꺼려하는지에 의문을 가졌다. </a:t>
+            </a:r>
+            <a:endParaRPr lang="ko-KR" altLang="en-US" sz="1800" cap="none" dirty="0" smtClean="0" b="0" strike="noStrike">
+              <a:solidFill>
+                <a:srgbClr val="000000"/>
+              </a:solidFill>
+              <a:latin typeface="Impact" charset="0"/>
+              <a:ea typeface="Impact" charset="0"/>
+            </a:endParaRPr>
+          </a:p>
+          <a:p>
+            <a:pPr marL="0" indent="0" algn="just" fontAlgn="auto" defTabSz="508000">
+              <a:lnSpc>
+                <a:spcPct val="100000"/>
+              </a:lnSpc>
+              <a:spcBef>
+                <a:spcPts val="0"/>
+              </a:spcBef>
+              <a:spcAft>
+                <a:spcPts val="0"/>
+              </a:spcAft>
+              <a:buFontTx/>
+              <a:buNone/>
+            </a:pPr>
+            <a:r>
+              <a:rPr lang="en-US" altLang="ko-KR" sz="1800" cap="none" dirty="0" smtClean="0" b="0" strike="noStrike">
+                <a:solidFill>
+                  <a:srgbClr val="000000"/>
+                </a:solidFill>
+                <a:latin typeface="Impact" charset="0"/>
+                <a:ea typeface="Impact" charset="0"/>
+              </a:rPr>
+              <a:t>자바오브젝트는 그럴싸한 이름이 없어서 사용을 주저하는 것이라는 결론을 내리고</a:t>
+            </a:r>
+            <a:endParaRPr lang="ko-KR" altLang="en-US" sz="1800" cap="none" dirty="0" smtClean="0" b="0" strike="noStrike">
+              <a:solidFill>
+                <a:srgbClr val="000000"/>
+              </a:solidFill>
+              <a:latin typeface="Impact" charset="0"/>
+              <a:ea typeface="Impact" charset="0"/>
+            </a:endParaRPr>
+          </a:p>
+          <a:p>
+            <a:pPr marL="0" indent="0" algn="just" fontAlgn="auto" defTabSz="508000">
+              <a:lnSpc>
+                <a:spcPct val="100000"/>
+              </a:lnSpc>
+              <a:spcBef>
+                <a:spcPts val="0"/>
+              </a:spcBef>
+              <a:spcAft>
+                <a:spcPts val="0"/>
+              </a:spcAft>
+              <a:buFontTx/>
+              <a:buNone/>
+            </a:pPr>
+            <a:r>
+              <a:rPr lang="en-US" altLang="ko-KR" sz="1800" cap="none" dirty="0" smtClean="0" b="0" strike="noStrike">
+                <a:solidFill>
+                  <a:srgbClr val="000000"/>
+                </a:solidFill>
+                <a:latin typeface="Impact" charset="0"/>
+                <a:ea typeface="Impact" charset="0"/>
+              </a:rPr>
+              <a:t>그때 만든 단어가POJO라는 용어이다. </a:t>
+            </a:r>
+            <a:r>
+              <a:rPr lang="en-US" altLang="ko-KR" sz="1800" cap="none" dirty="0" smtClean="0" b="0" strike="noStrike">
+                <a:ln w="9525" cap="flat" cmpd="sng">
+                  <a:noFill/>
+                  <a:prstDash/>
+                </a:ln>
+                <a:latin typeface="Impact" charset="0"/>
+                <a:ea typeface="Impact" charset="0"/>
+              </a:rPr>
+              <a:t>텍스트를 입력하십시오</a:t>
+            </a:r>
+            <a:endParaRPr lang="ko-KR" altLang="en-US" sz="1800" cap="none" dirty="0" smtClean="0" b="0" strike="noStrike">
+              <a:ln w="9525" cap="flat" cmpd="sng">
+                <a:noFill/>
+                <a:prstDash/>
+              </a:ln>
+              <a:latin typeface="Impact" charset="0"/>
+              <a:ea typeface="Impact" charset="0"/>
+            </a:endParaRPr>
+          </a:p>
+        </p:txBody>
+      </p:sp>
       <p:sp>
         <p:nvSpPr>
           <p:cNvPr id="2" name="직사각형 1"/>
@@ -8235,8 +8512,8 @@
         </p:nvSpPr>
         <p:spPr>
           <a:xfrm rot="0">
-            <a:off x="6176010" y="1306195"/>
-            <a:ext cx="636270" cy="1845945"/>
+            <a:off x="6176645" y="1306195"/>
+            <a:ext cx="635635" cy="1845945"/>
           </a:xfrm>
           <a:prstGeom prst="rect"/>
           <a:ln w="12700" cap="flat" cmpd="sng">
@@ -8287,374 +8564,6 @@
               </a:solidFill>
               <a:latin typeface="배달의민족 도현 OTF" charset="0"/>
               <a:ea typeface="배달의민족 도현 OTF" charset="0"/>
-            </a:endParaRPr>
-          </a:p>
-        </p:txBody>
-      </p:sp>
-      <p:sp>
-        <p:nvSpPr>
-          <p:cNvPr id="464" name="텍스트 개체 틀 463"/>
-          <p:cNvSpPr txBox="1">
-            <a:spLocks/>
-          </p:cNvSpPr>
-          <p:nvPr>
-            <p:ph type="body" idx="1"/>
-          </p:nvPr>
-        </p:nvSpPr>
-        <p:spPr>
-          <a:xfrm rot="0">
-            <a:off x="1370330" y="3883025"/>
-            <a:ext cx="10264775" cy="3836670"/>
-          </a:xfrm>
-          <a:ln w="12700" cap="flat" cmpd="sng">
-            <a:prstDash/>
-            <a:miter lim="800000"/>
-          </a:ln>
-        </p:spPr>
-        <p:txBody>
-          <a:bodyPr wrap="square" lIns="0" tIns="0" rIns="0" bIns="0" vert="horz" anchor="t">
-            <a:noAutofit/>
-          </a:bodyPr>
-          <a:lstStyle/>
-          <a:p>
-            <a:pPr marL="0" indent="0" algn="l" fontAlgn="auto" defTabSz="508000">
-              <a:lnSpc>
-                <a:spcPct val="100000"/>
-              </a:lnSpc>
-              <a:spcBef>
-                <a:spcPts val="0"/>
-              </a:spcBef>
-              <a:spcAft>
-                <a:spcPts val="0"/>
-              </a:spcAft>
-              <a:buFontTx/>
-              <a:buNone/>
-            </a:pPr>
-            <a:r>
-              <a:rPr lang="en-US" altLang="ko-KR" sz="2500" cap="none" dirty="0" smtClean="0" b="0" strike="noStrike">
-                <a:latin typeface="Impact" charset="0"/>
-                <a:ea typeface="Impact" charset="0"/>
-              </a:rPr>
-              <a:t>백그라운드에서 동작하는 로직을 처리합니다.</a:t>
-            </a:r>
-            <a:endParaRPr lang="ko-KR" altLang="en-US" sz="2500" cap="none" dirty="0" smtClean="0" b="0" strike="noStrike">
-              <a:latin typeface="Impact" charset="0"/>
-              <a:ea typeface="Impact" charset="0"/>
-            </a:endParaRPr>
-          </a:p>
-          <a:p>
-            <a:pPr marL="0" indent="0" algn="l" fontAlgn="auto" defTabSz="508000">
-              <a:lnSpc>
-                <a:spcPct val="100000"/>
-              </a:lnSpc>
-              <a:spcBef>
-                <a:spcPts val="0"/>
-              </a:spcBef>
-              <a:spcAft>
-                <a:spcPts val="0"/>
-              </a:spcAft>
-              <a:buFontTx/>
-              <a:buNone/>
-            </a:pPr>
-            <a:r>
-              <a:rPr lang="en-US" altLang="ko-KR" sz="1800" cap="none" dirty="0" smtClean="0" b="0" strike="noStrike">
-                <a:latin typeface="Impact" charset="0"/>
-                <a:ea typeface="Impact" charset="0"/>
-              </a:rPr>
-              <a:t>모델은 데이터를 가지고 있는 객체 또는 </a:t>
-            </a:r>
-            <a:r>
-              <a:rPr lang="en-US" altLang="ko-KR" sz="1800" cap="none" dirty="0" smtClean="0" u="sng" b="0" strike="noStrike">
-                <a:latin typeface="Impact" charset="0"/>
-                <a:ea typeface="Impact" charset="0"/>
-              </a:rPr>
-              <a:t>JAVA POJO</a:t>
-            </a:r>
-            <a:r>
-              <a:rPr lang="en-US" altLang="ko-KR" sz="1800" cap="none" dirty="0" smtClean="0" b="0" strike="noStrike">
-                <a:latin typeface="Impact" charset="0"/>
-                <a:ea typeface="Impact" charset="0"/>
-              </a:rPr>
-              <a:t>라고 부름.</a:t>
-            </a:r>
-            <a:endParaRPr lang="ko-KR" altLang="en-US" sz="1800" cap="none" dirty="0" smtClean="0" b="0" strike="noStrike">
-              <a:latin typeface="Impact" charset="0"/>
-              <a:ea typeface="Impact" charset="0"/>
-            </a:endParaRPr>
-          </a:p>
-          <a:p>
-            <a:pPr marL="0" indent="0" algn="l" fontAlgn="auto" defTabSz="508000">
-              <a:lnSpc>
-                <a:spcPct val="100000"/>
-              </a:lnSpc>
-              <a:spcBef>
-                <a:spcPts val="0"/>
-              </a:spcBef>
-              <a:spcAft>
-                <a:spcPts val="0"/>
-              </a:spcAft>
-              <a:buFontTx/>
-              <a:buNone/>
-            </a:pPr>
-            <a:r>
-              <a:rPr lang="en-US" altLang="ko-KR" sz="1800" cap="none" dirty="0" smtClean="0" b="0" strike="noStrike">
-                <a:latin typeface="Impact" charset="0"/>
-                <a:ea typeface="Impact" charset="0"/>
-              </a:rPr>
-              <a:t>데이터가 바뀌었을 때 컨트롤러의 데이터를 업데이트 하는 로직도 포함.</a:t>
-            </a:r>
-            <a:endParaRPr lang="ko-KR" altLang="en-US" sz="1800" cap="none" dirty="0" smtClean="0" b="0" strike="noStrike">
-              <a:latin typeface="Impact" charset="0"/>
-              <a:ea typeface="Impact" charset="0"/>
-            </a:endParaRPr>
-          </a:p>
-          <a:p>
-            <a:pPr marL="0" indent="0" algn="l" fontAlgn="auto" defTabSz="508000">
-              <a:lnSpc>
-                <a:spcPct val="100000"/>
-              </a:lnSpc>
-              <a:spcBef>
-                <a:spcPts val="0"/>
-              </a:spcBef>
-              <a:spcAft>
-                <a:spcPts val="0"/>
-              </a:spcAft>
-              <a:buFontTx/>
-              <a:buNone/>
-            </a:pPr>
-            <a:endParaRPr lang="ko-KR" altLang="en-US" sz="1800" cap="none" dirty="0" smtClean="0" u="sng" b="0" strike="noStrike">
-              <a:latin typeface="Impact" charset="0"/>
-              <a:ea typeface="Impact" charset="0"/>
-            </a:endParaRPr>
-          </a:p>
-          <a:p>
-            <a:pPr marL="0" indent="0" algn="l" fontAlgn="auto" defTabSz="508000">
-              <a:lnSpc>
-                <a:spcPct val="100000"/>
-              </a:lnSpc>
-              <a:spcBef>
-                <a:spcPts val="0"/>
-              </a:spcBef>
-              <a:spcAft>
-                <a:spcPts val="0"/>
-              </a:spcAft>
-              <a:buFontTx/>
-              <a:buNone/>
-            </a:pPr>
-            <a:r>
-              <a:rPr lang="en-US" altLang="ko-KR" sz="2500" cap="none" dirty="0" smtClean="0" u="sng" b="0" strike="noStrike">
-                <a:latin typeface="Impact" charset="0"/>
-                <a:ea typeface="Impact" charset="0"/>
-              </a:rPr>
-              <a:t>JAVA POJO란?</a:t>
-            </a:r>
-            <a:endParaRPr lang="ko-KR" altLang="en-US" sz="2500" cap="none" dirty="0" smtClean="0" u="sng" b="0" strike="noStrike">
-              <a:latin typeface="Impact" charset="0"/>
-              <a:ea typeface="Impact" charset="0"/>
-            </a:endParaRPr>
-          </a:p>
-          <a:p>
-            <a:pPr marL="0" indent="0" algn="just" fontAlgn="auto" defTabSz="508000">
-              <a:lnSpc>
-                <a:spcPct val="100000"/>
-              </a:lnSpc>
-              <a:spcBef>
-                <a:spcPts val="0"/>
-              </a:spcBef>
-              <a:spcAft>
-                <a:spcPts val="0"/>
-              </a:spcAft>
-              <a:buFontTx/>
-              <a:buNone/>
-            </a:pPr>
-            <a:r>
-              <a:rPr lang="en-US" altLang="ko-KR" sz="1800" cap="none" dirty="0" smtClean="0" b="0" strike="noStrike">
-                <a:solidFill>
-                  <a:srgbClr val="000000"/>
-                </a:solidFill>
-                <a:latin typeface="Impact" charset="0"/>
-                <a:ea typeface="Impact" charset="0"/>
-              </a:rPr>
-              <a:t>마틴파울러 2000년 어느 컨퍼런스의 발표를 준비하면서 처음 만들어낸 말이다. </a:t>
-            </a:r>
-            <a:endParaRPr lang="ko-KR" altLang="en-US" sz="1800" cap="none" dirty="0" smtClean="0" b="0" strike="noStrike">
-              <a:solidFill>
-                <a:srgbClr val="000000"/>
-              </a:solidFill>
-              <a:latin typeface="Impact" charset="0"/>
-              <a:ea typeface="Impact" charset="0"/>
-            </a:endParaRPr>
-          </a:p>
-          <a:p>
-            <a:pPr marL="0" indent="0" algn="just" fontAlgn="auto" defTabSz="508000">
-              <a:lnSpc>
-                <a:spcPct val="100000"/>
-              </a:lnSpc>
-              <a:spcBef>
-                <a:spcPts val="0"/>
-              </a:spcBef>
-              <a:spcAft>
-                <a:spcPts val="0"/>
-              </a:spcAft>
-              <a:buFontTx/>
-              <a:buNone/>
-            </a:pPr>
-            <a:r>
-              <a:rPr lang="en-US" altLang="ko-KR" sz="1800" cap="none" dirty="0" smtClean="0" b="0" strike="noStrike">
-                <a:solidFill>
-                  <a:srgbClr val="000000"/>
-                </a:solidFill>
-                <a:latin typeface="Impact" charset="0"/>
-                <a:ea typeface="Impact" charset="0"/>
-              </a:rPr>
-              <a:t>마틴파울러는 EJB보다 단순한 자바 오브젝트에 도메인 로직을 넣어</a:t>
-            </a:r>
-            <a:endParaRPr lang="ko-KR" altLang="en-US" sz="1800" cap="none" dirty="0" smtClean="0" b="0" strike="noStrike">
-              <a:solidFill>
-                <a:srgbClr val="000000"/>
-              </a:solidFill>
-              <a:latin typeface="Impact" charset="0"/>
-              <a:ea typeface="Impact" charset="0"/>
-            </a:endParaRPr>
-          </a:p>
-          <a:p>
-            <a:pPr marL="0" indent="0" algn="just" fontAlgn="auto" defTabSz="508000">
-              <a:lnSpc>
-                <a:spcPct val="100000"/>
-              </a:lnSpc>
-              <a:spcBef>
-                <a:spcPts val="0"/>
-              </a:spcBef>
-              <a:spcAft>
-                <a:spcPts val="0"/>
-              </a:spcAft>
-              <a:buFontTx/>
-              <a:buNone/>
-            </a:pPr>
-            <a:r>
-              <a:rPr lang="en-US" altLang="ko-KR" sz="1800" cap="none" dirty="0" smtClean="0" b="0" strike="noStrike">
-                <a:solidFill>
-                  <a:srgbClr val="000000"/>
-                </a:solidFill>
-                <a:latin typeface="Impact" charset="0"/>
-                <a:ea typeface="Impact" charset="0"/>
-              </a:rPr>
-              <a:t>사용하는 것이 여러가지 장점이 있는데도 사람들은 평범한 자바오브젝트를</a:t>
-            </a:r>
-            <a:endParaRPr lang="ko-KR" altLang="en-US" sz="1800" cap="none" dirty="0" smtClean="0" b="0" strike="noStrike">
-              <a:solidFill>
-                <a:srgbClr val="000000"/>
-              </a:solidFill>
-              <a:latin typeface="Impact" charset="0"/>
-              <a:ea typeface="Impact" charset="0"/>
-            </a:endParaRPr>
-          </a:p>
-          <a:p>
-            <a:pPr marL="0" indent="0" algn="just" fontAlgn="auto" defTabSz="508000">
-              <a:lnSpc>
-                <a:spcPct val="100000"/>
-              </a:lnSpc>
-              <a:spcBef>
-                <a:spcPts val="0"/>
-              </a:spcBef>
-              <a:spcAft>
-                <a:spcPts val="0"/>
-              </a:spcAft>
-              <a:buFontTx/>
-              <a:buNone/>
-            </a:pPr>
-            <a:r>
-              <a:rPr lang="en-US" altLang="ko-KR" sz="1800" cap="none" dirty="0" smtClean="0" b="0" strike="noStrike">
-                <a:solidFill>
-                  <a:srgbClr val="000000"/>
-                </a:solidFill>
-                <a:latin typeface="Impact" charset="0"/>
-                <a:ea typeface="Impact" charset="0"/>
-              </a:rPr>
-              <a:t>사용하기를 꺼려하는지에 의문을 가졌다. </a:t>
-            </a:r>
-            <a:endParaRPr lang="ko-KR" altLang="en-US" sz="1800" cap="none" dirty="0" smtClean="0" b="0" strike="noStrike">
-              <a:solidFill>
-                <a:srgbClr val="000000"/>
-              </a:solidFill>
-              <a:latin typeface="Impact" charset="0"/>
-              <a:ea typeface="Impact" charset="0"/>
-            </a:endParaRPr>
-          </a:p>
-          <a:p>
-            <a:pPr marL="0" indent="0" algn="just" fontAlgn="auto" defTabSz="508000">
-              <a:lnSpc>
-                <a:spcPct val="100000"/>
-              </a:lnSpc>
-              <a:spcBef>
-                <a:spcPts val="0"/>
-              </a:spcBef>
-              <a:spcAft>
-                <a:spcPts val="0"/>
-              </a:spcAft>
-              <a:buFontTx/>
-              <a:buNone/>
-            </a:pPr>
-            <a:r>
-              <a:rPr lang="en-US" altLang="ko-KR" sz="1800" cap="none" dirty="0" smtClean="0" b="0" strike="noStrike">
-                <a:solidFill>
-                  <a:srgbClr val="000000"/>
-                </a:solidFill>
-                <a:latin typeface="Impact" charset="0"/>
-                <a:ea typeface="Impact" charset="0"/>
-              </a:rPr>
-              <a:t>자바오브젝트는 그럴싸한 이름이 없어서 사용을 주저하는 것이라는 결론을 내리고</a:t>
-            </a:r>
-            <a:endParaRPr lang="ko-KR" altLang="en-US" sz="1800" cap="none" dirty="0" smtClean="0" b="0" strike="noStrike">
-              <a:solidFill>
-                <a:srgbClr val="000000"/>
-              </a:solidFill>
-              <a:latin typeface="Impact" charset="0"/>
-              <a:ea typeface="Impact" charset="0"/>
-            </a:endParaRPr>
-          </a:p>
-          <a:p>
-            <a:pPr marL="0" indent="0" algn="just" fontAlgn="auto" defTabSz="508000">
-              <a:lnSpc>
-                <a:spcPct val="100000"/>
-              </a:lnSpc>
-              <a:spcBef>
-                <a:spcPts val="0"/>
-              </a:spcBef>
-              <a:spcAft>
-                <a:spcPts val="0"/>
-              </a:spcAft>
-              <a:buFontTx/>
-              <a:buNone/>
-            </a:pPr>
-            <a:r>
-              <a:rPr lang="en-US" altLang="ko-KR" sz="1800" cap="none" dirty="0" smtClean="0" b="0" strike="noStrike">
-                <a:solidFill>
-                  <a:srgbClr val="000000"/>
-                </a:solidFill>
-                <a:latin typeface="Impact" charset="0"/>
-                <a:ea typeface="Impact" charset="0"/>
-              </a:rPr>
-              <a:t>그때 만든 단어가POJO라는 용어이다. </a:t>
-            </a:r>
-            <a:r>
-              <a:rPr lang="en-US" altLang="ko-KR" sz="1800" cap="none" dirty="0" smtClean="0" b="0" strike="noStrike">
-                <a:ln w="9525" cap="flat" cmpd="sng">
-                  <a:noFill/>
-                  <a:prstDash/>
-                </a:ln>
-                <a:latin typeface="Impact" charset="0"/>
-                <a:ea typeface="Impact" charset="0"/>
-              </a:rPr>
-              <a:t>텍스트를 입력하십시오</a:t>
-            </a:r>
-            <a:endParaRPr lang="ko-KR" altLang="en-US" sz="1800" cap="none" dirty="0" smtClean="0" b="0" strike="noStrike">
-              <a:ln w="9525" cap="flat" cmpd="sng">
-                <a:noFill/>
-                <a:prstDash/>
-              </a:ln>
-              <a:latin typeface="Impact" charset="0"/>
-              <a:ea typeface="Impact" charset="0"/>
             </a:endParaRPr>
           </a:p>
         </p:txBody>
@@ -8727,19 +8636,19 @@
         </p:nvSpPr>
         <p:spPr>
           <a:xfrm rot="0">
-            <a:off x="1371600" y="3733800"/>
-            <a:ext cx="10465435" cy="2476500"/>
+            <a:off x="1371600" y="4279900"/>
+            <a:ext cx="10466070" cy="2477135"/>
           </a:xfrm>
           <a:prstGeom prst="rect"/>
           <a:noFill/>
         </p:spPr>
         <p:txBody>
-          <a:bodyPr wrap="square" lIns="0" tIns="0" rIns="0" bIns="0" vert="horz" anchor="t">
+          <a:bodyPr wrap="square" lIns="0" tIns="0" rIns="0" bIns="0" numCol="1" vert="horz" anchor="t">
             <a:noAutofit/>
           </a:bodyPr>
           <a:lstStyle/>
           <a:p>
-            <a:pPr marL="0" indent="0" algn="l" fontAlgn="auto" defTabSz="508000">
+            <a:pPr marL="0" indent="0" algn="l" fontAlgn="auto" defTabSz="508000" eaLnBrk="0" latinLnBrk="0">
               <a:lnSpc>
                 <a:spcPct val="100000"/>
               </a:lnSpc>
@@ -8754,18 +8663,26 @@
             </a:pPr>
             <a:r>
               <a:rPr lang="en-US" altLang="ko-KR" sz="2300" cap="none" dirty="0" smtClean="0" b="0" strike="noStrike">
+                <a:ln w="9525" cap="flat" cmpd="sng">
+                  <a:noFill/>
+                  <a:prstDash/>
+                </a:ln>
                 <a:latin typeface="Impact" charset="0"/>
                 <a:ea typeface="Impact" charset="0"/>
               </a:rPr>
               <a:t>MVC패턴에는 모델1방식과 모델2방식이 존재.</a:t>
             </a:r>
             <a:endParaRPr lang="ko-KR" altLang="en-US" sz="2300" cap="none" dirty="0" smtClean="0" b="0" strike="noStrike">
+              <a:ln w="9525" cap="flat" cmpd="sng">
+                <a:noFill/>
+                <a:prstDash/>
+              </a:ln>
               <a:latin typeface="Impact" charset="0"/>
               <a:ea typeface="Impact" charset="0"/>
             </a:endParaRPr>
           </a:p>
           <a:p>
-            <a:pPr marL="0" indent="0" algn="l" fontAlgn="auto" defTabSz="508000">
+            <a:pPr marL="0" indent="0" algn="l" fontAlgn="auto" defTabSz="508000" eaLnBrk="0" latinLnBrk="0">
               <a:lnSpc>
                 <a:spcPct val="100000"/>
               </a:lnSpc>
@@ -8779,12 +8696,16 @@
               <a:buNone/>
             </a:pPr>
             <a:endParaRPr lang="ko-KR" altLang="en-US" sz="2300" cap="none" dirty="0" smtClean="0" b="0" strike="noStrike">
+              <a:ln w="9525" cap="flat" cmpd="sng">
+                <a:noFill/>
+                <a:prstDash/>
+              </a:ln>
               <a:latin typeface="Impact" charset="0"/>
               <a:ea typeface="Impact" charset="0"/>
             </a:endParaRPr>
           </a:p>
           <a:p>
-            <a:pPr marL="0" indent="0" algn="l" fontAlgn="auto" defTabSz="508000">
+            <a:pPr marL="0" indent="0" algn="l" fontAlgn="auto" defTabSz="508000" eaLnBrk="0" latinLnBrk="0">
               <a:lnSpc>
                 <a:spcPct val="100000"/>
               </a:lnSpc>
@@ -8799,18 +8720,26 @@
             </a:pPr>
             <a:r>
               <a:rPr lang="en-US" altLang="ko-KR" sz="2300" cap="none" dirty="0" smtClean="0" b="0" strike="noStrike">
+                <a:ln w="9525" cap="flat" cmpd="sng">
+                  <a:noFill/>
+                  <a:prstDash/>
+                </a:ln>
                 <a:latin typeface="Impact" charset="0"/>
                 <a:ea typeface="Impact" charset="0"/>
               </a:rPr>
               <a:t>JSP웹사이트 구조는 크게 모델1방식과 모델2 방식으로 나뉩니다. </a:t>
             </a:r>
             <a:endParaRPr lang="ko-KR" altLang="en-US" sz="2300" cap="none" dirty="0" smtClean="0" b="0" strike="noStrike">
+              <a:ln w="9525" cap="flat" cmpd="sng">
+                <a:noFill/>
+                <a:prstDash/>
+              </a:ln>
               <a:latin typeface="Impact" charset="0"/>
               <a:ea typeface="Impact" charset="0"/>
             </a:endParaRPr>
           </a:p>
           <a:p>
-            <a:pPr marL="0" indent="0" algn="l" fontAlgn="auto" defTabSz="508000">
+            <a:pPr marL="0" indent="0" algn="l" fontAlgn="auto" defTabSz="508000" eaLnBrk="0" latinLnBrk="0">
               <a:lnSpc>
                 <a:spcPct val="100000"/>
               </a:lnSpc>
@@ -8824,12 +8753,16 @@
               <a:buNone/>
             </a:pPr>
             <a:endParaRPr lang="ko-KR" altLang="en-US" sz="2300" cap="none" dirty="0" smtClean="0" b="0" strike="noStrike">
+              <a:ln w="9525" cap="flat" cmpd="sng">
+                <a:noFill/>
+                <a:prstDash/>
+              </a:ln>
               <a:latin typeface="Impact" charset="0"/>
               <a:ea typeface="Impact" charset="0"/>
             </a:endParaRPr>
           </a:p>
           <a:p>
-            <a:pPr marL="0" indent="0" algn="l" fontAlgn="auto" defTabSz="508000">
+            <a:pPr marL="0" indent="0" algn="l" fontAlgn="auto" defTabSz="508000" eaLnBrk="0" latinLnBrk="0">
               <a:lnSpc>
                 <a:spcPct val="100000"/>
               </a:lnSpc>
@@ -8844,18 +8777,26 @@
             </a:pPr>
             <a:r>
               <a:rPr lang="en-US" altLang="ko-KR" sz="2300" cap="none" dirty="0" smtClean="0" b="0" strike="noStrike">
+                <a:ln w="9525" cap="flat" cmpd="sng">
+                  <a:noFill/>
+                  <a:prstDash/>
+                </a:ln>
                 <a:latin typeface="Impact" charset="0"/>
                 <a:ea typeface="Impact" charset="0"/>
               </a:rPr>
               <a:t>간단하게 분류하자면 JSP에서 출력과 로직을 전부 처리하느냐(모델1)</a:t>
             </a:r>
             <a:endParaRPr lang="ko-KR" altLang="en-US" sz="2300" cap="none" dirty="0" smtClean="0" b="0" strike="noStrike">
+              <a:ln w="9525" cap="flat" cmpd="sng">
+                <a:noFill/>
+                <a:prstDash/>
+              </a:ln>
               <a:latin typeface="Impact" charset="0"/>
               <a:ea typeface="Impact" charset="0"/>
             </a:endParaRPr>
           </a:p>
           <a:p>
-            <a:pPr marL="0" indent="0" algn="l" fontAlgn="auto" defTabSz="508000">
+            <a:pPr marL="0" indent="0" algn="l" fontAlgn="auto" defTabSz="508000" eaLnBrk="0" latinLnBrk="0">
               <a:lnSpc>
                 <a:spcPct val="100000"/>
               </a:lnSpc>
@@ -8869,12 +8810,16 @@
               <a:buNone/>
             </a:pPr>
             <a:endParaRPr lang="ko-KR" altLang="en-US" sz="2300" cap="none" dirty="0" smtClean="0" b="0" strike="noStrike">
+              <a:ln w="9525" cap="flat" cmpd="sng">
+                <a:noFill/>
+                <a:prstDash/>
+              </a:ln>
               <a:latin typeface="Impact" charset="0"/>
               <a:ea typeface="Impact" charset="0"/>
             </a:endParaRPr>
           </a:p>
           <a:p>
-            <a:pPr marL="0" indent="0" algn="l" fontAlgn="auto" defTabSz="508000">
+            <a:pPr marL="0" indent="0" algn="l" fontAlgn="auto" defTabSz="508000" eaLnBrk="0" latinLnBrk="0">
               <a:lnSpc>
                 <a:spcPct val="100000"/>
               </a:lnSpc>
@@ -8889,12 +8834,20 @@
             </a:pPr>
             <a:r>
               <a:rPr lang="en-US" altLang="ko-KR" sz="2300" cap="none" dirty="0" smtClean="0" b="0" strike="noStrike">
+                <a:ln w="9525" cap="flat" cmpd="sng">
+                  <a:noFill/>
+                  <a:prstDash/>
+                </a:ln>
                 <a:latin typeface="Impact" charset="0"/>
                 <a:ea typeface="Impact" charset="0"/>
               </a:rPr>
               <a:t>JSP에서 출력만 처리하느냐(모델2)로 분류할 수 있다.</a:t>
             </a:r>
             <a:endParaRPr lang="ko-KR" altLang="en-US" sz="2300" cap="none" dirty="0" smtClean="0" b="0" strike="noStrike">
+              <a:ln w="9525" cap="flat" cmpd="sng">
+                <a:noFill/>
+                <a:prstDash/>
+              </a:ln>
               <a:latin typeface="Impact" charset="0"/>
               <a:ea typeface="Impact" charset="0"/>
             </a:endParaRPr>
@@ -8925,7 +8878,7 @@
 </file>
 
 <file path=ppt/slides/slide6.xml><?xml version="1.0" encoding="utf-8"?>
-<p:sld xmlns:a="http://schemas.openxmlformats.org/drawingml/2006/main" xmlns:r="http://schemas.openxmlformats.org/officeDocument/2006/relationships" xmlns:p="http://schemas.openxmlformats.org/presentationml/2006/main">
+<p:sld xmlns:a="http://schemas.openxmlformats.org/drawingml/2006/main" xmlns:r="http://schemas.openxmlformats.org/officeDocument/2006/relationships" xmlns:p="http://schemas.openxmlformats.org/presentationml/2006/main" xmlns:p14="http://schemas.microsoft.com/office/powerpoint/2010/main">
   <p:cSld>
     <p:spTree>
       <p:nvGrpSpPr>
@@ -8941,6 +8894,462 @@
           <a:chExt cx="0" cy="0"/>
         </a:xfrm>
       </p:grpSpPr>
+      <p:sp>
+        <p:nvSpPr>
+          <p:cNvPr id="464" name="텍스트 개체 틀 463"/>
+          <p:cNvSpPr txBox="1">
+            <a:spLocks/>
+          </p:cNvSpPr>
+          <p:nvPr>
+            <p:ph type="body" idx="1"/>
+          </p:nvPr>
+        </p:nvSpPr>
+        <p:spPr>
+          <a:xfrm rot="0">
+            <a:off x="1370330" y="3883025"/>
+            <a:ext cx="10265410" cy="3837305"/>
+          </a:xfrm>
+          <a:ln w="12700" cap="flat" cmpd="sng">
+            <a:prstDash/>
+            <a:miter lim="800000"/>
+          </a:ln>
+        </p:spPr>
+        <p:txBody>
+          <a:bodyPr wrap="square" lIns="0" tIns="0" rIns="0" bIns="0" numCol="2" vert="horz" anchor="t">
+            <a:noAutofit/>
+          </a:bodyPr>
+          <a:lstStyle/>
+          <a:p>
+            <a:pPr marL="0" indent="0" algn="l" fontAlgn="auto" defTabSz="508000">
+              <a:lnSpc>
+                <a:spcPct val="100000"/>
+              </a:lnSpc>
+              <a:spcBef>
+                <a:spcPts val="0"/>
+              </a:spcBef>
+              <a:spcAft>
+                <a:spcPts val="0"/>
+              </a:spcAft>
+              <a:buFontTx/>
+              <a:buNone/>
+            </a:pPr>
+            <a:r>
+              <a:rPr lang="en-US" altLang="ko-KR" sz="2500" cap="none" dirty="0" smtClean="0" b="0" strike="noStrike">
+                <a:ln w="9525" cap="flat" cmpd="sng">
+                  <a:noFill/>
+                  <a:prstDash/>
+                </a:ln>
+                <a:latin typeface="Impact" charset="0"/>
+                <a:ea typeface="Impact" charset="0"/>
+              </a:rPr>
+              <a:t>백그라운드에서 동작하는 로직을 처리합니다.</a:t>
+            </a:r>
+            <a:endParaRPr lang="ko-KR" altLang="en-US" sz="2500" cap="none" dirty="0" smtClean="0" b="0" strike="noStrike">
+              <a:ln w="9525" cap="flat" cmpd="sng">
+                <a:noFill/>
+                <a:prstDash/>
+              </a:ln>
+              <a:latin typeface="Impact" charset="0"/>
+              <a:ea typeface="Impact" charset="0"/>
+            </a:endParaRPr>
+          </a:p>
+          <a:p>
+            <a:pPr marL="0" indent="0" algn="l" fontAlgn="auto" defTabSz="508000">
+              <a:lnSpc>
+                <a:spcPct val="100000"/>
+              </a:lnSpc>
+              <a:spcBef>
+                <a:spcPts val="0"/>
+              </a:spcBef>
+              <a:spcAft>
+                <a:spcPts val="0"/>
+              </a:spcAft>
+              <a:buFontTx/>
+              <a:buNone/>
+            </a:pPr>
+            <a:r>
+              <a:rPr lang="en-US" altLang="ko-KR" sz="1800" cap="none" dirty="0" smtClean="0" b="0" strike="noStrike">
+                <a:ln w="9525" cap="flat" cmpd="sng">
+                  <a:noFill/>
+                  <a:prstDash/>
+                </a:ln>
+                <a:latin typeface="Impact" charset="0"/>
+                <a:ea typeface="Impact" charset="0"/>
+              </a:rPr>
+              <a:t>모델은 데이터를 가지고 있는 객체 또는 </a:t>
+            </a:r>
+            <a:r>
+              <a:rPr lang="en-US" altLang="ko-KR" sz="1800" cap="none" dirty="0" smtClean="0" u="sng" b="0" strike="noStrike">
+                <a:ln w="9525" cap="flat" cmpd="sng">
+                  <a:noFill/>
+                  <a:prstDash/>
+                </a:ln>
+                <a:latin typeface="Impact" charset="0"/>
+                <a:ea typeface="Impact" charset="0"/>
+              </a:rPr>
+              <a:t>JAVA POJO</a:t>
+            </a:r>
+            <a:r>
+              <a:rPr lang="en-US" altLang="ko-KR" sz="1800" cap="none" dirty="0" smtClean="0" b="0" strike="noStrike">
+                <a:ln w="9525" cap="flat" cmpd="sng">
+                  <a:noFill/>
+                  <a:prstDash/>
+                </a:ln>
+                <a:latin typeface="Impact" charset="0"/>
+                <a:ea typeface="Impact" charset="0"/>
+              </a:rPr>
+              <a:t>라고 부름.</a:t>
+            </a:r>
+            <a:endParaRPr lang="ko-KR" altLang="en-US" sz="1800" cap="none" dirty="0" smtClean="0" b="0" strike="noStrike">
+              <a:ln w="9525" cap="flat" cmpd="sng">
+                <a:noFill/>
+                <a:prstDash/>
+              </a:ln>
+              <a:latin typeface="Impact" charset="0"/>
+              <a:ea typeface="Impact" charset="0"/>
+            </a:endParaRPr>
+          </a:p>
+          <a:p>
+            <a:pPr marL="0" indent="0" algn="l" fontAlgn="auto" defTabSz="508000">
+              <a:lnSpc>
+                <a:spcPct val="100000"/>
+              </a:lnSpc>
+              <a:spcBef>
+                <a:spcPts val="0"/>
+              </a:spcBef>
+              <a:spcAft>
+                <a:spcPts val="0"/>
+              </a:spcAft>
+              <a:buFontTx/>
+              <a:buNone/>
+            </a:pPr>
+            <a:r>
+              <a:rPr lang="en-US" altLang="ko-KR" sz="1800" cap="none" dirty="0" smtClean="0" b="0" strike="noStrike">
+                <a:ln w="9525" cap="flat" cmpd="sng">
+                  <a:noFill/>
+                  <a:prstDash/>
+                </a:ln>
+                <a:latin typeface="Impact" charset="0"/>
+                <a:ea typeface="Impact" charset="0"/>
+              </a:rPr>
+              <a:t>데이터가 바뀌었을 때 컨트롤러의 데이터를 업데이트 하는 로직도 포함.</a:t>
+            </a:r>
+            <a:endParaRPr lang="ko-KR" altLang="en-US" sz="1800" cap="none" dirty="0" smtClean="0" b="0" strike="noStrike">
+              <a:ln w="9525" cap="flat" cmpd="sng">
+                <a:noFill/>
+                <a:prstDash/>
+              </a:ln>
+              <a:latin typeface="Impact" charset="0"/>
+              <a:ea typeface="Impact" charset="0"/>
+            </a:endParaRPr>
+          </a:p>
+          <a:p>
+            <a:pPr marL="0" indent="0" algn="l" fontAlgn="auto" defTabSz="508000">
+              <a:lnSpc>
+                <a:spcPct val="100000"/>
+              </a:lnSpc>
+              <a:spcBef>
+                <a:spcPts val="0"/>
+              </a:spcBef>
+              <a:spcAft>
+                <a:spcPts val="0"/>
+              </a:spcAft>
+              <a:buFontTx/>
+              <a:buNone/>
+            </a:pPr>
+            <a:endParaRPr lang="ko-KR" altLang="en-US" sz="1800" cap="none" dirty="0" smtClean="0" u="sng" b="0" strike="noStrike">
+              <a:ln w="9525" cap="flat" cmpd="sng">
+                <a:noFill/>
+                <a:prstDash/>
+              </a:ln>
+              <a:latin typeface="Impact" charset="0"/>
+              <a:ea typeface="Impact" charset="0"/>
+            </a:endParaRPr>
+          </a:p>
+          <a:p>
+            <a:pPr marL="0" indent="0" algn="l" fontAlgn="auto" defTabSz="508000">
+              <a:lnSpc>
+                <a:spcPct val="100000"/>
+              </a:lnSpc>
+              <a:spcBef>
+                <a:spcPts val="0"/>
+              </a:spcBef>
+              <a:spcAft>
+                <a:spcPts val="0"/>
+              </a:spcAft>
+              <a:buFontTx/>
+              <a:buNone/>
+            </a:pPr>
+            <a:r>
+              <a:rPr lang="en-US" altLang="ko-KR" sz="2500" cap="none" dirty="0" smtClean="0" u="sng" b="0" strike="noStrike">
+                <a:ln w="9525" cap="flat" cmpd="sng">
+                  <a:noFill/>
+                  <a:prstDash/>
+                </a:ln>
+                <a:latin typeface="Impact" charset="0"/>
+                <a:ea typeface="Impact" charset="0"/>
+              </a:rPr>
+              <a:t>JAVA POJO란?</a:t>
+            </a:r>
+            <a:endParaRPr lang="ko-KR" altLang="en-US" sz="2500" cap="none" dirty="0" smtClean="0" u="sng" b="0" strike="noStrike">
+              <a:ln w="9525" cap="flat" cmpd="sng">
+                <a:noFill/>
+                <a:prstDash/>
+              </a:ln>
+              <a:latin typeface="Impact" charset="0"/>
+              <a:ea typeface="Impact" charset="0"/>
+            </a:endParaRPr>
+          </a:p>
+          <a:p>
+            <a:pPr marL="0" indent="0" algn="just" fontAlgn="auto" defTabSz="508000">
+              <a:lnSpc>
+                <a:spcPct val="100000"/>
+              </a:lnSpc>
+              <a:spcBef>
+                <a:spcPts val="0"/>
+              </a:spcBef>
+              <a:spcAft>
+                <a:spcPts val="0"/>
+              </a:spcAft>
+              <a:buFontTx/>
+              <a:buNone/>
+            </a:pPr>
+            <a:r>
+              <a:rPr lang="en-US" altLang="ko-KR" sz="1800" cap="none" dirty="0" smtClean="0" b="0" strike="noStrike">
+                <a:ln w="9525" cap="flat" cmpd="sng">
+                  <a:noFill/>
+                  <a:prstDash/>
+                </a:ln>
+                <a:solidFill>
+                  <a:srgbClr val="000000"/>
+                </a:solidFill>
+                <a:latin typeface="Impact" charset="0"/>
+                <a:ea typeface="Impact" charset="0"/>
+              </a:rPr>
+              <a:t>마틴파울러 2000년 어느 컨퍼런스의 발표를 준비하면서 처음 만들어낸 말이다. </a:t>
+            </a:r>
+            <a:endParaRPr lang="ko-KR" altLang="en-US" sz="1800" cap="none" dirty="0" smtClean="0" b="0" strike="noStrike">
+              <a:ln w="9525" cap="flat" cmpd="sng">
+                <a:noFill/>
+                <a:prstDash/>
+              </a:ln>
+              <a:solidFill>
+                <a:srgbClr val="000000"/>
+              </a:solidFill>
+              <a:latin typeface="Impact" charset="0"/>
+              <a:ea typeface="Impact" charset="0"/>
+            </a:endParaRPr>
+          </a:p>
+          <a:p>
+            <a:pPr marL="0" indent="0" algn="just" fontAlgn="auto" defTabSz="508000">
+              <a:lnSpc>
+                <a:spcPct val="100000"/>
+              </a:lnSpc>
+              <a:spcBef>
+                <a:spcPts val="0"/>
+              </a:spcBef>
+              <a:spcAft>
+                <a:spcPts val="0"/>
+              </a:spcAft>
+              <a:buFontTx/>
+              <a:buNone/>
+            </a:pPr>
+            <a:r>
+              <a:rPr lang="en-US" altLang="ko-KR" sz="1800" cap="none" dirty="0" smtClean="0" b="0" strike="noStrike">
+                <a:ln w="9525" cap="flat" cmpd="sng">
+                  <a:noFill/>
+                  <a:prstDash/>
+                </a:ln>
+                <a:solidFill>
+                  <a:srgbClr val="000000"/>
+                </a:solidFill>
+                <a:latin typeface="Impact" charset="0"/>
+                <a:ea typeface="Impact" charset="0"/>
+              </a:rPr>
+              <a:t>마틴파울러는 EJB보다 단순한 자바 오브젝트에 도메인 로직을 넣어</a:t>
+            </a:r>
+            <a:endParaRPr lang="ko-KR" altLang="en-US" sz="1800" cap="none" dirty="0" smtClean="0" b="0" strike="noStrike">
+              <a:ln w="9525" cap="flat" cmpd="sng">
+                <a:noFill/>
+                <a:prstDash/>
+              </a:ln>
+              <a:solidFill>
+                <a:srgbClr val="000000"/>
+              </a:solidFill>
+              <a:latin typeface="Impact" charset="0"/>
+              <a:ea typeface="Impact" charset="0"/>
+            </a:endParaRPr>
+          </a:p>
+          <a:p>
+            <a:pPr marL="0" indent="0" algn="just" fontAlgn="auto" defTabSz="508000">
+              <a:lnSpc>
+                <a:spcPct val="100000"/>
+              </a:lnSpc>
+              <a:spcBef>
+                <a:spcPts val="0"/>
+              </a:spcBef>
+              <a:spcAft>
+                <a:spcPts val="0"/>
+              </a:spcAft>
+              <a:buFontTx/>
+              <a:buNone/>
+            </a:pPr>
+            <a:r>
+              <a:rPr lang="en-US" altLang="ko-KR" sz="1800" cap="none" dirty="0" smtClean="0" b="0" strike="noStrike">
+                <a:ln w="9525" cap="flat" cmpd="sng">
+                  <a:noFill/>
+                  <a:prstDash/>
+                </a:ln>
+                <a:solidFill>
+                  <a:srgbClr val="000000"/>
+                </a:solidFill>
+                <a:latin typeface="Impact" charset="0"/>
+                <a:ea typeface="Impact" charset="0"/>
+              </a:rPr>
+              <a:t>사용하는 것이 여러가지 장점이 있는데도 사람들은 평범한 자바오브젝트를</a:t>
+            </a:r>
+            <a:endParaRPr lang="ko-KR" altLang="en-US" sz="1800" cap="none" dirty="0" smtClean="0" b="0" strike="noStrike">
+              <a:ln w="9525" cap="flat" cmpd="sng">
+                <a:noFill/>
+                <a:prstDash/>
+              </a:ln>
+              <a:solidFill>
+                <a:srgbClr val="000000"/>
+              </a:solidFill>
+              <a:latin typeface="Impact" charset="0"/>
+              <a:ea typeface="Impact" charset="0"/>
+            </a:endParaRPr>
+          </a:p>
+          <a:p>
+            <a:pPr marL="0" indent="0" algn="just" fontAlgn="auto" defTabSz="508000">
+              <a:lnSpc>
+                <a:spcPct val="100000"/>
+              </a:lnSpc>
+              <a:spcBef>
+                <a:spcPts val="0"/>
+              </a:spcBef>
+              <a:spcAft>
+                <a:spcPts val="0"/>
+              </a:spcAft>
+              <a:buFontTx/>
+              <a:buNone/>
+            </a:pPr>
+            <a:r>
+              <a:rPr lang="en-US" altLang="ko-KR" sz="1800" cap="none" dirty="0" smtClean="0" b="0" strike="noStrike">
+                <a:ln w="9525" cap="flat" cmpd="sng">
+                  <a:noFill/>
+                  <a:prstDash/>
+                </a:ln>
+                <a:solidFill>
+                  <a:srgbClr val="000000"/>
+                </a:solidFill>
+                <a:latin typeface="Impact" charset="0"/>
+                <a:ea typeface="Impact" charset="0"/>
+              </a:rPr>
+              <a:t>사용하기를 꺼려하는지에 의문을 가졌다. </a:t>
+            </a:r>
+            <a:endParaRPr lang="ko-KR" altLang="en-US" sz="1800" cap="none" dirty="0" smtClean="0" b="0" strike="noStrike">
+              <a:ln w="9525" cap="flat" cmpd="sng">
+                <a:noFill/>
+                <a:prstDash/>
+              </a:ln>
+              <a:solidFill>
+                <a:srgbClr val="000000"/>
+              </a:solidFill>
+              <a:latin typeface="Impact" charset="0"/>
+              <a:ea typeface="Impact" charset="0"/>
+            </a:endParaRPr>
+          </a:p>
+          <a:p>
+            <a:pPr marL="0" indent="0" algn="just" fontAlgn="auto" defTabSz="508000">
+              <a:lnSpc>
+                <a:spcPct val="100000"/>
+              </a:lnSpc>
+              <a:spcBef>
+                <a:spcPts val="0"/>
+              </a:spcBef>
+              <a:spcAft>
+                <a:spcPts val="0"/>
+              </a:spcAft>
+              <a:buFontTx/>
+              <a:buNone/>
+            </a:pPr>
+            <a:r>
+              <a:rPr lang="en-US" altLang="ko-KR" sz="1800" cap="none" dirty="0" smtClean="0" b="0" strike="noStrike">
+                <a:ln w="9525" cap="flat" cmpd="sng">
+                  <a:noFill/>
+                  <a:prstDash/>
+                </a:ln>
+                <a:solidFill>
+                  <a:srgbClr val="000000"/>
+                </a:solidFill>
+                <a:latin typeface="Impact" charset="0"/>
+                <a:ea typeface="Impact" charset="0"/>
+              </a:rPr>
+              <a:t>자바오브젝트는 그럴싸한 이름이 없어서 사용을 주저하는 것이라는 결론을 내리고</a:t>
+            </a:r>
+            <a:endParaRPr lang="ko-KR" altLang="en-US" sz="1800" cap="none" dirty="0" smtClean="0" b="0" strike="noStrike">
+              <a:ln w="9525" cap="flat" cmpd="sng">
+                <a:noFill/>
+                <a:prstDash/>
+              </a:ln>
+              <a:solidFill>
+                <a:srgbClr val="000000"/>
+              </a:solidFill>
+              <a:latin typeface="Impact" charset="0"/>
+              <a:ea typeface="Impact" charset="0"/>
+            </a:endParaRPr>
+          </a:p>
+          <a:p>
+            <a:pPr marL="0" indent="0" algn="just" fontAlgn="auto" defTabSz="508000">
+              <a:lnSpc>
+                <a:spcPct val="100000"/>
+              </a:lnSpc>
+              <a:spcBef>
+                <a:spcPts val="0"/>
+              </a:spcBef>
+              <a:spcAft>
+                <a:spcPts val="0"/>
+              </a:spcAft>
+              <a:buFontTx/>
+              <a:buNone/>
+            </a:pPr>
+            <a:r>
+              <a:rPr lang="en-US" altLang="ko-KR" sz="1800" cap="none" dirty="0" smtClean="0" b="0" strike="noStrike">
+                <a:ln w="9525" cap="flat" cmpd="sng">
+                  <a:noFill/>
+                  <a:prstDash/>
+                </a:ln>
+                <a:solidFill>
+                  <a:srgbClr val="000000"/>
+                </a:solidFill>
+                <a:latin typeface="Impact" charset="0"/>
+                <a:ea typeface="Impact" charset="0"/>
+              </a:rPr>
+              <a:t>그때 만든 단어가POJO라는 용어이다. </a:t>
+            </a:r>
+            <a:r>
+              <a:rPr lang="en-US" altLang="ko-KR" sz="1800" cap="none" dirty="0" smtClean="0" b="0" strike="noStrike">
+                <a:ln w="9525" cap="flat" cmpd="sng">
+                  <a:noFill/>
+                  <a:prstDash/>
+                </a:ln>
+                <a:latin typeface="Impact" charset="0"/>
+                <a:ea typeface="Impact" charset="0"/>
+              </a:rPr>
+              <a:t>텍스트를 입력하십시오</a:t>
+            </a:r>
+            <a:endParaRPr lang="ko-KR" altLang="en-US" sz="1800" cap="none" dirty="0" smtClean="0" b="0" strike="noStrike">
+              <a:ln w="9525" cap="flat" cmpd="sng">
+                <a:noFill/>
+                <a:prstDash/>
+              </a:ln>
+              <a:latin typeface="Impact" charset="0"/>
+              <a:ea typeface="Impact" charset="0"/>
+            </a:endParaRPr>
+          </a:p>
+        </p:txBody>
+      </p:sp>
       <p:sp>
         <p:nvSpPr>
           <p:cNvPr id="2" name="직사각형 1"/>
@@ -9023,8 +9432,8 @@
         </p:nvSpPr>
         <p:spPr>
           <a:xfrm rot="0">
-            <a:off x="6176010" y="1306195"/>
-            <a:ext cx="636270" cy="1845945"/>
+            <a:off x="6176645" y="1306195"/>
+            <a:ext cx="635635" cy="1845945"/>
           </a:xfrm>
           <a:prstGeom prst="rect"/>
           <a:ln w="12700" cap="flat" cmpd="sng">
@@ -9075,374 +9484,6 @@
               </a:solidFill>
               <a:latin typeface="배달의민족 도현 OTF" charset="0"/>
               <a:ea typeface="배달의민족 도현 OTF" charset="0"/>
-            </a:endParaRPr>
-          </a:p>
-        </p:txBody>
-      </p:sp>
-      <p:sp>
-        <p:nvSpPr>
-          <p:cNvPr id="464" name="텍스트 개체 틀 463"/>
-          <p:cNvSpPr txBox="1">
-            <a:spLocks/>
-          </p:cNvSpPr>
-          <p:nvPr>
-            <p:ph type="body" idx="1"/>
-          </p:nvPr>
-        </p:nvSpPr>
-        <p:spPr>
-          <a:xfrm rot="0">
-            <a:off x="1370330" y="3883025"/>
-            <a:ext cx="10264775" cy="3836670"/>
-          </a:xfrm>
-          <a:ln w="12700" cap="flat" cmpd="sng">
-            <a:prstDash/>
-            <a:miter lim="800000"/>
-          </a:ln>
-        </p:spPr>
-        <p:txBody>
-          <a:bodyPr wrap="square" lIns="0" tIns="0" rIns="0" bIns="0" vert="horz" anchor="t">
-            <a:noAutofit/>
-          </a:bodyPr>
-          <a:lstStyle/>
-          <a:p>
-            <a:pPr marL="0" indent="0" algn="l" fontAlgn="auto" defTabSz="508000">
-              <a:lnSpc>
-                <a:spcPct val="100000"/>
-              </a:lnSpc>
-              <a:spcBef>
-                <a:spcPts val="0"/>
-              </a:spcBef>
-              <a:spcAft>
-                <a:spcPts val="0"/>
-              </a:spcAft>
-              <a:buFontTx/>
-              <a:buNone/>
-            </a:pPr>
-            <a:r>
-              <a:rPr lang="en-US" altLang="ko-KR" sz="2500" cap="none" dirty="0" smtClean="0" b="0" strike="noStrike">
-                <a:latin typeface="Impact" charset="0"/>
-                <a:ea typeface="Impact" charset="0"/>
-              </a:rPr>
-              <a:t>백그라운드에서 동작하는 로직을 처리합니다.</a:t>
-            </a:r>
-            <a:endParaRPr lang="ko-KR" altLang="en-US" sz="2500" cap="none" dirty="0" smtClean="0" b="0" strike="noStrike">
-              <a:latin typeface="Impact" charset="0"/>
-              <a:ea typeface="Impact" charset="0"/>
-            </a:endParaRPr>
-          </a:p>
-          <a:p>
-            <a:pPr marL="0" indent="0" algn="l" fontAlgn="auto" defTabSz="508000">
-              <a:lnSpc>
-                <a:spcPct val="100000"/>
-              </a:lnSpc>
-              <a:spcBef>
-                <a:spcPts val="0"/>
-              </a:spcBef>
-              <a:spcAft>
-                <a:spcPts val="0"/>
-              </a:spcAft>
-              <a:buFontTx/>
-              <a:buNone/>
-            </a:pPr>
-            <a:r>
-              <a:rPr lang="en-US" altLang="ko-KR" sz="1800" cap="none" dirty="0" smtClean="0" b="0" strike="noStrike">
-                <a:latin typeface="Impact" charset="0"/>
-                <a:ea typeface="Impact" charset="0"/>
-              </a:rPr>
-              <a:t>모델은 데이터를 가지고 있는 객체 또는 </a:t>
-            </a:r>
-            <a:r>
-              <a:rPr lang="en-US" altLang="ko-KR" sz="1800" cap="none" dirty="0" smtClean="0" u="sng" b="0" strike="noStrike">
-                <a:latin typeface="Impact" charset="0"/>
-                <a:ea typeface="Impact" charset="0"/>
-              </a:rPr>
-              <a:t>JAVA POJO</a:t>
-            </a:r>
-            <a:r>
-              <a:rPr lang="en-US" altLang="ko-KR" sz="1800" cap="none" dirty="0" smtClean="0" b="0" strike="noStrike">
-                <a:latin typeface="Impact" charset="0"/>
-                <a:ea typeface="Impact" charset="0"/>
-              </a:rPr>
-              <a:t>라고 부름.</a:t>
-            </a:r>
-            <a:endParaRPr lang="ko-KR" altLang="en-US" sz="1800" cap="none" dirty="0" smtClean="0" b="0" strike="noStrike">
-              <a:latin typeface="Impact" charset="0"/>
-              <a:ea typeface="Impact" charset="0"/>
-            </a:endParaRPr>
-          </a:p>
-          <a:p>
-            <a:pPr marL="0" indent="0" algn="l" fontAlgn="auto" defTabSz="508000">
-              <a:lnSpc>
-                <a:spcPct val="100000"/>
-              </a:lnSpc>
-              <a:spcBef>
-                <a:spcPts val="0"/>
-              </a:spcBef>
-              <a:spcAft>
-                <a:spcPts val="0"/>
-              </a:spcAft>
-              <a:buFontTx/>
-              <a:buNone/>
-            </a:pPr>
-            <a:r>
-              <a:rPr lang="en-US" altLang="ko-KR" sz="1800" cap="none" dirty="0" smtClean="0" b="0" strike="noStrike">
-                <a:latin typeface="Impact" charset="0"/>
-                <a:ea typeface="Impact" charset="0"/>
-              </a:rPr>
-              <a:t>데이터가 바뀌었을 때 컨트롤러의 데이터를 업데이트 하는 로직도 포함.</a:t>
-            </a:r>
-            <a:endParaRPr lang="ko-KR" altLang="en-US" sz="1800" cap="none" dirty="0" smtClean="0" b="0" strike="noStrike">
-              <a:latin typeface="Impact" charset="0"/>
-              <a:ea typeface="Impact" charset="0"/>
-            </a:endParaRPr>
-          </a:p>
-          <a:p>
-            <a:pPr marL="0" indent="0" algn="l" fontAlgn="auto" defTabSz="508000">
-              <a:lnSpc>
-                <a:spcPct val="100000"/>
-              </a:lnSpc>
-              <a:spcBef>
-                <a:spcPts val="0"/>
-              </a:spcBef>
-              <a:spcAft>
-                <a:spcPts val="0"/>
-              </a:spcAft>
-              <a:buFontTx/>
-              <a:buNone/>
-            </a:pPr>
-            <a:endParaRPr lang="ko-KR" altLang="en-US" sz="1800" cap="none" dirty="0" smtClean="0" u="sng" b="0" strike="noStrike">
-              <a:latin typeface="Impact" charset="0"/>
-              <a:ea typeface="Impact" charset="0"/>
-            </a:endParaRPr>
-          </a:p>
-          <a:p>
-            <a:pPr marL="0" indent="0" algn="l" fontAlgn="auto" defTabSz="508000">
-              <a:lnSpc>
-                <a:spcPct val="100000"/>
-              </a:lnSpc>
-              <a:spcBef>
-                <a:spcPts val="0"/>
-              </a:spcBef>
-              <a:spcAft>
-                <a:spcPts val="0"/>
-              </a:spcAft>
-              <a:buFontTx/>
-              <a:buNone/>
-            </a:pPr>
-            <a:r>
-              <a:rPr lang="en-US" altLang="ko-KR" sz="2500" cap="none" dirty="0" smtClean="0" u="sng" b="0" strike="noStrike">
-                <a:latin typeface="Impact" charset="0"/>
-                <a:ea typeface="Impact" charset="0"/>
-              </a:rPr>
-              <a:t>JAVA POJO란?</a:t>
-            </a:r>
-            <a:endParaRPr lang="ko-KR" altLang="en-US" sz="2500" cap="none" dirty="0" smtClean="0" u="sng" b="0" strike="noStrike">
-              <a:latin typeface="Impact" charset="0"/>
-              <a:ea typeface="Impact" charset="0"/>
-            </a:endParaRPr>
-          </a:p>
-          <a:p>
-            <a:pPr marL="0" indent="0" algn="just" fontAlgn="auto" defTabSz="508000">
-              <a:lnSpc>
-                <a:spcPct val="100000"/>
-              </a:lnSpc>
-              <a:spcBef>
-                <a:spcPts val="0"/>
-              </a:spcBef>
-              <a:spcAft>
-                <a:spcPts val="0"/>
-              </a:spcAft>
-              <a:buFontTx/>
-              <a:buNone/>
-            </a:pPr>
-            <a:r>
-              <a:rPr lang="en-US" altLang="ko-KR" sz="1800" cap="none" dirty="0" smtClean="0" b="0" strike="noStrike">
-                <a:solidFill>
-                  <a:srgbClr val="000000"/>
-                </a:solidFill>
-                <a:latin typeface="Impact" charset="0"/>
-                <a:ea typeface="Impact" charset="0"/>
-              </a:rPr>
-              <a:t>마틴파울러 2000년 어느 컨퍼런스의 발표를 준비하면서 처음 만들어낸 말이다. </a:t>
-            </a:r>
-            <a:endParaRPr lang="ko-KR" altLang="en-US" sz="1800" cap="none" dirty="0" smtClean="0" b="0" strike="noStrike">
-              <a:solidFill>
-                <a:srgbClr val="000000"/>
-              </a:solidFill>
-              <a:latin typeface="Impact" charset="0"/>
-              <a:ea typeface="Impact" charset="0"/>
-            </a:endParaRPr>
-          </a:p>
-          <a:p>
-            <a:pPr marL="0" indent="0" algn="just" fontAlgn="auto" defTabSz="508000">
-              <a:lnSpc>
-                <a:spcPct val="100000"/>
-              </a:lnSpc>
-              <a:spcBef>
-                <a:spcPts val="0"/>
-              </a:spcBef>
-              <a:spcAft>
-                <a:spcPts val="0"/>
-              </a:spcAft>
-              <a:buFontTx/>
-              <a:buNone/>
-            </a:pPr>
-            <a:r>
-              <a:rPr lang="en-US" altLang="ko-KR" sz="1800" cap="none" dirty="0" smtClean="0" b="0" strike="noStrike">
-                <a:solidFill>
-                  <a:srgbClr val="000000"/>
-                </a:solidFill>
-                <a:latin typeface="Impact" charset="0"/>
-                <a:ea typeface="Impact" charset="0"/>
-              </a:rPr>
-              <a:t>마틴파울러는 EJB보다 단순한 자바 오브젝트에 도메인 로직을 넣어</a:t>
-            </a:r>
-            <a:endParaRPr lang="ko-KR" altLang="en-US" sz="1800" cap="none" dirty="0" smtClean="0" b="0" strike="noStrike">
-              <a:solidFill>
-                <a:srgbClr val="000000"/>
-              </a:solidFill>
-              <a:latin typeface="Impact" charset="0"/>
-              <a:ea typeface="Impact" charset="0"/>
-            </a:endParaRPr>
-          </a:p>
-          <a:p>
-            <a:pPr marL="0" indent="0" algn="just" fontAlgn="auto" defTabSz="508000">
-              <a:lnSpc>
-                <a:spcPct val="100000"/>
-              </a:lnSpc>
-              <a:spcBef>
-                <a:spcPts val="0"/>
-              </a:spcBef>
-              <a:spcAft>
-                <a:spcPts val="0"/>
-              </a:spcAft>
-              <a:buFontTx/>
-              <a:buNone/>
-            </a:pPr>
-            <a:r>
-              <a:rPr lang="en-US" altLang="ko-KR" sz="1800" cap="none" dirty="0" smtClean="0" b="0" strike="noStrike">
-                <a:solidFill>
-                  <a:srgbClr val="000000"/>
-                </a:solidFill>
-                <a:latin typeface="Impact" charset="0"/>
-                <a:ea typeface="Impact" charset="0"/>
-              </a:rPr>
-              <a:t>사용하는 것이 여러가지 장점이 있는데도 사람들은 평범한 자바오브젝트를</a:t>
-            </a:r>
-            <a:endParaRPr lang="ko-KR" altLang="en-US" sz="1800" cap="none" dirty="0" smtClean="0" b="0" strike="noStrike">
-              <a:solidFill>
-                <a:srgbClr val="000000"/>
-              </a:solidFill>
-              <a:latin typeface="Impact" charset="0"/>
-              <a:ea typeface="Impact" charset="0"/>
-            </a:endParaRPr>
-          </a:p>
-          <a:p>
-            <a:pPr marL="0" indent="0" algn="just" fontAlgn="auto" defTabSz="508000">
-              <a:lnSpc>
-                <a:spcPct val="100000"/>
-              </a:lnSpc>
-              <a:spcBef>
-                <a:spcPts val="0"/>
-              </a:spcBef>
-              <a:spcAft>
-                <a:spcPts val="0"/>
-              </a:spcAft>
-              <a:buFontTx/>
-              <a:buNone/>
-            </a:pPr>
-            <a:r>
-              <a:rPr lang="en-US" altLang="ko-KR" sz="1800" cap="none" dirty="0" smtClean="0" b="0" strike="noStrike">
-                <a:solidFill>
-                  <a:srgbClr val="000000"/>
-                </a:solidFill>
-                <a:latin typeface="Impact" charset="0"/>
-                <a:ea typeface="Impact" charset="0"/>
-              </a:rPr>
-              <a:t>사용하기를 꺼려하는지에 의문을 가졌다. </a:t>
-            </a:r>
-            <a:endParaRPr lang="ko-KR" altLang="en-US" sz="1800" cap="none" dirty="0" smtClean="0" b="0" strike="noStrike">
-              <a:solidFill>
-                <a:srgbClr val="000000"/>
-              </a:solidFill>
-              <a:latin typeface="Impact" charset="0"/>
-              <a:ea typeface="Impact" charset="0"/>
-            </a:endParaRPr>
-          </a:p>
-          <a:p>
-            <a:pPr marL="0" indent="0" algn="just" fontAlgn="auto" defTabSz="508000">
-              <a:lnSpc>
-                <a:spcPct val="100000"/>
-              </a:lnSpc>
-              <a:spcBef>
-                <a:spcPts val="0"/>
-              </a:spcBef>
-              <a:spcAft>
-                <a:spcPts val="0"/>
-              </a:spcAft>
-              <a:buFontTx/>
-              <a:buNone/>
-            </a:pPr>
-            <a:r>
-              <a:rPr lang="en-US" altLang="ko-KR" sz="1800" cap="none" dirty="0" smtClean="0" b="0" strike="noStrike">
-                <a:solidFill>
-                  <a:srgbClr val="000000"/>
-                </a:solidFill>
-                <a:latin typeface="Impact" charset="0"/>
-                <a:ea typeface="Impact" charset="0"/>
-              </a:rPr>
-              <a:t>자바오브젝트는 그럴싸한 이름이 없어서 사용을 주저하는 것이라는 결론을 내리고</a:t>
-            </a:r>
-            <a:endParaRPr lang="ko-KR" altLang="en-US" sz="1800" cap="none" dirty="0" smtClean="0" b="0" strike="noStrike">
-              <a:solidFill>
-                <a:srgbClr val="000000"/>
-              </a:solidFill>
-              <a:latin typeface="Impact" charset="0"/>
-              <a:ea typeface="Impact" charset="0"/>
-            </a:endParaRPr>
-          </a:p>
-          <a:p>
-            <a:pPr marL="0" indent="0" algn="just" fontAlgn="auto" defTabSz="508000">
-              <a:lnSpc>
-                <a:spcPct val="100000"/>
-              </a:lnSpc>
-              <a:spcBef>
-                <a:spcPts val="0"/>
-              </a:spcBef>
-              <a:spcAft>
-                <a:spcPts val="0"/>
-              </a:spcAft>
-              <a:buFontTx/>
-              <a:buNone/>
-            </a:pPr>
-            <a:r>
-              <a:rPr lang="en-US" altLang="ko-KR" sz="1800" cap="none" dirty="0" smtClean="0" b="0" strike="noStrike">
-                <a:solidFill>
-                  <a:srgbClr val="000000"/>
-                </a:solidFill>
-                <a:latin typeface="Impact" charset="0"/>
-                <a:ea typeface="Impact" charset="0"/>
-              </a:rPr>
-              <a:t>그때 만든 단어가POJO라는 용어이다. </a:t>
-            </a:r>
-            <a:r>
-              <a:rPr lang="en-US" altLang="ko-KR" sz="1800" cap="none" dirty="0" smtClean="0" b="0" strike="noStrike">
-                <a:ln w="9525" cap="flat" cmpd="sng">
-                  <a:noFill/>
-                  <a:prstDash/>
-                </a:ln>
-                <a:latin typeface="Impact" charset="0"/>
-                <a:ea typeface="Impact" charset="0"/>
-              </a:rPr>
-              <a:t>텍스트를 입력하십시오</a:t>
-            </a:r>
-            <a:endParaRPr lang="ko-KR" altLang="en-US" sz="1800" cap="none" dirty="0" smtClean="0" b="0" strike="noStrike">
-              <a:ln w="9525" cap="flat" cmpd="sng">
-                <a:noFill/>
-                <a:prstDash/>
-              </a:ln>
-              <a:latin typeface="Impact" charset="0"/>
-              <a:ea typeface="Impact" charset="0"/>
             </a:endParaRPr>
           </a:p>
         </p:txBody>
@@ -9746,7 +9787,7 @@
 </file>
 
 <file path=ppt/slides/slide7.xml><?xml version="1.0" encoding="utf-8"?>
-<p:sld xmlns:a="http://schemas.openxmlformats.org/drawingml/2006/main" xmlns:r="http://schemas.openxmlformats.org/officeDocument/2006/relationships" xmlns:p="http://schemas.openxmlformats.org/presentationml/2006/main">
+<p:sld xmlns:a="http://schemas.openxmlformats.org/drawingml/2006/main" xmlns:r="http://schemas.openxmlformats.org/officeDocument/2006/relationships" xmlns:p="http://schemas.openxmlformats.org/presentationml/2006/main" xmlns:p14="http://schemas.microsoft.com/office/powerpoint/2010/main">
   <p:cSld>
     <p:spTree>
       <p:nvGrpSpPr>
@@ -9762,6 +9803,203 @@
           <a:chExt cx="0" cy="0"/>
         </a:xfrm>
       </p:grpSpPr>
+      <p:sp>
+        <p:nvSpPr>
+          <p:cNvPr id="464" name="텍스트 개체 틀 463"/>
+          <p:cNvSpPr txBox="1">
+            <a:spLocks/>
+          </p:cNvSpPr>
+          <p:nvPr>
+            <p:ph type="body" idx="1"/>
+          </p:nvPr>
+        </p:nvSpPr>
+        <p:spPr>
+          <a:xfrm rot="0">
+            <a:off x="1370330" y="4964430"/>
+            <a:ext cx="10264775" cy="2907665"/>
+          </a:xfrm>
+          <a:ln w="12700" cap="flat" cmpd="sng">
+            <a:prstDash/>
+            <a:miter lim="800000"/>
+          </a:ln>
+        </p:spPr>
+        <p:txBody>
+          <a:bodyPr wrap="square" lIns="0" tIns="0" rIns="0" bIns="0" vert="horz" anchor="t">
+            <a:noAutofit/>
+          </a:bodyPr>
+          <a:lstStyle/>
+          <a:p>
+            <a:pPr marL="0" indent="0" algn="l" fontAlgn="auto" defTabSz="584200">
+              <a:lnSpc>
+                <a:spcPct val="120000"/>
+              </a:lnSpc>
+              <a:spcBef>
+                <a:spcPts val="0"/>
+              </a:spcBef>
+              <a:spcAft>
+                <a:spcPts val="0"/>
+              </a:spcAft>
+              <a:buFontTx/>
+              <a:buNone/>
+            </a:pPr>
+            <a:r>
+              <a:rPr lang="en-US" altLang="ko-KR" sz="1400" cap="none" dirty="0" smtClean="0" b="0" strike="noStrike">
+                <a:ln w="9525" cap="flat" cmpd="sng">
+                  <a:noFill/>
+                  <a:prstDash/>
+                </a:ln>
+                <a:latin typeface="Avenir Next Ultra Light" charset="0"/>
+                <a:ea typeface="Avenir Next Ultra Light" charset="0"/>
+              </a:rPr>
+              <a:t>마스터 텍스트 스타일을 편집합니다</a:t>
+            </a:r>
+            <a:endParaRPr lang="ko-KR" altLang="en-US" sz="1400" cap="none" dirty="0" smtClean="0" b="0" strike="noStrike">
+              <a:ln w="9525" cap="flat" cmpd="sng">
+                <a:noFill/>
+                <a:prstDash/>
+              </a:ln>
+              <a:latin typeface="Avenir Next Ultra Light" charset="0"/>
+              <a:ea typeface="Avenir Next Ultra Light" charset="0"/>
+            </a:endParaRPr>
+          </a:p>
+          <a:p>
+            <a:pPr marL="0" indent="0" algn="l" fontAlgn="auto" defTabSz="584200">
+              <a:lnSpc>
+                <a:spcPct val="120000"/>
+              </a:lnSpc>
+              <a:spcBef>
+                <a:spcPts val="0"/>
+              </a:spcBef>
+              <a:spcAft>
+                <a:spcPts val="0"/>
+              </a:spcAft>
+              <a:buFontTx/>
+              <a:buNone/>
+            </a:pPr>
+            <a:r>
+              <a:rPr lang="en-US" altLang="ko-KR" sz="1400" cap="none" dirty="0" smtClean="0" b="0" strike="noStrike">
+                <a:ln w="9525" cap="flat" cmpd="sng">
+                  <a:noFill/>
+                  <a:prstDash/>
+                </a:ln>
+                <a:latin typeface="Avenir Next Ultra Light" charset="0"/>
+                <a:ea typeface="Avenir Next Ultra Light" charset="0"/>
+              </a:rPr>
+              <a:t>둘째 수준</a:t>
+            </a:r>
+            <a:endParaRPr lang="ko-KR" altLang="en-US" sz="1400" cap="none" dirty="0" smtClean="0" b="0" strike="noStrike">
+              <a:ln w="9525" cap="flat" cmpd="sng">
+                <a:noFill/>
+                <a:prstDash/>
+              </a:ln>
+              <a:latin typeface="Avenir Next Ultra Light" charset="0"/>
+              <a:ea typeface="Avenir Next Ultra Light" charset="0"/>
+            </a:endParaRPr>
+          </a:p>
+          <a:p>
+            <a:pPr marL="0" indent="0" algn="l" fontAlgn="auto" defTabSz="584200">
+              <a:lnSpc>
+                <a:spcPct val="120000"/>
+              </a:lnSpc>
+              <a:spcBef>
+                <a:spcPts val="0"/>
+              </a:spcBef>
+              <a:spcAft>
+                <a:spcPts val="0"/>
+              </a:spcAft>
+              <a:buFontTx/>
+              <a:buNone/>
+            </a:pPr>
+            <a:r>
+              <a:rPr lang="en-US" altLang="ko-KR" sz="1400" cap="none" dirty="0" smtClean="0" b="0" strike="noStrike">
+                <a:ln w="9525" cap="flat" cmpd="sng">
+                  <a:noFill/>
+                  <a:prstDash/>
+                </a:ln>
+                <a:latin typeface="Avenir Next Ultra Light" charset="0"/>
+                <a:ea typeface="Avenir Next Ultra Light" charset="0"/>
+              </a:rPr>
+              <a:t>셋째 수준</a:t>
+            </a:r>
+            <a:endParaRPr lang="ko-KR" altLang="en-US" sz="1400" cap="none" dirty="0" smtClean="0" b="0" strike="noStrike">
+              <a:ln w="9525" cap="flat" cmpd="sng">
+                <a:noFill/>
+                <a:prstDash/>
+              </a:ln>
+              <a:latin typeface="Avenir Next Ultra Light" charset="0"/>
+              <a:ea typeface="Avenir Next Ultra Light" charset="0"/>
+            </a:endParaRPr>
+          </a:p>
+          <a:p>
+            <a:pPr marL="0" indent="0" algn="l" fontAlgn="auto" defTabSz="584200">
+              <a:lnSpc>
+                <a:spcPct val="120000"/>
+              </a:lnSpc>
+              <a:spcBef>
+                <a:spcPts val="0"/>
+              </a:spcBef>
+              <a:spcAft>
+                <a:spcPts val="0"/>
+              </a:spcAft>
+              <a:buFontTx/>
+              <a:buNone/>
+            </a:pPr>
+            <a:r>
+              <a:rPr lang="en-US" altLang="ko-KR" sz="1400" cap="none" dirty="0" smtClean="0" b="0" strike="noStrike">
+                <a:ln w="9525" cap="flat" cmpd="sng">
+                  <a:noFill/>
+                  <a:prstDash/>
+                </a:ln>
+                <a:latin typeface="Avenir Next Ultra Light" charset="0"/>
+                <a:ea typeface="Avenir Next Ultra Light" charset="0"/>
+              </a:rPr>
+              <a:t>넷째 수준</a:t>
+            </a:r>
+            <a:endParaRPr lang="ko-KR" altLang="en-US" sz="1400" cap="none" dirty="0" smtClean="0" b="0" strike="noStrike">
+              <a:ln w="9525" cap="flat" cmpd="sng">
+                <a:noFill/>
+                <a:prstDash/>
+              </a:ln>
+              <a:latin typeface="Avenir Next Ultra Light" charset="0"/>
+              <a:ea typeface="Avenir Next Ultra Light" charset="0"/>
+            </a:endParaRPr>
+          </a:p>
+          <a:p>
+            <a:pPr marL="0" indent="0" algn="l" fontAlgn="auto" defTabSz="584200">
+              <a:lnSpc>
+                <a:spcPct val="120000"/>
+              </a:lnSpc>
+              <a:spcBef>
+                <a:spcPts val="0"/>
+              </a:spcBef>
+              <a:spcAft>
+                <a:spcPts val="0"/>
+              </a:spcAft>
+              <a:buFontTx/>
+              <a:buNone/>
+            </a:pPr>
+            <a:r>
+              <a:rPr lang="en-US" altLang="ko-KR" sz="1400" cap="none" dirty="0" smtClean="0" b="0" strike="noStrike">
+                <a:ln w="9525" cap="flat" cmpd="sng">
+                  <a:noFill/>
+                  <a:prstDash/>
+                </a:ln>
+                <a:latin typeface="Avenir Next Ultra Light" charset="0"/>
+                <a:ea typeface="Avenir Next Ultra Light" charset="0"/>
+              </a:rPr>
+              <a:t>다섯째 수준</a:t>
+            </a:r>
+            <a:endParaRPr lang="ko-KR" altLang="en-US" sz="1400" cap="none" dirty="0" smtClean="0" b="0" strike="noStrike">
+              <a:ln w="9525" cap="flat" cmpd="sng">
+                <a:noFill/>
+                <a:prstDash/>
+              </a:ln>
+              <a:latin typeface="Avenir Next Ultra Light" charset="0"/>
+              <a:ea typeface="Avenir Next Ultra Light" charset="0"/>
+            </a:endParaRPr>
+          </a:p>
+        </p:txBody>
+      </p:sp>
       <p:sp>
         <p:nvSpPr>
           <p:cNvPr id="2" name="직사각형 1"/>
@@ -9844,8 +10082,8 @@
         </p:nvSpPr>
         <p:spPr>
           <a:xfrm rot="0">
-            <a:off x="6176010" y="1306195"/>
-            <a:ext cx="636270" cy="1845945"/>
+            <a:off x="6176645" y="1306195"/>
+            <a:ext cx="635635" cy="1845945"/>
           </a:xfrm>
           <a:prstGeom prst="rect"/>
           <a:ln w="12700" cap="flat" cmpd="sng">
@@ -9896,374 +10134,6 @@
               </a:solidFill>
               <a:latin typeface="배달의민족 도현 OTF" charset="0"/>
               <a:ea typeface="배달의민족 도현 OTF" charset="0"/>
-            </a:endParaRPr>
-          </a:p>
-        </p:txBody>
-      </p:sp>
-      <p:sp>
-        <p:nvSpPr>
-          <p:cNvPr id="464" name="텍스트 개체 틀 463"/>
-          <p:cNvSpPr txBox="1">
-            <a:spLocks/>
-          </p:cNvSpPr>
-          <p:nvPr>
-            <p:ph type="body" idx="1"/>
-          </p:nvPr>
-        </p:nvSpPr>
-        <p:spPr>
-          <a:xfrm rot="0">
-            <a:off x="1370330" y="3883025"/>
-            <a:ext cx="10264775" cy="3836670"/>
-          </a:xfrm>
-          <a:ln w="12700" cap="flat" cmpd="sng">
-            <a:prstDash/>
-            <a:miter lim="800000"/>
-          </a:ln>
-        </p:spPr>
-        <p:txBody>
-          <a:bodyPr wrap="square" lIns="0" tIns="0" rIns="0" bIns="0" vert="horz" anchor="t">
-            <a:noAutofit/>
-          </a:bodyPr>
-          <a:lstStyle/>
-          <a:p>
-            <a:pPr marL="0" indent="0" algn="l" fontAlgn="auto" defTabSz="508000">
-              <a:lnSpc>
-                <a:spcPct val="100000"/>
-              </a:lnSpc>
-              <a:spcBef>
-                <a:spcPts val="0"/>
-              </a:spcBef>
-              <a:spcAft>
-                <a:spcPts val="0"/>
-              </a:spcAft>
-              <a:buFontTx/>
-              <a:buNone/>
-            </a:pPr>
-            <a:r>
-              <a:rPr lang="en-US" altLang="ko-KR" sz="2500" cap="none" dirty="0" smtClean="0" b="0" strike="noStrike">
-                <a:latin typeface="Impact" charset="0"/>
-                <a:ea typeface="Impact" charset="0"/>
-              </a:rPr>
-              <a:t>백그라운드에서 동작하는 로직을 처리합니다.</a:t>
-            </a:r>
-            <a:endParaRPr lang="ko-KR" altLang="en-US" sz="2500" cap="none" dirty="0" smtClean="0" b="0" strike="noStrike">
-              <a:latin typeface="Impact" charset="0"/>
-              <a:ea typeface="Impact" charset="0"/>
-            </a:endParaRPr>
-          </a:p>
-          <a:p>
-            <a:pPr marL="0" indent="0" algn="l" fontAlgn="auto" defTabSz="508000">
-              <a:lnSpc>
-                <a:spcPct val="100000"/>
-              </a:lnSpc>
-              <a:spcBef>
-                <a:spcPts val="0"/>
-              </a:spcBef>
-              <a:spcAft>
-                <a:spcPts val="0"/>
-              </a:spcAft>
-              <a:buFontTx/>
-              <a:buNone/>
-            </a:pPr>
-            <a:r>
-              <a:rPr lang="en-US" altLang="ko-KR" sz="1800" cap="none" dirty="0" smtClean="0" b="0" strike="noStrike">
-                <a:latin typeface="Impact" charset="0"/>
-                <a:ea typeface="Impact" charset="0"/>
-              </a:rPr>
-              <a:t>모델은 데이터를 가지고 있는 객체 또는 </a:t>
-            </a:r>
-            <a:r>
-              <a:rPr lang="en-US" altLang="ko-KR" sz="1800" cap="none" dirty="0" smtClean="0" u="sng" b="0" strike="noStrike">
-                <a:latin typeface="Impact" charset="0"/>
-                <a:ea typeface="Impact" charset="0"/>
-              </a:rPr>
-              <a:t>JAVA POJO</a:t>
-            </a:r>
-            <a:r>
-              <a:rPr lang="en-US" altLang="ko-KR" sz="1800" cap="none" dirty="0" smtClean="0" b="0" strike="noStrike">
-                <a:latin typeface="Impact" charset="0"/>
-                <a:ea typeface="Impact" charset="0"/>
-              </a:rPr>
-              <a:t>라고 부름.</a:t>
-            </a:r>
-            <a:endParaRPr lang="ko-KR" altLang="en-US" sz="1800" cap="none" dirty="0" smtClean="0" b="0" strike="noStrike">
-              <a:latin typeface="Impact" charset="0"/>
-              <a:ea typeface="Impact" charset="0"/>
-            </a:endParaRPr>
-          </a:p>
-          <a:p>
-            <a:pPr marL="0" indent="0" algn="l" fontAlgn="auto" defTabSz="508000">
-              <a:lnSpc>
-                <a:spcPct val="100000"/>
-              </a:lnSpc>
-              <a:spcBef>
-                <a:spcPts val="0"/>
-              </a:spcBef>
-              <a:spcAft>
-                <a:spcPts val="0"/>
-              </a:spcAft>
-              <a:buFontTx/>
-              <a:buNone/>
-            </a:pPr>
-            <a:r>
-              <a:rPr lang="en-US" altLang="ko-KR" sz="1800" cap="none" dirty="0" smtClean="0" b="0" strike="noStrike">
-                <a:latin typeface="Impact" charset="0"/>
-                <a:ea typeface="Impact" charset="0"/>
-              </a:rPr>
-              <a:t>데이터가 바뀌었을 때 컨트롤러의 데이터를 업데이트 하는 로직도 포함.</a:t>
-            </a:r>
-            <a:endParaRPr lang="ko-KR" altLang="en-US" sz="1800" cap="none" dirty="0" smtClean="0" b="0" strike="noStrike">
-              <a:latin typeface="Impact" charset="0"/>
-              <a:ea typeface="Impact" charset="0"/>
-            </a:endParaRPr>
-          </a:p>
-          <a:p>
-            <a:pPr marL="0" indent="0" algn="l" fontAlgn="auto" defTabSz="508000">
-              <a:lnSpc>
-                <a:spcPct val="100000"/>
-              </a:lnSpc>
-              <a:spcBef>
-                <a:spcPts val="0"/>
-              </a:spcBef>
-              <a:spcAft>
-                <a:spcPts val="0"/>
-              </a:spcAft>
-              <a:buFontTx/>
-              <a:buNone/>
-            </a:pPr>
-            <a:endParaRPr lang="ko-KR" altLang="en-US" sz="1800" cap="none" dirty="0" smtClean="0" u="sng" b="0" strike="noStrike">
-              <a:latin typeface="Impact" charset="0"/>
-              <a:ea typeface="Impact" charset="0"/>
-            </a:endParaRPr>
-          </a:p>
-          <a:p>
-            <a:pPr marL="0" indent="0" algn="l" fontAlgn="auto" defTabSz="508000">
-              <a:lnSpc>
-                <a:spcPct val="100000"/>
-              </a:lnSpc>
-              <a:spcBef>
-                <a:spcPts val="0"/>
-              </a:spcBef>
-              <a:spcAft>
-                <a:spcPts val="0"/>
-              </a:spcAft>
-              <a:buFontTx/>
-              <a:buNone/>
-            </a:pPr>
-            <a:r>
-              <a:rPr lang="en-US" altLang="ko-KR" sz="2500" cap="none" dirty="0" smtClean="0" u="sng" b="0" strike="noStrike">
-                <a:latin typeface="Impact" charset="0"/>
-                <a:ea typeface="Impact" charset="0"/>
-              </a:rPr>
-              <a:t>JAVA POJO란?</a:t>
-            </a:r>
-            <a:endParaRPr lang="ko-KR" altLang="en-US" sz="2500" cap="none" dirty="0" smtClean="0" u="sng" b="0" strike="noStrike">
-              <a:latin typeface="Impact" charset="0"/>
-              <a:ea typeface="Impact" charset="0"/>
-            </a:endParaRPr>
-          </a:p>
-          <a:p>
-            <a:pPr marL="0" indent="0" algn="just" fontAlgn="auto" defTabSz="508000">
-              <a:lnSpc>
-                <a:spcPct val="100000"/>
-              </a:lnSpc>
-              <a:spcBef>
-                <a:spcPts val="0"/>
-              </a:spcBef>
-              <a:spcAft>
-                <a:spcPts val="0"/>
-              </a:spcAft>
-              <a:buFontTx/>
-              <a:buNone/>
-            </a:pPr>
-            <a:r>
-              <a:rPr lang="en-US" altLang="ko-KR" sz="1800" cap="none" dirty="0" smtClean="0" b="0" strike="noStrike">
-                <a:solidFill>
-                  <a:srgbClr val="000000"/>
-                </a:solidFill>
-                <a:latin typeface="Impact" charset="0"/>
-                <a:ea typeface="Impact" charset="0"/>
-              </a:rPr>
-              <a:t>마틴파울러 2000년 어느 컨퍼런스의 발표를 준비하면서 처음 만들어낸 말이다. </a:t>
-            </a:r>
-            <a:endParaRPr lang="ko-KR" altLang="en-US" sz="1800" cap="none" dirty="0" smtClean="0" b="0" strike="noStrike">
-              <a:solidFill>
-                <a:srgbClr val="000000"/>
-              </a:solidFill>
-              <a:latin typeface="Impact" charset="0"/>
-              <a:ea typeface="Impact" charset="0"/>
-            </a:endParaRPr>
-          </a:p>
-          <a:p>
-            <a:pPr marL="0" indent="0" algn="just" fontAlgn="auto" defTabSz="508000">
-              <a:lnSpc>
-                <a:spcPct val="100000"/>
-              </a:lnSpc>
-              <a:spcBef>
-                <a:spcPts val="0"/>
-              </a:spcBef>
-              <a:spcAft>
-                <a:spcPts val="0"/>
-              </a:spcAft>
-              <a:buFontTx/>
-              <a:buNone/>
-            </a:pPr>
-            <a:r>
-              <a:rPr lang="en-US" altLang="ko-KR" sz="1800" cap="none" dirty="0" smtClean="0" b="0" strike="noStrike">
-                <a:solidFill>
-                  <a:srgbClr val="000000"/>
-                </a:solidFill>
-                <a:latin typeface="Impact" charset="0"/>
-                <a:ea typeface="Impact" charset="0"/>
-              </a:rPr>
-              <a:t>마틴파울러는 EJB보다 단순한 자바 오브젝트에 도메인 로직을 넣어</a:t>
-            </a:r>
-            <a:endParaRPr lang="ko-KR" altLang="en-US" sz="1800" cap="none" dirty="0" smtClean="0" b="0" strike="noStrike">
-              <a:solidFill>
-                <a:srgbClr val="000000"/>
-              </a:solidFill>
-              <a:latin typeface="Impact" charset="0"/>
-              <a:ea typeface="Impact" charset="0"/>
-            </a:endParaRPr>
-          </a:p>
-          <a:p>
-            <a:pPr marL="0" indent="0" algn="just" fontAlgn="auto" defTabSz="508000">
-              <a:lnSpc>
-                <a:spcPct val="100000"/>
-              </a:lnSpc>
-              <a:spcBef>
-                <a:spcPts val="0"/>
-              </a:spcBef>
-              <a:spcAft>
-                <a:spcPts val="0"/>
-              </a:spcAft>
-              <a:buFontTx/>
-              <a:buNone/>
-            </a:pPr>
-            <a:r>
-              <a:rPr lang="en-US" altLang="ko-KR" sz="1800" cap="none" dirty="0" smtClean="0" b="0" strike="noStrike">
-                <a:solidFill>
-                  <a:srgbClr val="000000"/>
-                </a:solidFill>
-                <a:latin typeface="Impact" charset="0"/>
-                <a:ea typeface="Impact" charset="0"/>
-              </a:rPr>
-              <a:t>사용하는 것이 여러가지 장점이 있는데도 사람들은 평범한 자바오브젝트를</a:t>
-            </a:r>
-            <a:endParaRPr lang="ko-KR" altLang="en-US" sz="1800" cap="none" dirty="0" smtClean="0" b="0" strike="noStrike">
-              <a:solidFill>
-                <a:srgbClr val="000000"/>
-              </a:solidFill>
-              <a:latin typeface="Impact" charset="0"/>
-              <a:ea typeface="Impact" charset="0"/>
-            </a:endParaRPr>
-          </a:p>
-          <a:p>
-            <a:pPr marL="0" indent="0" algn="just" fontAlgn="auto" defTabSz="508000">
-              <a:lnSpc>
-                <a:spcPct val="100000"/>
-              </a:lnSpc>
-              <a:spcBef>
-                <a:spcPts val="0"/>
-              </a:spcBef>
-              <a:spcAft>
-                <a:spcPts val="0"/>
-              </a:spcAft>
-              <a:buFontTx/>
-              <a:buNone/>
-            </a:pPr>
-            <a:r>
-              <a:rPr lang="en-US" altLang="ko-KR" sz="1800" cap="none" dirty="0" smtClean="0" b="0" strike="noStrike">
-                <a:solidFill>
-                  <a:srgbClr val="000000"/>
-                </a:solidFill>
-                <a:latin typeface="Impact" charset="0"/>
-                <a:ea typeface="Impact" charset="0"/>
-              </a:rPr>
-              <a:t>사용하기를 꺼려하는지에 의문을 가졌다. </a:t>
-            </a:r>
-            <a:endParaRPr lang="ko-KR" altLang="en-US" sz="1800" cap="none" dirty="0" smtClean="0" b="0" strike="noStrike">
-              <a:solidFill>
-                <a:srgbClr val="000000"/>
-              </a:solidFill>
-              <a:latin typeface="Impact" charset="0"/>
-              <a:ea typeface="Impact" charset="0"/>
-            </a:endParaRPr>
-          </a:p>
-          <a:p>
-            <a:pPr marL="0" indent="0" algn="just" fontAlgn="auto" defTabSz="508000">
-              <a:lnSpc>
-                <a:spcPct val="100000"/>
-              </a:lnSpc>
-              <a:spcBef>
-                <a:spcPts val="0"/>
-              </a:spcBef>
-              <a:spcAft>
-                <a:spcPts val="0"/>
-              </a:spcAft>
-              <a:buFontTx/>
-              <a:buNone/>
-            </a:pPr>
-            <a:r>
-              <a:rPr lang="en-US" altLang="ko-KR" sz="1800" cap="none" dirty="0" smtClean="0" b="0" strike="noStrike">
-                <a:solidFill>
-                  <a:srgbClr val="000000"/>
-                </a:solidFill>
-                <a:latin typeface="Impact" charset="0"/>
-                <a:ea typeface="Impact" charset="0"/>
-              </a:rPr>
-              <a:t>자바오브젝트는 그럴싸한 이름이 없어서 사용을 주저하는 것이라는 결론을 내리고</a:t>
-            </a:r>
-            <a:endParaRPr lang="ko-KR" altLang="en-US" sz="1800" cap="none" dirty="0" smtClean="0" b="0" strike="noStrike">
-              <a:solidFill>
-                <a:srgbClr val="000000"/>
-              </a:solidFill>
-              <a:latin typeface="Impact" charset="0"/>
-              <a:ea typeface="Impact" charset="0"/>
-            </a:endParaRPr>
-          </a:p>
-          <a:p>
-            <a:pPr marL="0" indent="0" algn="just" fontAlgn="auto" defTabSz="508000">
-              <a:lnSpc>
-                <a:spcPct val="100000"/>
-              </a:lnSpc>
-              <a:spcBef>
-                <a:spcPts val="0"/>
-              </a:spcBef>
-              <a:spcAft>
-                <a:spcPts val="0"/>
-              </a:spcAft>
-              <a:buFontTx/>
-              <a:buNone/>
-            </a:pPr>
-            <a:r>
-              <a:rPr lang="en-US" altLang="ko-KR" sz="1800" cap="none" dirty="0" smtClean="0" b="0" strike="noStrike">
-                <a:solidFill>
-                  <a:srgbClr val="000000"/>
-                </a:solidFill>
-                <a:latin typeface="Impact" charset="0"/>
-                <a:ea typeface="Impact" charset="0"/>
-              </a:rPr>
-              <a:t>그때 만든 단어가POJO라는 용어이다. </a:t>
-            </a:r>
-            <a:r>
-              <a:rPr lang="en-US" altLang="ko-KR" sz="1800" cap="none" dirty="0" smtClean="0" b="0" strike="noStrike">
-                <a:ln w="9525" cap="flat" cmpd="sng">
-                  <a:noFill/>
-                  <a:prstDash/>
-                </a:ln>
-                <a:latin typeface="Impact" charset="0"/>
-                <a:ea typeface="Impact" charset="0"/>
-              </a:rPr>
-              <a:t>텍스트를 입력하십시오</a:t>
-            </a:r>
-            <a:endParaRPr lang="ko-KR" altLang="en-US" sz="1800" cap="none" dirty="0" smtClean="0" b="0" strike="noStrike">
-              <a:ln w="9525" cap="flat" cmpd="sng">
-                <a:noFill/>
-                <a:prstDash/>
-              </a:ln>
-              <a:latin typeface="Impact" charset="0"/>
-              <a:ea typeface="Impact" charset="0"/>
             </a:endParaRPr>
           </a:p>
         </p:txBody>
@@ -10336,19 +10206,19 @@
         </p:nvSpPr>
         <p:spPr>
           <a:xfrm rot="0">
-            <a:off x="1371600" y="3733800"/>
-            <a:ext cx="10465435" cy="4230370"/>
+            <a:off x="1270000" y="3810000"/>
+            <a:ext cx="10466070" cy="4231005"/>
           </a:xfrm>
           <a:prstGeom prst="rect"/>
           <a:noFill/>
         </p:spPr>
         <p:txBody>
-          <a:bodyPr wrap="square" lIns="0" tIns="0" rIns="0" bIns="0" vert="horz" anchor="t">
+          <a:bodyPr wrap="square" lIns="0" tIns="0" rIns="0" bIns="0" numCol="1" vert="horz" anchor="t">
             <a:noAutofit/>
           </a:bodyPr>
           <a:lstStyle/>
           <a:p>
-            <a:pPr marL="0" indent="0" algn="l" fontAlgn="auto" defTabSz="508000">
+            <a:pPr marL="0" indent="0" algn="l" fontAlgn="auto" defTabSz="508000" eaLnBrk="0" latinLnBrk="0">
               <a:lnSpc>
                 <a:spcPct val="100000"/>
               </a:lnSpc>
@@ -10363,18 +10233,26 @@
             </a:pPr>
             <a:r>
               <a:rPr lang="en-US" altLang="ko-KR" sz="1800" cap="none" dirty="0" smtClean="0" b="0" strike="noStrike">
+                <a:ln w="9525" cap="flat" cmpd="sng">
+                  <a:noFill/>
+                  <a:prstDash/>
+                </a:ln>
                 <a:latin typeface="Impact" charset="0"/>
                 <a:ea typeface="Impact" charset="0"/>
               </a:rPr>
               <a:t>모델2 구조는 모델1 구조와 달리 웹브라우저 사용자의 요청을 서블릿이 받습니다.</a:t>
             </a:r>
             <a:endParaRPr lang="ko-KR" altLang="en-US" sz="1800" cap="none" dirty="0" smtClean="0" b="0" strike="noStrike">
+              <a:ln w="9525" cap="flat" cmpd="sng">
+                <a:noFill/>
+                <a:prstDash/>
+              </a:ln>
               <a:latin typeface="Impact" charset="0"/>
               <a:ea typeface="Impact" charset="0"/>
             </a:endParaRPr>
           </a:p>
           <a:p>
-            <a:pPr marL="0" indent="0" algn="l" fontAlgn="auto" defTabSz="508000">
+            <a:pPr marL="0" indent="0" algn="l" fontAlgn="auto" defTabSz="508000" eaLnBrk="0" latinLnBrk="0">
               <a:lnSpc>
                 <a:spcPct val="100000"/>
               </a:lnSpc>
@@ -10388,12 +10266,16 @@
               <a:buNone/>
             </a:pPr>
             <a:endParaRPr lang="ko-KR" altLang="en-US" sz="1800" cap="none" dirty="0" smtClean="0" b="0" strike="noStrike">
+              <a:ln w="9525" cap="flat" cmpd="sng">
+                <a:noFill/>
+                <a:prstDash/>
+              </a:ln>
               <a:latin typeface="Impact" charset="0"/>
               <a:ea typeface="Impact" charset="0"/>
             </a:endParaRPr>
           </a:p>
           <a:p>
-            <a:pPr marL="0" indent="0" algn="l" fontAlgn="auto" defTabSz="508000">
+            <a:pPr marL="0" indent="0" algn="l" fontAlgn="auto" defTabSz="508000" eaLnBrk="0" latinLnBrk="0">
               <a:lnSpc>
                 <a:spcPct val="100000"/>
               </a:lnSpc>
@@ -10408,18 +10290,26 @@
             </a:pPr>
             <a:r>
               <a:rPr lang="en-US" altLang="ko-KR" sz="2300" cap="none" dirty="0" smtClean="0" u="sng" b="0" strike="noStrike">
+                <a:ln w="9525" cap="flat" cmpd="sng">
+                  <a:noFill/>
+                  <a:prstDash/>
+                </a:ln>
                 <a:latin typeface="Impact" charset="0"/>
                 <a:ea typeface="Impact" charset="0"/>
               </a:rPr>
               <a:t>서블릿이란?</a:t>
             </a:r>
             <a:endParaRPr lang="ko-KR" altLang="en-US" sz="2300" cap="none" dirty="0" smtClean="0" u="sng" b="0" strike="noStrike">
+              <a:ln w="9525" cap="flat" cmpd="sng">
+                <a:noFill/>
+                <a:prstDash/>
+              </a:ln>
               <a:latin typeface="Impact" charset="0"/>
               <a:ea typeface="Impact" charset="0"/>
             </a:endParaRPr>
           </a:p>
           <a:p>
-            <a:pPr marL="0" indent="0" algn="l" fontAlgn="auto" defTabSz="508000">
+            <a:pPr marL="0" indent="0" algn="l" fontAlgn="auto" defTabSz="508000" eaLnBrk="0" latinLnBrk="0">
               <a:lnSpc>
                 <a:spcPct val="100000"/>
               </a:lnSpc>
@@ -10434,18 +10324,26 @@
             </a:pPr>
             <a:r>
               <a:rPr lang="en-US" altLang="ko-KR" sz="1800" cap="none" dirty="0" smtClean="0" b="0" strike="noStrike">
+                <a:ln w="9525" cap="flat" cmpd="sng">
+                  <a:noFill/>
+                  <a:prstDash/>
+                </a:ln>
                 <a:latin typeface="Impact" charset="0"/>
                 <a:ea typeface="Impact" charset="0"/>
               </a:rPr>
               <a:t>동적인 처리를 하는 웹 어플리케이션 컴포넌트(Java 클래스)이다. </a:t>
             </a:r>
             <a:endParaRPr lang="ko-KR" altLang="en-US" sz="1800" cap="none" dirty="0" smtClean="0" b="0" strike="noStrike">
+              <a:ln w="9525" cap="flat" cmpd="sng">
+                <a:noFill/>
+                <a:prstDash/>
+              </a:ln>
               <a:latin typeface="Impact" charset="0"/>
               <a:ea typeface="Impact" charset="0"/>
             </a:endParaRPr>
           </a:p>
           <a:p>
-            <a:pPr marL="0" indent="0" algn="l" fontAlgn="auto" defTabSz="508000">
+            <a:pPr marL="0" indent="0" algn="l" fontAlgn="auto" defTabSz="508000" eaLnBrk="0" latinLnBrk="0">
               <a:lnSpc>
                 <a:spcPct val="100000"/>
               </a:lnSpc>
@@ -10460,18 +10358,26 @@
             </a:pPr>
             <a:r>
               <a:rPr lang="en-US" altLang="ko-KR" sz="1800" cap="none" dirty="0" smtClean="0" b="0" strike="noStrike">
+                <a:ln w="9525" cap="flat" cmpd="sng">
+                  <a:noFill/>
+                  <a:prstDash/>
+                </a:ln>
                 <a:latin typeface="Impact" charset="0"/>
                 <a:ea typeface="Impact" charset="0"/>
               </a:rPr>
               <a:t>java 스레드를 이용하여 동작한다. 요청을 받아서 Controller로 이용된다. </a:t>
             </a:r>
             <a:endParaRPr lang="ko-KR" altLang="en-US" sz="1800" cap="none" dirty="0" smtClean="0" b="0" strike="noStrike">
+              <a:ln w="9525" cap="flat" cmpd="sng">
+                <a:noFill/>
+                <a:prstDash/>
+              </a:ln>
               <a:latin typeface="Impact" charset="0"/>
               <a:ea typeface="Impact" charset="0"/>
             </a:endParaRPr>
           </a:p>
           <a:p>
-            <a:pPr marL="0" indent="0" algn="l" fontAlgn="auto" defTabSz="508000">
+            <a:pPr marL="0" indent="0" algn="l" fontAlgn="auto" defTabSz="508000" eaLnBrk="0" latinLnBrk="0">
               <a:lnSpc>
                 <a:spcPct val="100000"/>
               </a:lnSpc>
@@ -10485,12 +10391,16 @@
               <a:buNone/>
             </a:pPr>
             <a:endParaRPr lang="ko-KR" altLang="en-US" sz="1800" cap="none" dirty="0" smtClean="0" b="0" strike="noStrike">
+              <a:ln w="9525" cap="flat" cmpd="sng">
+                <a:noFill/>
+                <a:prstDash/>
+              </a:ln>
               <a:latin typeface="Impact" charset="0"/>
               <a:ea typeface="Impact" charset="0"/>
             </a:endParaRPr>
           </a:p>
           <a:p>
-            <a:pPr marL="0" indent="0" algn="l" fontAlgn="auto" defTabSz="508000">
+            <a:pPr marL="0" indent="0" algn="l" fontAlgn="auto" defTabSz="508000" eaLnBrk="0" latinLnBrk="0">
               <a:lnSpc>
                 <a:spcPct val="100000"/>
               </a:lnSpc>
@@ -10505,18 +10415,26 @@
             </a:pPr>
             <a:r>
               <a:rPr lang="en-US" altLang="ko-KR" sz="1800" cap="none" dirty="0" smtClean="0" b="0" strike="noStrike">
+                <a:ln w="9525" cap="flat" cmpd="sng">
+                  <a:noFill/>
+                  <a:prstDash/>
+                </a:ln>
                 <a:latin typeface="Impact" charset="0"/>
                 <a:ea typeface="Impact" charset="0"/>
               </a:rPr>
               <a:t>서블릿은 웹브라우저의 요청을 받아 View로 보여줄것인지 </a:t>
             </a:r>
             <a:endParaRPr lang="ko-KR" altLang="en-US" sz="1800" cap="none" dirty="0" smtClean="0" b="0" strike="noStrike">
+              <a:ln w="9525" cap="flat" cmpd="sng">
+                <a:noFill/>
+                <a:prstDash/>
+              </a:ln>
               <a:latin typeface="Impact" charset="0"/>
               <a:ea typeface="Impact" charset="0"/>
             </a:endParaRPr>
           </a:p>
           <a:p>
-            <a:pPr marL="0" indent="0" algn="l" fontAlgn="auto" defTabSz="508000">
+            <a:pPr marL="0" indent="0" algn="l" fontAlgn="auto" defTabSz="508000" eaLnBrk="0" latinLnBrk="0">
               <a:lnSpc>
                 <a:spcPct val="100000"/>
               </a:lnSpc>
@@ -10531,18 +10449,26 @@
             </a:pPr>
             <a:r>
               <a:rPr lang="en-US" altLang="ko-KR" sz="1800" cap="none" dirty="0" smtClean="0" b="0" strike="noStrike">
+                <a:ln w="9525" cap="flat" cmpd="sng">
+                  <a:noFill/>
+                  <a:prstDash/>
+                </a:ln>
                 <a:latin typeface="Impact" charset="0"/>
                 <a:ea typeface="Impact" charset="0"/>
               </a:rPr>
               <a:t>Model로 보내줄것인지 정하여 전송해줍니다.</a:t>
             </a:r>
             <a:endParaRPr lang="ko-KR" altLang="en-US" sz="1800" cap="none" dirty="0" smtClean="0" b="0" strike="noStrike">
+              <a:ln w="9525" cap="flat" cmpd="sng">
+                <a:noFill/>
+                <a:prstDash/>
+              </a:ln>
               <a:latin typeface="Impact" charset="0"/>
               <a:ea typeface="Impact" charset="0"/>
             </a:endParaRPr>
           </a:p>
           <a:p>
-            <a:pPr marL="0" indent="0" algn="l" fontAlgn="auto" defTabSz="508000">
+            <a:pPr marL="0" indent="0" algn="l" fontAlgn="auto" defTabSz="508000" eaLnBrk="0" latinLnBrk="0">
               <a:lnSpc>
                 <a:spcPct val="100000"/>
               </a:lnSpc>
@@ -10556,12 +10482,16 @@
               <a:buNone/>
             </a:pPr>
             <a:endParaRPr lang="ko-KR" altLang="en-US" sz="1800" cap="none" dirty="0" smtClean="0" b="0" strike="noStrike">
+              <a:ln w="9525" cap="flat" cmpd="sng">
+                <a:noFill/>
+                <a:prstDash/>
+              </a:ln>
               <a:latin typeface="Impact" charset="0"/>
               <a:ea typeface="Impact" charset="0"/>
             </a:endParaRPr>
           </a:p>
           <a:p>
-            <a:pPr marL="0" indent="0" algn="l" fontAlgn="auto" defTabSz="508000">
+            <a:pPr marL="0" indent="0" algn="l" fontAlgn="auto" defTabSz="508000" eaLnBrk="0" latinLnBrk="0">
               <a:lnSpc>
                 <a:spcPct val="100000"/>
               </a:lnSpc>
@@ -10576,18 +10506,26 @@
             </a:pPr>
             <a:r>
               <a:rPr lang="en-US" altLang="ko-KR" sz="1800" cap="none" dirty="0" smtClean="0" b="0" strike="noStrike">
+                <a:ln w="9525" cap="flat" cmpd="sng">
+                  <a:noFill/>
+                  <a:prstDash/>
+                </a:ln>
                 <a:latin typeface="Impact" charset="0"/>
                 <a:ea typeface="Impact" charset="0"/>
               </a:rPr>
               <a:t>여기서 View페이지는 사용자에게 보여주는 역할만 담당하고</a:t>
             </a:r>
             <a:endParaRPr lang="ko-KR" altLang="en-US" sz="1800" cap="none" dirty="0" smtClean="0" b="0" strike="noStrike">
+              <a:ln w="9525" cap="flat" cmpd="sng">
+                <a:noFill/>
+                <a:prstDash/>
+              </a:ln>
               <a:latin typeface="Impact" charset="0"/>
               <a:ea typeface="Impact" charset="0"/>
             </a:endParaRPr>
           </a:p>
           <a:p>
-            <a:pPr marL="0" indent="0" algn="l" fontAlgn="auto" defTabSz="508000">
+            <a:pPr marL="0" indent="0" algn="l" fontAlgn="auto" defTabSz="508000" eaLnBrk="0" latinLnBrk="0">
               <a:lnSpc>
                 <a:spcPct val="100000"/>
               </a:lnSpc>
@@ -10602,18 +10540,26 @@
             </a:pPr>
             <a:r>
               <a:rPr lang="en-US" altLang="ko-KR" sz="1800" cap="none" dirty="0" smtClean="0" b="0" strike="noStrike">
+                <a:ln w="9525" cap="flat" cmpd="sng">
+                  <a:noFill/>
+                  <a:prstDash/>
+                </a:ln>
                 <a:latin typeface="Impact" charset="0"/>
                 <a:ea typeface="Impact" charset="0"/>
               </a:rPr>
               <a:t>실질적인 기능의 부분은 Model에서 담당합니다. </a:t>
             </a:r>
             <a:endParaRPr lang="ko-KR" altLang="en-US" sz="1800" cap="none" dirty="0" smtClean="0" b="0" strike="noStrike">
+              <a:ln w="9525" cap="flat" cmpd="sng">
+                <a:noFill/>
+                <a:prstDash/>
+              </a:ln>
               <a:latin typeface="Impact" charset="0"/>
               <a:ea typeface="Impact" charset="0"/>
             </a:endParaRPr>
           </a:p>
           <a:p>
-            <a:pPr marL="0" indent="0" algn="l" fontAlgn="auto" defTabSz="508000">
+            <a:pPr marL="0" indent="0" algn="l" fontAlgn="auto" defTabSz="508000" eaLnBrk="0" latinLnBrk="0">
               <a:lnSpc>
                 <a:spcPct val="100000"/>
               </a:lnSpc>
@@ -10627,12 +10573,16 @@
               <a:buNone/>
             </a:pPr>
             <a:endParaRPr lang="ko-KR" altLang="en-US" sz="1800" cap="none" dirty="0" smtClean="0" b="0" strike="noStrike">
+              <a:ln w="9525" cap="flat" cmpd="sng">
+                <a:noFill/>
+                <a:prstDash/>
+              </a:ln>
               <a:latin typeface="Impact" charset="0"/>
               <a:ea typeface="Impact" charset="0"/>
             </a:endParaRPr>
           </a:p>
           <a:p>
-            <a:pPr marL="0" indent="0" algn="l" fontAlgn="auto" defTabSz="508000">
+            <a:pPr marL="0" indent="0" algn="l" fontAlgn="auto" defTabSz="508000" eaLnBrk="0" latinLnBrk="0">
               <a:lnSpc>
                 <a:spcPct val="100000"/>
               </a:lnSpc>
@@ -10647,18 +10597,26 @@
             </a:pPr>
             <a:r>
               <a:rPr lang="en-US" altLang="ko-KR" sz="1800" cap="none" dirty="0" smtClean="0" b="0" strike="noStrike">
+                <a:ln w="9525" cap="flat" cmpd="sng">
+                  <a:noFill/>
+                  <a:prstDash/>
+                </a:ln>
                 <a:latin typeface="Impact" charset="0"/>
                 <a:ea typeface="Impact" charset="0"/>
               </a:rPr>
               <a:t>모델2 방식의 경우 실질적으로 보여지는 Html과 java소스를 분리 해놓았기 때문에,</a:t>
             </a:r>
             <a:endParaRPr lang="ko-KR" altLang="en-US" sz="1800" cap="none" dirty="0" smtClean="0" b="0" strike="noStrike">
+              <a:ln w="9525" cap="flat" cmpd="sng">
+                <a:noFill/>
+                <a:prstDash/>
+              </a:ln>
               <a:latin typeface="Impact" charset="0"/>
               <a:ea typeface="Impact" charset="0"/>
             </a:endParaRPr>
           </a:p>
           <a:p>
-            <a:pPr marL="0" indent="0" algn="l" fontAlgn="auto" defTabSz="508000">
+            <a:pPr marL="0" indent="0" algn="l" fontAlgn="auto" defTabSz="508000" eaLnBrk="0" latinLnBrk="0">
               <a:lnSpc>
                 <a:spcPct val="100000"/>
               </a:lnSpc>
@@ -10673,18 +10631,26 @@
             </a:pPr>
             <a:r>
               <a:rPr lang="en-US" altLang="ko-KR" sz="1800" cap="none" dirty="0" smtClean="0" b="0" strike="noStrike">
+                <a:ln w="9525" cap="flat" cmpd="sng">
+                  <a:noFill/>
+                  <a:prstDash/>
+                </a:ln>
                 <a:latin typeface="Impact" charset="0"/>
                 <a:ea typeface="Impact" charset="0"/>
               </a:rPr>
               <a:t>모델1 방식에 비해 개발을 확장시키기도 쉽고 유지보수하기도 쉽습니다.</a:t>
             </a:r>
             <a:endParaRPr lang="ko-KR" altLang="en-US" sz="1800" cap="none" dirty="0" smtClean="0" b="0" strike="noStrike">
+              <a:ln w="9525" cap="flat" cmpd="sng">
+                <a:noFill/>
+                <a:prstDash/>
+              </a:ln>
               <a:latin typeface="Impact" charset="0"/>
               <a:ea typeface="Impact" charset="0"/>
             </a:endParaRPr>
           </a:p>
           <a:p>
-            <a:pPr marL="0" indent="0" algn="l" fontAlgn="auto" defTabSz="508000">
+            <a:pPr marL="0" indent="0" algn="l" fontAlgn="auto" defTabSz="508000" eaLnBrk="0" latinLnBrk="0">
               <a:lnSpc>
                 <a:spcPct val="100000"/>
               </a:lnSpc>
@@ -10699,12 +10665,20 @@
             </a:pPr>
             <a:r>
               <a:rPr lang="en-US" altLang="ko-KR" sz="1800" cap="none" dirty="0" smtClean="0" b="0" strike="noStrike">
+                <a:ln w="9525" cap="flat" cmpd="sng">
+                  <a:noFill/>
+                  <a:prstDash/>
+                </a:ln>
                 <a:latin typeface="Impact" charset="0"/>
                 <a:ea typeface="Impact" charset="0"/>
               </a:rPr>
               <a:t>(코딩을 좀더 깔끔하게 할 수 있다.)</a:t>
             </a:r>
-            <a:endParaRPr lang="ko-KR" altLang="en-US" sz="2500" cap="none" dirty="0" smtClean="0" b="0" strike="noStrike">
+            <a:endParaRPr lang="ko-KR" altLang="en-US" sz="1800" cap="none" dirty="0" smtClean="0" b="0" strike="noStrike">
+              <a:ln w="9525" cap="flat" cmpd="sng">
+                <a:noFill/>
+                <a:prstDash/>
+              </a:ln>
               <a:latin typeface="Impact" charset="0"/>
               <a:ea typeface="Impact" charset="0"/>
             </a:endParaRPr>

--- a/src/goodongheun/H5_MVC.pptx
+++ b/src/goodongheun/H5_MVC.pptx
@@ -2,7 +2,7 @@
 <file path=ppt/presentation.xml><?xml version="1.0" encoding="utf-8"?>
 <p:presentation xmlns:a="http://schemas.openxmlformats.org/drawingml/2006/main" xmlns:r="http://schemas.openxmlformats.org/officeDocument/2006/relationships" xmlns:p="http://schemas.openxmlformats.org/presentationml/2006/main" xmlns:p14="http://schemas.microsoft.com/office/powerpoint/2010/main">
   <p:sldMasterIdLst>
-    <p:sldMasterId id="2147483683" r:id="rId7"/>
+    <p:sldMasterId id="2147483690" r:id="rId7"/>
   </p:sldMasterIdLst>
   <p:notesMasterIdLst>
     <p:notesMasterId r:id="rId9"/>
@@ -320,12 +320,12 @@
   <p:extLst>
     <p:ext uri="{EFAFB233-063F-42B5-8137-9DF3F51BA10A}">
       <p15:sldGuideLst xmlns:p15="http://schemas.microsoft.com/office/powerpoint/2012/main">
-        <p15:guide id="1" orient="horz" pos="3069" userDrawn="0">
+        <p15:guide id="1" orient="horz" pos="3067" userDrawn="0">
           <p15:clr>
             <a:srgbClr val="A4A3A4"/>
           </p15:clr>
         </p15:guide>
-        <p15:guide id="2" pos="4093" userDrawn="0">
+        <p15:guide id="2" pos="4091" userDrawn="0">
           <p15:clr>
             <a:srgbClr val="A4A3A4"/>
           </p15:clr>
@@ -4912,11 +4912,11 @@
   </p:cSld>
   <p:clrMap bg1="lt1" tx1="dk1" bg2="lt2" tx2="dk2" accent1="accent1" accent2="accent2" accent3="accent3" accent4="accent4" accent5="accent5" accent6="accent6" hlink="hlink" folHlink="folHlink"/>
   <p:sldLayoutIdLst>
-    <p:sldLayoutId id="2147483678" r:id="rId1"/>
-    <p:sldLayoutId id="2147483679" r:id="rId2"/>
-    <p:sldLayoutId id="2147483680" r:id="rId3"/>
-    <p:sldLayoutId id="2147483681" r:id="rId4"/>
-    <p:sldLayoutId id="2147483682" r:id="rId5"/>
+    <p:sldLayoutId id="2147483685" r:id="rId1"/>
+    <p:sldLayoutId id="2147483686" r:id="rId2"/>
+    <p:sldLayoutId id="2147483687" r:id="rId3"/>
+    <p:sldLayoutId id="2147483688" r:id="rId4"/>
+    <p:sldLayoutId id="2147483689" r:id="rId5"/>
   </p:sldLayoutIdLst>
   <mc:AlternateContent xmlns:mc="http://schemas.openxmlformats.org/markup-compatibility/2006">
     <mc:Choice xmlns:p14="http://schemas.microsoft.com/office/powerpoint/2010/main" Requires="p14">
@@ -6637,6 +6637,203 @@
       </p:grpSpPr>
       <p:sp>
         <p:nvSpPr>
+          <p:cNvPr id="464" name="텍스트 개체 틀 463"/>
+          <p:cNvSpPr txBox="1">
+            <a:spLocks/>
+          </p:cNvSpPr>
+          <p:nvPr>
+            <p:ph type="body" idx="1"/>
+          </p:nvPr>
+        </p:nvSpPr>
+        <p:spPr>
+          <a:xfrm rot="0">
+            <a:off x="1370330" y="4964430"/>
+            <a:ext cx="10264775" cy="2907665"/>
+          </a:xfrm>
+          <a:ln w="12700" cap="flat" cmpd="sng">
+            <a:prstDash/>
+            <a:miter lim="800000"/>
+          </a:ln>
+        </p:spPr>
+        <p:txBody>
+          <a:bodyPr wrap="square" lIns="0" tIns="0" rIns="0" bIns="0" vert="horz" anchor="t">
+            <a:noAutofit/>
+          </a:bodyPr>
+          <a:lstStyle/>
+          <a:p>
+            <a:pPr marL="0" indent="0" algn="l" fontAlgn="auto" defTabSz="584200">
+              <a:lnSpc>
+                <a:spcPct val="120000"/>
+              </a:lnSpc>
+              <a:spcBef>
+                <a:spcPts val="0"/>
+              </a:spcBef>
+              <a:spcAft>
+                <a:spcPts val="0"/>
+              </a:spcAft>
+              <a:buFontTx/>
+              <a:buNone/>
+            </a:pPr>
+            <a:r>
+              <a:rPr lang="en-US" altLang="ko-KR" sz="1400" cap="none" dirty="0" smtClean="0" b="0" strike="noStrike">
+                <a:ln w="9525" cap="flat" cmpd="sng">
+                  <a:noFill/>
+                  <a:prstDash/>
+                </a:ln>
+                <a:latin typeface="Avenir Next Ultra Light" charset="0"/>
+                <a:ea typeface="Avenir Next Ultra Light" charset="0"/>
+              </a:rPr>
+              <a:t>마스터 텍스트 스타일을 편집합니다</a:t>
+            </a:r>
+            <a:endParaRPr lang="ko-KR" altLang="en-US" sz="1400" cap="none" dirty="0" smtClean="0" b="0" strike="noStrike">
+              <a:ln w="9525" cap="flat" cmpd="sng">
+                <a:noFill/>
+                <a:prstDash/>
+              </a:ln>
+              <a:latin typeface="Avenir Next Ultra Light" charset="0"/>
+              <a:ea typeface="Avenir Next Ultra Light" charset="0"/>
+            </a:endParaRPr>
+          </a:p>
+          <a:p>
+            <a:pPr marL="0" indent="0" algn="l" fontAlgn="auto" defTabSz="584200">
+              <a:lnSpc>
+                <a:spcPct val="120000"/>
+              </a:lnSpc>
+              <a:spcBef>
+                <a:spcPts val="0"/>
+              </a:spcBef>
+              <a:spcAft>
+                <a:spcPts val="0"/>
+              </a:spcAft>
+              <a:buFontTx/>
+              <a:buNone/>
+            </a:pPr>
+            <a:r>
+              <a:rPr lang="en-US" altLang="ko-KR" sz="1400" cap="none" dirty="0" smtClean="0" b="0" strike="noStrike">
+                <a:ln w="9525" cap="flat" cmpd="sng">
+                  <a:noFill/>
+                  <a:prstDash/>
+                </a:ln>
+                <a:latin typeface="Avenir Next Ultra Light" charset="0"/>
+                <a:ea typeface="Avenir Next Ultra Light" charset="0"/>
+              </a:rPr>
+              <a:t>둘째 수준</a:t>
+            </a:r>
+            <a:endParaRPr lang="ko-KR" altLang="en-US" sz="1400" cap="none" dirty="0" smtClean="0" b="0" strike="noStrike">
+              <a:ln w="9525" cap="flat" cmpd="sng">
+                <a:noFill/>
+                <a:prstDash/>
+              </a:ln>
+              <a:latin typeface="Avenir Next Ultra Light" charset="0"/>
+              <a:ea typeface="Avenir Next Ultra Light" charset="0"/>
+            </a:endParaRPr>
+          </a:p>
+          <a:p>
+            <a:pPr marL="0" indent="0" algn="l" fontAlgn="auto" defTabSz="584200">
+              <a:lnSpc>
+                <a:spcPct val="120000"/>
+              </a:lnSpc>
+              <a:spcBef>
+                <a:spcPts val="0"/>
+              </a:spcBef>
+              <a:spcAft>
+                <a:spcPts val="0"/>
+              </a:spcAft>
+              <a:buFontTx/>
+              <a:buNone/>
+            </a:pPr>
+            <a:r>
+              <a:rPr lang="en-US" altLang="ko-KR" sz="1400" cap="none" dirty="0" smtClean="0" b="0" strike="noStrike">
+                <a:ln w="9525" cap="flat" cmpd="sng">
+                  <a:noFill/>
+                  <a:prstDash/>
+                </a:ln>
+                <a:latin typeface="Avenir Next Ultra Light" charset="0"/>
+                <a:ea typeface="Avenir Next Ultra Light" charset="0"/>
+              </a:rPr>
+              <a:t>셋째 수준</a:t>
+            </a:r>
+            <a:endParaRPr lang="ko-KR" altLang="en-US" sz="1400" cap="none" dirty="0" smtClean="0" b="0" strike="noStrike">
+              <a:ln w="9525" cap="flat" cmpd="sng">
+                <a:noFill/>
+                <a:prstDash/>
+              </a:ln>
+              <a:latin typeface="Avenir Next Ultra Light" charset="0"/>
+              <a:ea typeface="Avenir Next Ultra Light" charset="0"/>
+            </a:endParaRPr>
+          </a:p>
+          <a:p>
+            <a:pPr marL="0" indent="0" algn="l" fontAlgn="auto" defTabSz="584200">
+              <a:lnSpc>
+                <a:spcPct val="120000"/>
+              </a:lnSpc>
+              <a:spcBef>
+                <a:spcPts val="0"/>
+              </a:spcBef>
+              <a:spcAft>
+                <a:spcPts val="0"/>
+              </a:spcAft>
+              <a:buFontTx/>
+              <a:buNone/>
+            </a:pPr>
+            <a:r>
+              <a:rPr lang="en-US" altLang="ko-KR" sz="1400" cap="none" dirty="0" smtClean="0" b="0" strike="noStrike">
+                <a:ln w="9525" cap="flat" cmpd="sng">
+                  <a:noFill/>
+                  <a:prstDash/>
+                </a:ln>
+                <a:latin typeface="Avenir Next Ultra Light" charset="0"/>
+                <a:ea typeface="Avenir Next Ultra Light" charset="0"/>
+              </a:rPr>
+              <a:t>넷째 수준</a:t>
+            </a:r>
+            <a:endParaRPr lang="ko-KR" altLang="en-US" sz="1400" cap="none" dirty="0" smtClean="0" b="0" strike="noStrike">
+              <a:ln w="9525" cap="flat" cmpd="sng">
+                <a:noFill/>
+                <a:prstDash/>
+              </a:ln>
+              <a:latin typeface="Avenir Next Ultra Light" charset="0"/>
+              <a:ea typeface="Avenir Next Ultra Light" charset="0"/>
+            </a:endParaRPr>
+          </a:p>
+          <a:p>
+            <a:pPr marL="0" indent="0" algn="l" fontAlgn="auto" defTabSz="584200">
+              <a:lnSpc>
+                <a:spcPct val="120000"/>
+              </a:lnSpc>
+              <a:spcBef>
+                <a:spcPts val="0"/>
+              </a:spcBef>
+              <a:spcAft>
+                <a:spcPts val="0"/>
+              </a:spcAft>
+              <a:buFontTx/>
+              <a:buNone/>
+            </a:pPr>
+            <a:r>
+              <a:rPr lang="en-US" altLang="ko-KR" sz="1400" cap="none" dirty="0" smtClean="0" b="0" strike="noStrike">
+                <a:ln w="9525" cap="flat" cmpd="sng">
+                  <a:noFill/>
+                  <a:prstDash/>
+                </a:ln>
+                <a:latin typeface="Avenir Next Ultra Light" charset="0"/>
+                <a:ea typeface="Avenir Next Ultra Light" charset="0"/>
+              </a:rPr>
+              <a:t>다섯째 수준</a:t>
+            </a:r>
+            <a:endParaRPr lang="ko-KR" altLang="en-US" sz="1400" cap="none" dirty="0" smtClean="0" b="0" strike="noStrike">
+              <a:ln w="9525" cap="flat" cmpd="sng">
+                <a:noFill/>
+                <a:prstDash/>
+              </a:ln>
+              <a:latin typeface="Avenir Next Ultra Light" charset="0"/>
+              <a:ea typeface="Avenir Next Ultra Light" charset="0"/>
+            </a:endParaRPr>
+          </a:p>
+        </p:txBody>
+      </p:sp>
+      <p:sp>
+        <p:nvSpPr>
           <p:cNvPr id="2" name="직사각형 1"/>
           <p:cNvSpPr>
             <a:spLocks/>
@@ -6717,8 +6914,8 @@
         </p:nvSpPr>
         <p:spPr>
           <a:xfrm rot="0">
-            <a:off x="6176010" y="1344295"/>
-            <a:ext cx="636270" cy="1847215"/>
+            <a:off x="6176645" y="1344295"/>
+            <a:ext cx="635635" cy="1847215"/>
           </a:xfrm>
           <a:prstGeom prst="rect"/>
           <a:ln w="12700" cap="flat" cmpd="sng">
@@ -6769,389 +6966,6 @@
               </a:solidFill>
               <a:latin typeface="배달의민족 도현 OTF" charset="0"/>
               <a:ea typeface="배달의민족 도현 OTF" charset="0"/>
-            </a:endParaRPr>
-          </a:p>
-        </p:txBody>
-      </p:sp>
-      <p:sp>
-        <p:nvSpPr>
-          <p:cNvPr id="464" name="Nullam id dolor id nibh ultricies vehicula ut id elit. Cum sociis natoque et dis parturient montes, ridiculus mus. Fusce dapibus, tellus ac cursus commodo, tortor mauris condimentum nibh, ut fermentum massa justo sit amet risus. Morbi leo risus, porta ac consectetur ac, vestibulum at eros. Cras justo, dapibus ac facilisis in, egestas eget quam.Cras justo odio, dapibus ac facilisis in, egestas eget quam. Fusce dapibus, tellus ac cursus commodo, tortor mauris condimentum nibh, ut fermentum massa justo sit amet risus. Cras mattis consectetur purus sit amet fermentum. Integer posuere erat a ante venenatis dapibus posuere velit aliquet. Nullam id dolor id nibh ultricies vehicula ut id elit.…"/>
-          <p:cNvSpPr txBox="1">
-            <a:spLocks/>
-          </p:cNvSpPr>
-          <p:nvPr>
-            <p:ph type="body" sz="half" idx="1"/>
-          </p:nvPr>
-        </p:nvSpPr>
-        <p:spPr>
-          <a:xfrm rot="0">
-            <a:off x="1370330" y="3883025"/>
-            <a:ext cx="10264775" cy="3836670"/>
-          </a:xfrm>
-          <a:ln w="12700" cap="flat" cmpd="sng">
-            <a:prstDash/>
-            <a:miter lim="800000"/>
-          </a:ln>
-        </p:spPr>
-        <p:txBody>
-          <a:bodyPr wrap="square" lIns="0" tIns="0" rIns="0" bIns="0" numCol="2" vert="horz" anchor="t">
-            <a:noAutofit/>
-          </a:bodyPr>
-          <a:lstStyle/>
-          <a:p>
-            <a:pPr marL="0" indent="0" algn="l" fontAlgn="auto" defTabSz="584200">
-              <a:lnSpc>
-                <a:spcPct val="100000"/>
-              </a:lnSpc>
-              <a:spcBef>
-                <a:spcPts val="0"/>
-              </a:spcBef>
-              <a:spcAft>
-                <a:spcPts val="0"/>
-              </a:spcAft>
-              <a:buFontTx/>
-              <a:buNone/>
-            </a:pPr>
-            <a:r>
-              <a:rPr lang="en-US" altLang="ko-KR" sz="3500" cap="none" dirty="0" smtClean="0" b="0" strike="noStrike">
-                <a:latin typeface="Impact" charset="0"/>
-                <a:ea typeface="Impact" charset="0"/>
-              </a:rPr>
-              <a:t>Model</a:t>
-            </a:r>
-            <a:endParaRPr lang="ko-KR" altLang="en-US" sz="2500" cap="none" dirty="0" smtClean="0" b="0" strike="noStrike">
-              <a:latin typeface="Impact" charset="0"/>
-              <a:ea typeface="Impact" charset="0"/>
-            </a:endParaRPr>
-          </a:p>
-          <a:p>
-            <a:pPr marL="0" indent="0" algn="l" fontAlgn="auto" defTabSz="508000">
-              <a:lnSpc>
-                <a:spcPct val="100000"/>
-              </a:lnSpc>
-              <a:spcBef>
-                <a:spcPts val="0"/>
-              </a:spcBef>
-              <a:spcAft>
-                <a:spcPts val="0"/>
-              </a:spcAft>
-              <a:buFontTx/>
-              <a:buNone/>
-            </a:pPr>
-            <a:r>
-              <a:rPr lang="en-US" altLang="ko-KR" sz="2500" cap="none" dirty="0" smtClean="0" b="0" strike="noStrike">
-                <a:latin typeface="Impact" charset="0"/>
-                <a:ea typeface="Impact" charset="0"/>
-              </a:rPr>
-              <a:t>백그라운드에서 동작하는 로직을 처리합니다.</a:t>
-            </a:r>
-            <a:endParaRPr lang="ko-KR" altLang="en-US" sz="2500" cap="none" dirty="0" smtClean="0" b="0" strike="noStrike">
-              <a:latin typeface="Impact" charset="0"/>
-              <a:ea typeface="Impact" charset="0"/>
-            </a:endParaRPr>
-          </a:p>
-          <a:p>
-            <a:pPr marL="0" indent="0" algn="l" fontAlgn="auto" defTabSz="508000">
-              <a:lnSpc>
-                <a:spcPct val="100000"/>
-              </a:lnSpc>
-              <a:spcBef>
-                <a:spcPts val="0"/>
-              </a:spcBef>
-              <a:spcAft>
-                <a:spcPts val="0"/>
-              </a:spcAft>
-              <a:buFontTx/>
-              <a:buNone/>
-            </a:pPr>
-            <a:r>
-              <a:rPr lang="en-US" altLang="ko-KR" sz="1800" cap="none" dirty="0" smtClean="0" b="0" strike="noStrike">
-                <a:latin typeface="Impact" charset="0"/>
-                <a:ea typeface="Impact" charset="0"/>
-              </a:rPr>
-              <a:t>모델은 데이터를 가지고 있는 객체 또는 </a:t>
-            </a:r>
-            <a:r>
-              <a:rPr lang="en-US" altLang="ko-KR" sz="1800" cap="none" dirty="0" smtClean="0" u="sng" b="0" strike="noStrike">
-                <a:latin typeface="Impact" charset="0"/>
-                <a:ea typeface="Impact" charset="0"/>
-              </a:rPr>
-              <a:t>JAVA POJO</a:t>
-            </a:r>
-            <a:r>
-              <a:rPr lang="en-US" altLang="ko-KR" sz="1800" cap="none" dirty="0" smtClean="0" b="0" strike="noStrike">
-                <a:latin typeface="Impact" charset="0"/>
-                <a:ea typeface="Impact" charset="0"/>
-              </a:rPr>
-              <a:t>라고 부름.</a:t>
-            </a:r>
-            <a:endParaRPr lang="ko-KR" altLang="en-US" sz="1800" cap="none" dirty="0" smtClean="0" b="0" strike="noStrike">
-              <a:latin typeface="Impact" charset="0"/>
-              <a:ea typeface="Impact" charset="0"/>
-            </a:endParaRPr>
-          </a:p>
-          <a:p>
-            <a:pPr marL="0" indent="0" algn="l" fontAlgn="auto" defTabSz="508000">
-              <a:lnSpc>
-                <a:spcPct val="100000"/>
-              </a:lnSpc>
-              <a:spcBef>
-                <a:spcPts val="0"/>
-              </a:spcBef>
-              <a:spcAft>
-                <a:spcPts val="0"/>
-              </a:spcAft>
-              <a:buFontTx/>
-              <a:buNone/>
-            </a:pPr>
-            <a:r>
-              <a:rPr lang="en-US" altLang="ko-KR" sz="1800" cap="none" dirty="0" smtClean="0" b="0" strike="noStrike">
-                <a:latin typeface="Impact" charset="0"/>
-                <a:ea typeface="Impact" charset="0"/>
-              </a:rPr>
-              <a:t>데이터가 바뀌었을 때 컨트롤러의 데이터를 업데이트 하는 로직도 포함.</a:t>
-            </a:r>
-            <a:endParaRPr lang="ko-KR" altLang="en-US" sz="1800" cap="none" dirty="0" smtClean="0" b="0" strike="noStrike">
-              <a:latin typeface="Impact" charset="0"/>
-              <a:ea typeface="Impact" charset="0"/>
-            </a:endParaRPr>
-          </a:p>
-          <a:p>
-            <a:pPr marL="0" indent="0" algn="l" fontAlgn="auto" defTabSz="508000">
-              <a:lnSpc>
-                <a:spcPct val="100000"/>
-              </a:lnSpc>
-              <a:spcBef>
-                <a:spcPts val="0"/>
-              </a:spcBef>
-              <a:spcAft>
-                <a:spcPts val="0"/>
-              </a:spcAft>
-              <a:buFontTx/>
-              <a:buNone/>
-            </a:pPr>
-            <a:endParaRPr lang="ko-KR" altLang="en-US" sz="1800" cap="none" dirty="0" smtClean="0" u="sng" b="0" strike="noStrike">
-              <a:latin typeface="Impact" charset="0"/>
-              <a:ea typeface="Impact" charset="0"/>
-            </a:endParaRPr>
-          </a:p>
-          <a:p>
-            <a:pPr marL="0" indent="0" algn="l" fontAlgn="auto" defTabSz="508000">
-              <a:lnSpc>
-                <a:spcPct val="100000"/>
-              </a:lnSpc>
-              <a:spcBef>
-                <a:spcPts val="0"/>
-              </a:spcBef>
-              <a:spcAft>
-                <a:spcPts val="0"/>
-              </a:spcAft>
-              <a:buFontTx/>
-              <a:buNone/>
-            </a:pPr>
-            <a:r>
-              <a:rPr lang="en-US" altLang="ko-KR" sz="2500" cap="none" dirty="0" smtClean="0" u="sng" b="0" strike="noStrike">
-                <a:latin typeface="Impact" charset="0"/>
-                <a:ea typeface="Impact" charset="0"/>
-              </a:rPr>
-              <a:t>JAVA POJO란?</a:t>
-            </a:r>
-            <a:endParaRPr lang="ko-KR" altLang="en-US" sz="2500" cap="none" dirty="0" smtClean="0" u="sng" b="0" strike="noStrike">
-              <a:latin typeface="Impact" charset="0"/>
-              <a:ea typeface="Impact" charset="0"/>
-            </a:endParaRPr>
-          </a:p>
-          <a:p>
-            <a:pPr marL="0" indent="0" algn="just" fontAlgn="auto" defTabSz="508000">
-              <a:lnSpc>
-                <a:spcPct val="100000"/>
-              </a:lnSpc>
-              <a:spcBef>
-                <a:spcPts val="0"/>
-              </a:spcBef>
-              <a:spcAft>
-                <a:spcPts val="0"/>
-              </a:spcAft>
-              <a:buFontTx/>
-              <a:buNone/>
-            </a:pPr>
-            <a:r>
-              <a:rPr lang="en-US" altLang="ko-KR" sz="1800" cap="none" dirty="0" smtClean="0" b="0" strike="noStrike">
-                <a:solidFill>
-                  <a:srgbClr val="000000"/>
-                </a:solidFill>
-                <a:latin typeface="Impact" charset="0"/>
-                <a:ea typeface="Impact" charset="0"/>
-              </a:rPr>
-              <a:t>마틴파울러 2000년 어느 컨퍼런스의 발표를 준비하면서 처음 만들어낸 말이다. </a:t>
-            </a:r>
-            <a:endParaRPr lang="ko-KR" altLang="en-US" sz="1800" cap="none" dirty="0" smtClean="0" b="0" strike="noStrike">
-              <a:solidFill>
-                <a:srgbClr val="000000"/>
-              </a:solidFill>
-              <a:latin typeface="Impact" charset="0"/>
-              <a:ea typeface="Impact" charset="0"/>
-            </a:endParaRPr>
-          </a:p>
-          <a:p>
-            <a:pPr marL="0" indent="0" algn="just" fontAlgn="auto" defTabSz="508000">
-              <a:lnSpc>
-                <a:spcPct val="100000"/>
-              </a:lnSpc>
-              <a:spcBef>
-                <a:spcPts val="0"/>
-              </a:spcBef>
-              <a:spcAft>
-                <a:spcPts val="0"/>
-              </a:spcAft>
-              <a:buFontTx/>
-              <a:buNone/>
-            </a:pPr>
-            <a:r>
-              <a:rPr lang="en-US" altLang="ko-KR" sz="1800" cap="none" dirty="0" smtClean="0" b="0" strike="noStrike">
-                <a:solidFill>
-                  <a:srgbClr val="000000"/>
-                </a:solidFill>
-                <a:latin typeface="Impact" charset="0"/>
-                <a:ea typeface="Impact" charset="0"/>
-              </a:rPr>
-              <a:t>마틴파울러는 EJB보다 단순한 자바 오브젝트에 도메인 로직을 넣어</a:t>
-            </a:r>
-            <a:endParaRPr lang="ko-KR" altLang="en-US" sz="1800" cap="none" dirty="0" smtClean="0" b="0" strike="noStrike">
-              <a:solidFill>
-                <a:srgbClr val="000000"/>
-              </a:solidFill>
-              <a:latin typeface="Impact" charset="0"/>
-              <a:ea typeface="Impact" charset="0"/>
-            </a:endParaRPr>
-          </a:p>
-          <a:p>
-            <a:pPr marL="0" indent="0" algn="just" fontAlgn="auto" defTabSz="508000">
-              <a:lnSpc>
-                <a:spcPct val="100000"/>
-              </a:lnSpc>
-              <a:spcBef>
-                <a:spcPts val="0"/>
-              </a:spcBef>
-              <a:spcAft>
-                <a:spcPts val="0"/>
-              </a:spcAft>
-              <a:buFontTx/>
-              <a:buNone/>
-            </a:pPr>
-            <a:r>
-              <a:rPr lang="en-US" altLang="ko-KR" sz="1800" cap="none" dirty="0" smtClean="0" b="0" strike="noStrike">
-                <a:solidFill>
-                  <a:srgbClr val="000000"/>
-                </a:solidFill>
-                <a:latin typeface="Impact" charset="0"/>
-                <a:ea typeface="Impact" charset="0"/>
-              </a:rPr>
-              <a:t>사용하는 것이 여러가지 장점이 있는데도 사람들은 평범한 자바오브젝트를</a:t>
-            </a:r>
-            <a:endParaRPr lang="ko-KR" altLang="en-US" sz="1800" cap="none" dirty="0" smtClean="0" b="0" strike="noStrike">
-              <a:solidFill>
-                <a:srgbClr val="000000"/>
-              </a:solidFill>
-              <a:latin typeface="Impact" charset="0"/>
-              <a:ea typeface="Impact" charset="0"/>
-            </a:endParaRPr>
-          </a:p>
-          <a:p>
-            <a:pPr marL="0" indent="0" algn="just" fontAlgn="auto" defTabSz="508000">
-              <a:lnSpc>
-                <a:spcPct val="100000"/>
-              </a:lnSpc>
-              <a:spcBef>
-                <a:spcPts val="0"/>
-              </a:spcBef>
-              <a:spcAft>
-                <a:spcPts val="0"/>
-              </a:spcAft>
-              <a:buFontTx/>
-              <a:buNone/>
-            </a:pPr>
-            <a:r>
-              <a:rPr lang="en-US" altLang="ko-KR" sz="1800" cap="none" dirty="0" smtClean="0" b="0" strike="noStrike">
-                <a:solidFill>
-                  <a:srgbClr val="000000"/>
-                </a:solidFill>
-                <a:latin typeface="Impact" charset="0"/>
-                <a:ea typeface="Impact" charset="0"/>
-              </a:rPr>
-              <a:t>사용하기를 꺼려하는지에 의문을 가졌다. </a:t>
-            </a:r>
-            <a:endParaRPr lang="ko-KR" altLang="en-US" sz="1800" cap="none" dirty="0" smtClean="0" b="0" strike="noStrike">
-              <a:solidFill>
-                <a:srgbClr val="000000"/>
-              </a:solidFill>
-              <a:latin typeface="Impact" charset="0"/>
-              <a:ea typeface="Impact" charset="0"/>
-            </a:endParaRPr>
-          </a:p>
-          <a:p>
-            <a:pPr marL="0" indent="0" algn="just" fontAlgn="auto" defTabSz="508000">
-              <a:lnSpc>
-                <a:spcPct val="100000"/>
-              </a:lnSpc>
-              <a:spcBef>
-                <a:spcPts val="0"/>
-              </a:spcBef>
-              <a:spcAft>
-                <a:spcPts val="0"/>
-              </a:spcAft>
-              <a:buFontTx/>
-              <a:buNone/>
-            </a:pPr>
-            <a:r>
-              <a:rPr lang="en-US" altLang="ko-KR" sz="1800" cap="none" dirty="0" smtClean="0" b="0" strike="noStrike">
-                <a:solidFill>
-                  <a:srgbClr val="000000"/>
-                </a:solidFill>
-                <a:latin typeface="Impact" charset="0"/>
-                <a:ea typeface="Impact" charset="0"/>
-              </a:rPr>
-              <a:t>자바오브젝트는 그럴싸한 이름이 없어서 사용을 주저하는 것이라는 결론을 내리고</a:t>
-            </a:r>
-            <a:endParaRPr lang="ko-KR" altLang="en-US" sz="1800" cap="none" dirty="0" smtClean="0" b="0" strike="noStrike">
-              <a:solidFill>
-                <a:srgbClr val="000000"/>
-              </a:solidFill>
-              <a:latin typeface="Impact" charset="0"/>
-              <a:ea typeface="Impact" charset="0"/>
-            </a:endParaRPr>
-          </a:p>
-          <a:p>
-            <a:pPr marL="0" indent="0" algn="just" fontAlgn="auto" defTabSz="508000">
-              <a:lnSpc>
-                <a:spcPct val="100000"/>
-              </a:lnSpc>
-              <a:spcBef>
-                <a:spcPts val="0"/>
-              </a:spcBef>
-              <a:spcAft>
-                <a:spcPts val="0"/>
-              </a:spcAft>
-              <a:buFontTx/>
-              <a:buNone/>
-            </a:pPr>
-            <a:r>
-              <a:rPr lang="en-US" altLang="ko-KR" sz="1800" cap="none" dirty="0" smtClean="0" b="0" strike="noStrike">
-                <a:solidFill>
-                  <a:srgbClr val="000000"/>
-                </a:solidFill>
-                <a:latin typeface="Impact" charset="0"/>
-                <a:ea typeface="Impact" charset="0"/>
-              </a:rPr>
-              <a:t>그때 만든 단어가POJO라는 용어이다. </a:t>
-            </a:r>
-            <a:endParaRPr lang="ko-KR" altLang="en-US" sz="1800" cap="none" dirty="0" smtClean="0" b="0" strike="noStrike">
-              <a:ln w="9525" cap="flat" cmpd="sng">
-                <a:noFill/>
-                <a:prstDash/>
-              </a:ln>
-              <a:latin typeface="Impact" charset="0"/>
-              <a:ea typeface="Impact" charset="0"/>
             </a:endParaRPr>
           </a:p>
         </p:txBody>
@@ -7210,6 +7024,481 @@
               </a:ln>
               <a:latin typeface="Impact" charset="0"/>
               <a:ea typeface="Impact" charset="0"/>
+            </a:endParaRPr>
+          </a:p>
+        </p:txBody>
+      </p:sp>
+      <p:sp>
+        <p:nvSpPr>
+          <p:cNvPr id="467" name="텍스트 상자 466"/>
+          <p:cNvSpPr txBox="1">
+            <a:spLocks/>
+          </p:cNvSpPr>
+          <p:nvPr/>
+        </p:nvSpPr>
+        <p:spPr>
+          <a:xfrm rot="0">
+            <a:off x="1384300" y="3873500"/>
+            <a:ext cx="10249535" cy="3893185"/>
+          </a:xfrm>
+          <a:prstGeom prst="rect"/>
+          <a:noFill/>
+          <a:ln w="0">
+            <a:noFill/>
+            <a:prstDash/>
+          </a:ln>
+        </p:spPr>
+        <p:txBody>
+          <a:bodyPr wrap="square" lIns="89535" tIns="46355" rIns="89535" bIns="46355" vert="horz" anchor="t">
+            <a:spAutoFit/>
+          </a:bodyPr>
+          <a:lstStyle/>
+          <a:p>
+            <a:pPr marL="0" indent="0" algn="l" fontAlgn="auto" defTabSz="584200">
+              <a:lnSpc>
+                <a:spcPct val="100000"/>
+              </a:lnSpc>
+              <a:spcBef>
+                <a:spcPts val="0"/>
+              </a:spcBef>
+              <a:spcAft>
+                <a:spcPts val="0"/>
+              </a:spcAft>
+              <a:buFontTx/>
+              <a:buNone/>
+            </a:pPr>
+            <a:r>
+              <a:rPr lang="en-US" altLang="ko-KR" sz="3500" cap="none" dirty="0" smtClean="0" b="0" strike="noStrike">
+                <a:ln w="9525" cap="flat" cmpd="sng">
+                  <a:noFill/>
+                  <a:prstDash/>
+                </a:ln>
+                <a:latin typeface="Impact" charset="0"/>
+                <a:ea typeface="Impact" charset="0"/>
+              </a:rPr>
+              <a:t>Model</a:t>
+            </a:r>
+            <a:endParaRPr lang="ko-KR" altLang="en-US" sz="3500" cap="none" dirty="0" smtClean="0" b="0" strike="noStrike">
+              <a:ln w="9525" cap="flat" cmpd="sng">
+                <a:noFill/>
+                <a:prstDash/>
+              </a:ln>
+              <a:latin typeface="Impact" charset="0"/>
+              <a:ea typeface="Impact" charset="0"/>
+            </a:endParaRPr>
+          </a:p>
+          <a:p>
+            <a:pPr marL="0" indent="0" algn="l" fontAlgn="auto" defTabSz="508000">
+              <a:lnSpc>
+                <a:spcPct val="100000"/>
+              </a:lnSpc>
+              <a:spcBef>
+                <a:spcPts val="0"/>
+              </a:spcBef>
+              <a:spcAft>
+                <a:spcPts val="0"/>
+              </a:spcAft>
+              <a:buFontTx/>
+              <a:buNone/>
+            </a:pPr>
+            <a:r>
+              <a:rPr lang="en-US" altLang="ko-KR" sz="2500" cap="none" dirty="0" smtClean="0" b="0" strike="noStrike">
+                <a:ln w="9525" cap="flat" cmpd="sng">
+                  <a:noFill/>
+                  <a:prstDash/>
+                </a:ln>
+                <a:latin typeface="Impact" charset="0"/>
+                <a:ea typeface="Impact" charset="0"/>
+              </a:rPr>
+              <a:t>백그라운드에서 동작하는 로직을 처리합니다.</a:t>
+            </a:r>
+            <a:endParaRPr lang="ko-KR" altLang="en-US" sz="2500" cap="none" dirty="0" smtClean="0" b="0" strike="noStrike">
+              <a:ln w="9525" cap="flat" cmpd="sng">
+                <a:noFill/>
+                <a:prstDash/>
+              </a:ln>
+              <a:latin typeface="Impact" charset="0"/>
+              <a:ea typeface="Impact" charset="0"/>
+            </a:endParaRPr>
+          </a:p>
+          <a:p>
+            <a:pPr marL="0" indent="0" algn="l" fontAlgn="auto" defTabSz="508000">
+              <a:lnSpc>
+                <a:spcPct val="100000"/>
+              </a:lnSpc>
+              <a:spcBef>
+                <a:spcPts val="0"/>
+              </a:spcBef>
+              <a:spcAft>
+                <a:spcPts val="0"/>
+              </a:spcAft>
+              <a:buFontTx/>
+              <a:buNone/>
+            </a:pPr>
+            <a:r>
+              <a:rPr lang="en-US" altLang="ko-KR" sz="1800" cap="none" dirty="0" smtClean="0" b="0" strike="noStrike">
+                <a:ln w="9525" cap="flat" cmpd="sng">
+                  <a:noFill/>
+                  <a:prstDash/>
+                </a:ln>
+                <a:latin typeface="Impact" charset="0"/>
+                <a:ea typeface="Impact" charset="0"/>
+              </a:rPr>
+              <a:t>모델은 데이터를 가지고 있는 객체 또는 </a:t>
+            </a:r>
+            <a:r>
+              <a:rPr lang="en-US" altLang="ko-KR" sz="1800" cap="none" dirty="0" smtClean="0" u="sng" b="0" strike="noStrike">
+                <a:ln w="9525" cap="flat" cmpd="sng">
+                  <a:noFill/>
+                  <a:prstDash/>
+                </a:ln>
+                <a:latin typeface="Impact" charset="0"/>
+                <a:ea typeface="Impact" charset="0"/>
+              </a:rPr>
+              <a:t>JAVA POJO</a:t>
+            </a:r>
+            <a:r>
+              <a:rPr lang="en-US" altLang="ko-KR" sz="1800" cap="none" dirty="0" smtClean="0" b="0" strike="noStrike">
+                <a:ln w="9525" cap="flat" cmpd="sng">
+                  <a:noFill/>
+                  <a:prstDash/>
+                </a:ln>
+                <a:latin typeface="Impact" charset="0"/>
+                <a:ea typeface="Impact" charset="0"/>
+              </a:rPr>
+              <a:t>라고 부름.</a:t>
+            </a:r>
+            <a:endParaRPr lang="ko-KR" altLang="en-US" sz="1800" cap="none" dirty="0" smtClean="0" b="0" strike="noStrike">
+              <a:ln w="9525" cap="flat" cmpd="sng">
+                <a:noFill/>
+                <a:prstDash/>
+              </a:ln>
+              <a:latin typeface="Impact" charset="0"/>
+              <a:ea typeface="Impact" charset="0"/>
+            </a:endParaRPr>
+          </a:p>
+          <a:p>
+            <a:pPr marL="0" indent="0" algn="l" fontAlgn="auto" defTabSz="508000">
+              <a:lnSpc>
+                <a:spcPct val="100000"/>
+              </a:lnSpc>
+              <a:spcBef>
+                <a:spcPts val="0"/>
+              </a:spcBef>
+              <a:spcAft>
+                <a:spcPts val="0"/>
+              </a:spcAft>
+              <a:buFontTx/>
+              <a:buNone/>
+            </a:pPr>
+            <a:r>
+              <a:rPr lang="en-US" altLang="ko-KR" sz="1800" cap="none" dirty="0" smtClean="0" b="0" strike="noStrike">
+                <a:ln w="9525" cap="flat" cmpd="sng">
+                  <a:noFill/>
+                  <a:prstDash/>
+                </a:ln>
+                <a:latin typeface="Impact" charset="0"/>
+                <a:ea typeface="Impact" charset="0"/>
+              </a:rPr>
+              <a:t>데이터가 바뀌었을 때 컨트롤러의 데이터를 업데이트 하는 로직도 포함.</a:t>
+            </a:r>
+            <a:endParaRPr lang="ko-KR" altLang="en-US" sz="1800" cap="none" dirty="0" smtClean="0" b="0" strike="noStrike">
+              <a:ln w="9525" cap="flat" cmpd="sng">
+                <a:noFill/>
+                <a:prstDash/>
+              </a:ln>
+              <a:latin typeface="Impact" charset="0"/>
+              <a:ea typeface="Impact" charset="0"/>
+            </a:endParaRPr>
+          </a:p>
+          <a:p>
+            <a:pPr marL="0" indent="0" algn="l" fontAlgn="auto" defTabSz="508000">
+              <a:lnSpc>
+                <a:spcPct val="100000"/>
+              </a:lnSpc>
+              <a:spcBef>
+                <a:spcPts val="0"/>
+              </a:spcBef>
+              <a:spcAft>
+                <a:spcPts val="0"/>
+              </a:spcAft>
+              <a:buFontTx/>
+              <a:buNone/>
+            </a:pPr>
+            <a:endParaRPr lang="ko-KR" altLang="en-US" sz="1800" cap="none" dirty="0" smtClean="0" u="sng" b="0" strike="noStrike">
+              <a:ln w="9525" cap="flat" cmpd="sng">
+                <a:noFill/>
+                <a:prstDash/>
+              </a:ln>
+              <a:latin typeface="Impact" charset="0"/>
+              <a:ea typeface="Impact" charset="0"/>
+            </a:endParaRPr>
+          </a:p>
+          <a:p>
+            <a:pPr marL="0" indent="0" algn="l" fontAlgn="auto" defTabSz="508000">
+              <a:lnSpc>
+                <a:spcPct val="100000"/>
+              </a:lnSpc>
+              <a:spcBef>
+                <a:spcPts val="0"/>
+              </a:spcBef>
+              <a:spcAft>
+                <a:spcPts val="0"/>
+              </a:spcAft>
+              <a:buFontTx/>
+              <a:buNone/>
+            </a:pPr>
+            <a:r>
+              <a:rPr lang="en-US" altLang="ko-KR" sz="2500" cap="none" dirty="0" smtClean="0" u="sng" b="0" strike="noStrike">
+                <a:ln w="9525" cap="flat" cmpd="sng">
+                  <a:noFill/>
+                  <a:prstDash/>
+                </a:ln>
+                <a:latin typeface="Impact" charset="0"/>
+                <a:ea typeface="Impact" charset="0"/>
+              </a:rPr>
+              <a:t>JAVA POJO란?</a:t>
+            </a:r>
+            <a:endParaRPr lang="ko-KR" altLang="en-US" sz="2500" cap="none" dirty="0" smtClean="0" u="sng" b="0" strike="noStrike">
+              <a:ln w="9525" cap="flat" cmpd="sng">
+                <a:noFill/>
+                <a:prstDash/>
+              </a:ln>
+              <a:latin typeface="Impact" charset="0"/>
+              <a:ea typeface="Impact" charset="0"/>
+            </a:endParaRPr>
+          </a:p>
+          <a:p>
+            <a:pPr marL="0" indent="0" algn="just" fontAlgn="auto" defTabSz="508000">
+              <a:lnSpc>
+                <a:spcPct val="100000"/>
+              </a:lnSpc>
+              <a:spcBef>
+                <a:spcPts val="0"/>
+              </a:spcBef>
+              <a:spcAft>
+                <a:spcPts val="0"/>
+              </a:spcAft>
+              <a:buFontTx/>
+              <a:buNone/>
+            </a:pPr>
+            <a:r>
+              <a:rPr lang="en-US" altLang="ko-KR" sz="1800" cap="none" dirty="0" smtClean="0" b="0" strike="noStrike">
+                <a:ln w="9525" cap="flat" cmpd="sng">
+                  <a:noFill/>
+                  <a:prstDash/>
+                </a:ln>
+                <a:solidFill>
+                  <a:srgbClr val="000000"/>
+                </a:solidFill>
+                <a:latin typeface="Impact" charset="0"/>
+                <a:ea typeface="Impact" charset="0"/>
+              </a:rPr>
+              <a:t>마틴파울러 2000년 어느 컨퍼런스의 발표를 준비하면서 처음 만들어낸 말이다. </a:t>
+            </a:r>
+            <a:endParaRPr lang="ko-KR" altLang="en-US" sz="1800" cap="none" dirty="0" smtClean="0" b="0" strike="noStrike">
+              <a:ln w="9525" cap="flat" cmpd="sng">
+                <a:noFill/>
+                <a:prstDash/>
+              </a:ln>
+              <a:solidFill>
+                <a:srgbClr val="000000"/>
+              </a:solidFill>
+              <a:latin typeface="Impact" charset="0"/>
+              <a:ea typeface="Impact" charset="0"/>
+            </a:endParaRPr>
+          </a:p>
+          <a:p>
+            <a:pPr marL="0" indent="0" algn="just" fontAlgn="auto" defTabSz="508000">
+              <a:lnSpc>
+                <a:spcPct val="100000"/>
+              </a:lnSpc>
+              <a:spcBef>
+                <a:spcPts val="0"/>
+              </a:spcBef>
+              <a:spcAft>
+                <a:spcPts val="0"/>
+              </a:spcAft>
+              <a:buFontTx/>
+              <a:buNone/>
+            </a:pPr>
+            <a:r>
+              <a:rPr lang="en-US" altLang="ko-KR" sz="1800" cap="none" dirty="0" smtClean="0" b="0" strike="noStrike">
+                <a:ln w="9525" cap="flat" cmpd="sng">
+                  <a:noFill/>
+                  <a:prstDash/>
+                </a:ln>
+                <a:solidFill>
+                  <a:srgbClr val="000000"/>
+                </a:solidFill>
+                <a:latin typeface="Impact" charset="0"/>
+                <a:ea typeface="Impact" charset="0"/>
+              </a:rPr>
+              <a:t>마틴파울러는 EJB보다 단순한 자바 오브젝트에 도메인 로직을 넣어</a:t>
+            </a:r>
+            <a:endParaRPr lang="ko-KR" altLang="en-US" sz="1800" cap="none" dirty="0" smtClean="0" b="0" strike="noStrike">
+              <a:ln w="9525" cap="flat" cmpd="sng">
+                <a:noFill/>
+                <a:prstDash/>
+              </a:ln>
+              <a:solidFill>
+                <a:srgbClr val="000000"/>
+              </a:solidFill>
+              <a:latin typeface="Impact" charset="0"/>
+              <a:ea typeface="Impact" charset="0"/>
+            </a:endParaRPr>
+          </a:p>
+          <a:p>
+            <a:pPr marL="0" indent="0" algn="just" fontAlgn="auto" defTabSz="508000">
+              <a:lnSpc>
+                <a:spcPct val="100000"/>
+              </a:lnSpc>
+              <a:spcBef>
+                <a:spcPts val="0"/>
+              </a:spcBef>
+              <a:spcAft>
+                <a:spcPts val="0"/>
+              </a:spcAft>
+              <a:buFontTx/>
+              <a:buNone/>
+            </a:pPr>
+            <a:r>
+              <a:rPr lang="en-US" altLang="ko-KR" sz="1800" cap="none" dirty="0" smtClean="0" b="0" strike="noStrike">
+                <a:ln w="9525" cap="flat" cmpd="sng">
+                  <a:noFill/>
+                  <a:prstDash/>
+                </a:ln>
+                <a:solidFill>
+                  <a:srgbClr val="000000"/>
+                </a:solidFill>
+                <a:latin typeface="Impact" charset="0"/>
+                <a:ea typeface="Impact" charset="0"/>
+              </a:rPr>
+              <a:t>사용하는 것이 여러가지 장점이 있는데도 사람들은 평범한 자바오브젝트를</a:t>
+            </a:r>
+            <a:endParaRPr lang="ko-KR" altLang="en-US" sz="1800" cap="none" dirty="0" smtClean="0" b="0" strike="noStrike">
+              <a:ln w="9525" cap="flat" cmpd="sng">
+                <a:noFill/>
+                <a:prstDash/>
+              </a:ln>
+              <a:solidFill>
+                <a:srgbClr val="000000"/>
+              </a:solidFill>
+              <a:latin typeface="Impact" charset="0"/>
+              <a:ea typeface="Impact" charset="0"/>
+            </a:endParaRPr>
+          </a:p>
+          <a:p>
+            <a:pPr marL="0" indent="0" algn="just" fontAlgn="auto" defTabSz="508000">
+              <a:lnSpc>
+                <a:spcPct val="100000"/>
+              </a:lnSpc>
+              <a:spcBef>
+                <a:spcPts val="0"/>
+              </a:spcBef>
+              <a:spcAft>
+                <a:spcPts val="0"/>
+              </a:spcAft>
+              <a:buFontTx/>
+              <a:buNone/>
+            </a:pPr>
+            <a:r>
+              <a:rPr lang="en-US" altLang="ko-KR" sz="1800" cap="none" dirty="0" smtClean="0" b="0" strike="noStrike">
+                <a:ln w="9525" cap="flat" cmpd="sng">
+                  <a:noFill/>
+                  <a:prstDash/>
+                </a:ln>
+                <a:solidFill>
+                  <a:srgbClr val="000000"/>
+                </a:solidFill>
+                <a:latin typeface="Impact" charset="0"/>
+                <a:ea typeface="Impact" charset="0"/>
+              </a:rPr>
+              <a:t>사용하기를 꺼려하는지에 의문을 가졌다. </a:t>
+            </a:r>
+            <a:endParaRPr lang="ko-KR" altLang="en-US" sz="1800" cap="none" dirty="0" smtClean="0" b="0" strike="noStrike">
+              <a:ln w="9525" cap="flat" cmpd="sng">
+                <a:noFill/>
+                <a:prstDash/>
+              </a:ln>
+              <a:solidFill>
+                <a:srgbClr val="000000"/>
+              </a:solidFill>
+              <a:latin typeface="Impact" charset="0"/>
+              <a:ea typeface="Impact" charset="0"/>
+            </a:endParaRPr>
+          </a:p>
+          <a:p>
+            <a:pPr marL="0" indent="0" algn="just" fontAlgn="auto" defTabSz="508000">
+              <a:lnSpc>
+                <a:spcPct val="100000"/>
+              </a:lnSpc>
+              <a:spcBef>
+                <a:spcPts val="0"/>
+              </a:spcBef>
+              <a:spcAft>
+                <a:spcPts val="0"/>
+              </a:spcAft>
+              <a:buFontTx/>
+              <a:buNone/>
+            </a:pPr>
+            <a:r>
+              <a:rPr lang="en-US" altLang="ko-KR" sz="1800" cap="none" dirty="0" smtClean="0" b="0" strike="noStrike">
+                <a:ln w="9525" cap="flat" cmpd="sng">
+                  <a:noFill/>
+                  <a:prstDash/>
+                </a:ln>
+                <a:solidFill>
+                  <a:srgbClr val="000000"/>
+                </a:solidFill>
+                <a:latin typeface="Impact" charset="0"/>
+                <a:ea typeface="Impact" charset="0"/>
+              </a:rPr>
+              <a:t>자바오브젝트는 그럴싸한 이름이 없어서 사용을 주저하는 것이라는 결론을 내리고</a:t>
+            </a:r>
+            <a:endParaRPr lang="ko-KR" altLang="en-US" sz="1800" cap="none" dirty="0" smtClean="0" b="0" strike="noStrike">
+              <a:ln w="9525" cap="flat" cmpd="sng">
+                <a:noFill/>
+                <a:prstDash/>
+              </a:ln>
+              <a:solidFill>
+                <a:srgbClr val="000000"/>
+              </a:solidFill>
+              <a:latin typeface="Impact" charset="0"/>
+              <a:ea typeface="Impact" charset="0"/>
+            </a:endParaRPr>
+          </a:p>
+          <a:p>
+            <a:pPr marL="0" indent="0" algn="just" fontAlgn="auto" defTabSz="508000">
+              <a:lnSpc>
+                <a:spcPct val="100000"/>
+              </a:lnSpc>
+              <a:spcBef>
+                <a:spcPts val="0"/>
+              </a:spcBef>
+              <a:spcAft>
+                <a:spcPts val="0"/>
+              </a:spcAft>
+              <a:buFontTx/>
+              <a:buNone/>
+            </a:pPr>
+            <a:r>
+              <a:rPr lang="en-US" altLang="ko-KR" sz="1800" cap="none" dirty="0" smtClean="0" b="0" strike="noStrike">
+                <a:ln w="9525" cap="flat" cmpd="sng">
+                  <a:noFill/>
+                  <a:prstDash/>
+                </a:ln>
+                <a:solidFill>
+                  <a:srgbClr val="000000"/>
+                </a:solidFill>
+                <a:latin typeface="Impact" charset="0"/>
+                <a:ea typeface="Impact" charset="0"/>
+              </a:rPr>
+              <a:t>그때 만든 단어가POJO라는 용어이다. </a:t>
+            </a:r>
+            <a:endParaRPr lang="ko-KR" altLang="en-US" sz="1800" cap="none" dirty="0" smtClean="0" b="0" strike="noStrike">
+              <a:latin typeface="맑은 고딕" charset="0"/>
+              <a:ea typeface="맑은 고딕" charset="0"/>
             </a:endParaRPr>
           </a:p>
         </p:txBody>
